--- a/5_presentation_072024.pptx
+++ b/5_presentation_072024.pptx
@@ -6,6 +6,24 @@
   </p:sldMasterIdLst>
   <p:sldIdLst>
     <p:sldId id="256" r:id="rId2"/>
+    <p:sldId id="259" r:id="rId3"/>
+    <p:sldId id="260" r:id="rId4"/>
+    <p:sldId id="257" r:id="rId5"/>
+    <p:sldId id="261" r:id="rId6"/>
+    <p:sldId id="262" r:id="rId7"/>
+    <p:sldId id="263" r:id="rId8"/>
+    <p:sldId id="264" r:id="rId9"/>
+    <p:sldId id="265" r:id="rId10"/>
+    <p:sldId id="266" r:id="rId11"/>
+    <p:sldId id="267" r:id="rId12"/>
+    <p:sldId id="268" r:id="rId13"/>
+    <p:sldId id="269" r:id="rId14"/>
+    <p:sldId id="270" r:id="rId15"/>
+    <p:sldId id="271" r:id="rId16"/>
+    <p:sldId id="272" r:id="rId17"/>
+    <p:sldId id="273" r:id="rId18"/>
+    <p:sldId id="274" r:id="rId19"/>
+    <p:sldId id="276" r:id="rId20"/>
   </p:sldIdLst>
   <p:sldSz cx="12192000" cy="6858000"/>
   <p:notesSz cx="6858000" cy="9144000"/>
@@ -104,6 +122,11 @@
       </a:defRPr>
     </a:lvl9pPr>
   </p:defaultTextStyle>
+  <p:extLst>
+    <p:ext uri="{EFAFB233-063F-42B5-8137-9DF3F51BA10A}">
+      <p15:sldGuideLst xmlns:p15="http://schemas.microsoft.com/office/powerpoint/2012/main"/>
+    </p:ext>
+  </p:extLst>
 </p:presentation>
 </file>
 
@@ -254,7 +277,7 @@
           <a:p>
             <a:fld id="{2E2BA21E-E0EB-4621-95C6-8A8A5CB70500}" type="datetimeFigureOut">
               <a:rPr lang="fr-FR" smtClean="0"/>
-              <a:t>12/07/2024</a:t>
+              <a:t>20/09/2024</a:t>
             </a:fld>
             <a:endParaRPr lang="fr-FR"/>
           </a:p>
@@ -452,7 +475,7 @@
           <a:p>
             <a:fld id="{2E2BA21E-E0EB-4621-95C6-8A8A5CB70500}" type="datetimeFigureOut">
               <a:rPr lang="fr-FR" smtClean="0"/>
-              <a:t>12/07/2024</a:t>
+              <a:t>20/09/2024</a:t>
             </a:fld>
             <a:endParaRPr lang="fr-FR"/>
           </a:p>
@@ -660,7 +683,7 @@
           <a:p>
             <a:fld id="{2E2BA21E-E0EB-4621-95C6-8A8A5CB70500}" type="datetimeFigureOut">
               <a:rPr lang="fr-FR" smtClean="0"/>
-              <a:t>12/07/2024</a:t>
+              <a:t>20/09/2024</a:t>
             </a:fld>
             <a:endParaRPr lang="fr-FR"/>
           </a:p>
@@ -858,7 +881,7 @@
           <a:p>
             <a:fld id="{2E2BA21E-E0EB-4621-95C6-8A8A5CB70500}" type="datetimeFigureOut">
               <a:rPr lang="fr-FR" smtClean="0"/>
-              <a:t>12/07/2024</a:t>
+              <a:t>20/09/2024</a:t>
             </a:fld>
             <a:endParaRPr lang="fr-FR"/>
           </a:p>
@@ -1133,7 +1156,7 @@
           <a:p>
             <a:fld id="{2E2BA21E-E0EB-4621-95C6-8A8A5CB70500}" type="datetimeFigureOut">
               <a:rPr lang="fr-FR" smtClean="0"/>
-              <a:t>12/07/2024</a:t>
+              <a:t>20/09/2024</a:t>
             </a:fld>
             <a:endParaRPr lang="fr-FR"/>
           </a:p>
@@ -1398,7 +1421,7 @@
           <a:p>
             <a:fld id="{2E2BA21E-E0EB-4621-95C6-8A8A5CB70500}" type="datetimeFigureOut">
               <a:rPr lang="fr-FR" smtClean="0"/>
-              <a:t>12/07/2024</a:t>
+              <a:t>20/09/2024</a:t>
             </a:fld>
             <a:endParaRPr lang="fr-FR"/>
           </a:p>
@@ -1810,7 +1833,7 @@
           <a:p>
             <a:fld id="{2E2BA21E-E0EB-4621-95C6-8A8A5CB70500}" type="datetimeFigureOut">
               <a:rPr lang="fr-FR" smtClean="0"/>
-              <a:t>12/07/2024</a:t>
+              <a:t>20/09/2024</a:t>
             </a:fld>
             <a:endParaRPr lang="fr-FR"/>
           </a:p>
@@ -1951,7 +1974,7 @@
           <a:p>
             <a:fld id="{2E2BA21E-E0EB-4621-95C6-8A8A5CB70500}" type="datetimeFigureOut">
               <a:rPr lang="fr-FR" smtClean="0"/>
-              <a:t>12/07/2024</a:t>
+              <a:t>20/09/2024</a:t>
             </a:fld>
             <a:endParaRPr lang="fr-FR"/>
           </a:p>
@@ -2064,7 +2087,7 @@
           <a:p>
             <a:fld id="{2E2BA21E-E0EB-4621-95C6-8A8A5CB70500}" type="datetimeFigureOut">
               <a:rPr lang="fr-FR" smtClean="0"/>
-              <a:t>12/07/2024</a:t>
+              <a:t>20/09/2024</a:t>
             </a:fld>
             <a:endParaRPr lang="fr-FR"/>
           </a:p>
@@ -2375,7 +2398,7 @@
           <a:p>
             <a:fld id="{2E2BA21E-E0EB-4621-95C6-8A8A5CB70500}" type="datetimeFigureOut">
               <a:rPr lang="fr-FR" smtClean="0"/>
-              <a:t>12/07/2024</a:t>
+              <a:t>20/09/2024</a:t>
             </a:fld>
             <a:endParaRPr lang="fr-FR"/>
           </a:p>
@@ -2663,7 +2686,7 @@
           <a:p>
             <a:fld id="{2E2BA21E-E0EB-4621-95C6-8A8A5CB70500}" type="datetimeFigureOut">
               <a:rPr lang="fr-FR" smtClean="0"/>
-              <a:t>12/07/2024</a:t>
+              <a:t>20/09/2024</a:t>
             </a:fld>
             <a:endParaRPr lang="fr-FR"/>
           </a:p>
@@ -2904,7 +2927,7 @@
           <a:p>
             <a:fld id="{2E2BA21E-E0EB-4621-95C6-8A8A5CB70500}" type="datetimeFigureOut">
               <a:rPr lang="fr-FR" smtClean="0"/>
-              <a:t>12/07/2024</a:t>
+              <a:t>20/09/2024</a:t>
             </a:fld>
             <a:endParaRPr lang="fr-FR"/>
           </a:p>
@@ -3342,7 +3365,10 @@
           <a:bodyPr/>
           <a:lstStyle/>
           <a:p>
-            <a:endParaRPr lang="fr-FR"/>
+            <a:r>
+              <a:rPr lang="fr-FR" dirty="0"/>
+              <a:t>Page de garde</a:t>
+            </a:r>
           </a:p>
         </p:txBody>
       </p:sp>
@@ -3375,6 +3401,2727 @@
     <p:extLst>
       <p:ext uri="{BB962C8B-B14F-4D97-AF65-F5344CB8AC3E}">
         <p14:creationId xmlns:p14="http://schemas.microsoft.com/office/powerpoint/2010/main" val="3935109407"/>
+      </p:ext>
+    </p:extLst>
+  </p:cSld>
+  <p:clrMapOvr>
+    <a:masterClrMapping/>
+  </p:clrMapOvr>
+</p:sld>
+</file>
+
+<file path=ppt/slides/slide10.xml><?xml version="1.0" encoding="utf-8"?>
+<p:sld xmlns:a="http://schemas.openxmlformats.org/drawingml/2006/main" xmlns:r="http://schemas.openxmlformats.org/officeDocument/2006/relationships" xmlns:p="http://schemas.openxmlformats.org/presentationml/2006/main">
+  <p:cSld>
+    <p:spTree>
+      <p:nvGrpSpPr>
+        <p:cNvPr id="1" name=""/>
+        <p:cNvGrpSpPr/>
+        <p:nvPr/>
+      </p:nvGrpSpPr>
+      <p:grpSpPr>
+        <a:xfrm>
+          <a:off x="0" y="0"/>
+          <a:ext cx="0" cy="0"/>
+          <a:chOff x="0" y="0"/>
+          <a:chExt cx="0" cy="0"/>
+        </a:xfrm>
+      </p:grpSpPr>
+      <p:sp>
+        <p:nvSpPr>
+          <p:cNvPr id="2" name="Titre 1">
+            <a:extLst>
+              <a:ext uri="{FF2B5EF4-FFF2-40B4-BE49-F238E27FC236}">
+                <a16:creationId xmlns:a16="http://schemas.microsoft.com/office/drawing/2014/main" id="{EF750DE3-9C14-38BC-9154-6ACBBB17EAA6}"/>
+              </a:ext>
+            </a:extLst>
+          </p:cNvPr>
+          <p:cNvSpPr>
+            <a:spLocks noGrp="1"/>
+          </p:cNvSpPr>
+          <p:nvPr>
+            <p:ph type="title"/>
+          </p:nvPr>
+        </p:nvSpPr>
+        <p:spPr/>
+        <p:txBody>
+          <a:bodyPr/>
+          <a:lstStyle/>
+          <a:p>
+            <a:r>
+              <a:rPr lang="fr-FR" dirty="0"/>
+              <a:t>Prétraitement image</a:t>
+            </a:r>
+          </a:p>
+        </p:txBody>
+      </p:sp>
+      <p:sp>
+        <p:nvSpPr>
+          <p:cNvPr id="3" name="Espace réservé du contenu 2">
+            <a:extLst>
+              <a:ext uri="{FF2B5EF4-FFF2-40B4-BE49-F238E27FC236}">
+                <a16:creationId xmlns:a16="http://schemas.microsoft.com/office/drawing/2014/main" id="{12269678-406B-FC2A-A048-7248F2C541F2}"/>
+              </a:ext>
+            </a:extLst>
+          </p:cNvPr>
+          <p:cNvSpPr>
+            <a:spLocks noGrp="1"/>
+          </p:cNvSpPr>
+          <p:nvPr>
+            <p:ph idx="1"/>
+          </p:nvPr>
+        </p:nvSpPr>
+        <p:spPr>
+          <a:xfrm>
+            <a:off x="838200" y="1825625"/>
+            <a:ext cx="10515600" cy="3783867"/>
+          </a:xfrm>
+        </p:spPr>
+        <p:txBody>
+          <a:bodyPr>
+            <a:normAutofit/>
+          </a:bodyPr>
+          <a:lstStyle/>
+          <a:p>
+            <a:r>
+              <a:rPr lang="fr-FR" dirty="0"/>
+              <a:t>Séparation du travail image et texte</a:t>
+            </a:r>
+          </a:p>
+          <a:p>
+            <a:endParaRPr lang="fr-FR" dirty="0"/>
+          </a:p>
+          <a:p>
+            <a:r>
+              <a:rPr lang="fr-FR" dirty="0"/>
+              <a:t>Dispose d’un jeu de données de 1050 images et descriptions avec la réalité terrain (catégorie du produit)</a:t>
+            </a:r>
+          </a:p>
+        </p:txBody>
+      </p:sp>
+    </p:spTree>
+    <p:extLst>
+      <p:ext uri="{BB962C8B-B14F-4D97-AF65-F5344CB8AC3E}">
+        <p14:creationId xmlns:p14="http://schemas.microsoft.com/office/powerpoint/2010/main" val="2511779729"/>
+      </p:ext>
+    </p:extLst>
+  </p:cSld>
+  <p:clrMapOvr>
+    <a:masterClrMapping/>
+  </p:clrMapOvr>
+</p:sld>
+</file>
+
+<file path=ppt/slides/slide11.xml><?xml version="1.0" encoding="utf-8"?>
+<p:sld xmlns:a="http://schemas.openxmlformats.org/drawingml/2006/main" xmlns:r="http://schemas.openxmlformats.org/officeDocument/2006/relationships" xmlns:p="http://schemas.openxmlformats.org/presentationml/2006/main">
+  <p:cSld>
+    <p:spTree>
+      <p:nvGrpSpPr>
+        <p:cNvPr id="1" name=""/>
+        <p:cNvGrpSpPr/>
+        <p:nvPr/>
+      </p:nvGrpSpPr>
+      <p:grpSpPr>
+        <a:xfrm>
+          <a:off x="0" y="0"/>
+          <a:ext cx="0" cy="0"/>
+          <a:chOff x="0" y="0"/>
+          <a:chExt cx="0" cy="0"/>
+        </a:xfrm>
+      </p:grpSpPr>
+      <p:sp>
+        <p:nvSpPr>
+          <p:cNvPr id="2" name="Titre 1">
+            <a:extLst>
+              <a:ext uri="{FF2B5EF4-FFF2-40B4-BE49-F238E27FC236}">
+                <a16:creationId xmlns:a16="http://schemas.microsoft.com/office/drawing/2014/main" id="{EF750DE3-9C14-38BC-9154-6ACBBB17EAA6}"/>
+              </a:ext>
+            </a:extLst>
+          </p:cNvPr>
+          <p:cNvSpPr>
+            <a:spLocks noGrp="1"/>
+          </p:cNvSpPr>
+          <p:nvPr>
+            <p:ph type="title"/>
+          </p:nvPr>
+        </p:nvSpPr>
+        <p:spPr/>
+        <p:txBody>
+          <a:bodyPr/>
+          <a:lstStyle/>
+          <a:p>
+            <a:r>
+              <a:rPr lang="fr-FR" dirty="0" err="1"/>
+              <a:t>Features</a:t>
+            </a:r>
+            <a:r>
+              <a:rPr lang="fr-FR" dirty="0"/>
+              <a:t> image</a:t>
+            </a:r>
+          </a:p>
+        </p:txBody>
+      </p:sp>
+      <p:sp>
+        <p:nvSpPr>
+          <p:cNvPr id="3" name="Espace réservé du contenu 2">
+            <a:extLst>
+              <a:ext uri="{FF2B5EF4-FFF2-40B4-BE49-F238E27FC236}">
+                <a16:creationId xmlns:a16="http://schemas.microsoft.com/office/drawing/2014/main" id="{12269678-406B-FC2A-A048-7248F2C541F2}"/>
+              </a:ext>
+            </a:extLst>
+          </p:cNvPr>
+          <p:cNvSpPr>
+            <a:spLocks noGrp="1"/>
+          </p:cNvSpPr>
+          <p:nvPr>
+            <p:ph idx="1"/>
+          </p:nvPr>
+        </p:nvSpPr>
+        <p:spPr>
+          <a:xfrm>
+            <a:off x="838200" y="1825625"/>
+            <a:ext cx="10515600" cy="3783867"/>
+          </a:xfrm>
+        </p:spPr>
+        <p:txBody>
+          <a:bodyPr>
+            <a:normAutofit/>
+          </a:bodyPr>
+          <a:lstStyle/>
+          <a:p>
+            <a:r>
+              <a:rPr lang="fr-FR" dirty="0"/>
+              <a:t>Séparation du travail image et texte</a:t>
+            </a:r>
+          </a:p>
+          <a:p>
+            <a:endParaRPr lang="fr-FR" dirty="0"/>
+          </a:p>
+          <a:p>
+            <a:r>
+              <a:rPr lang="fr-FR" dirty="0"/>
+              <a:t>Dispose d’un jeu de données de 1050 images et descriptions avec la réalité terrain (catégorie du produit)</a:t>
+            </a:r>
+          </a:p>
+        </p:txBody>
+      </p:sp>
+    </p:spTree>
+    <p:extLst>
+      <p:ext uri="{BB962C8B-B14F-4D97-AF65-F5344CB8AC3E}">
+        <p14:creationId xmlns:p14="http://schemas.microsoft.com/office/powerpoint/2010/main" val="3877599054"/>
+      </p:ext>
+    </p:extLst>
+  </p:cSld>
+  <p:clrMapOvr>
+    <a:masterClrMapping/>
+  </p:clrMapOvr>
+</p:sld>
+</file>
+
+<file path=ppt/slides/slide12.xml><?xml version="1.0" encoding="utf-8"?>
+<p:sld xmlns:a="http://schemas.openxmlformats.org/drawingml/2006/main" xmlns:r="http://schemas.openxmlformats.org/officeDocument/2006/relationships" xmlns:p="http://schemas.openxmlformats.org/presentationml/2006/main">
+  <p:cSld>
+    <p:spTree>
+      <p:nvGrpSpPr>
+        <p:cNvPr id="1" name=""/>
+        <p:cNvGrpSpPr/>
+        <p:nvPr/>
+      </p:nvGrpSpPr>
+      <p:grpSpPr>
+        <a:xfrm>
+          <a:off x="0" y="0"/>
+          <a:ext cx="0" cy="0"/>
+          <a:chOff x="0" y="0"/>
+          <a:chExt cx="0" cy="0"/>
+        </a:xfrm>
+      </p:grpSpPr>
+      <p:sp>
+        <p:nvSpPr>
+          <p:cNvPr id="2" name="Titre 1">
+            <a:extLst>
+              <a:ext uri="{FF2B5EF4-FFF2-40B4-BE49-F238E27FC236}">
+                <a16:creationId xmlns:a16="http://schemas.microsoft.com/office/drawing/2014/main" id="{EF750DE3-9C14-38BC-9154-6ACBBB17EAA6}"/>
+              </a:ext>
+            </a:extLst>
+          </p:cNvPr>
+          <p:cNvSpPr>
+            <a:spLocks noGrp="1"/>
+          </p:cNvSpPr>
+          <p:nvPr>
+            <p:ph type="title"/>
+          </p:nvPr>
+        </p:nvSpPr>
+        <p:spPr/>
+        <p:txBody>
+          <a:bodyPr/>
+          <a:lstStyle/>
+          <a:p>
+            <a:r>
+              <a:rPr lang="fr-FR" dirty="0"/>
+              <a:t>ARI image</a:t>
+            </a:r>
+          </a:p>
+        </p:txBody>
+      </p:sp>
+      <p:sp>
+        <p:nvSpPr>
+          <p:cNvPr id="3" name="Espace réservé du contenu 2">
+            <a:extLst>
+              <a:ext uri="{FF2B5EF4-FFF2-40B4-BE49-F238E27FC236}">
+                <a16:creationId xmlns:a16="http://schemas.microsoft.com/office/drawing/2014/main" id="{12269678-406B-FC2A-A048-7248F2C541F2}"/>
+              </a:ext>
+            </a:extLst>
+          </p:cNvPr>
+          <p:cNvSpPr>
+            <a:spLocks noGrp="1"/>
+          </p:cNvSpPr>
+          <p:nvPr>
+            <p:ph idx="1"/>
+          </p:nvPr>
+        </p:nvSpPr>
+        <p:spPr>
+          <a:xfrm>
+            <a:off x="838200" y="1825625"/>
+            <a:ext cx="10515600" cy="3783867"/>
+          </a:xfrm>
+        </p:spPr>
+        <p:txBody>
+          <a:bodyPr>
+            <a:normAutofit/>
+          </a:bodyPr>
+          <a:lstStyle/>
+          <a:p>
+            <a:r>
+              <a:rPr lang="fr-FR" dirty="0"/>
+              <a:t>Séparation du travail image et texte</a:t>
+            </a:r>
+          </a:p>
+          <a:p>
+            <a:endParaRPr lang="fr-FR" dirty="0"/>
+          </a:p>
+          <a:p>
+            <a:r>
+              <a:rPr lang="fr-FR" dirty="0"/>
+              <a:t>Dispose d’un jeu de données de 1050 images et descriptions avec la réalité terrain (catégorie du produit)</a:t>
+            </a:r>
+          </a:p>
+        </p:txBody>
+      </p:sp>
+    </p:spTree>
+    <p:extLst>
+      <p:ext uri="{BB962C8B-B14F-4D97-AF65-F5344CB8AC3E}">
+        <p14:creationId xmlns:p14="http://schemas.microsoft.com/office/powerpoint/2010/main" val="3190993048"/>
+      </p:ext>
+    </p:extLst>
+  </p:cSld>
+  <p:clrMapOvr>
+    <a:masterClrMapping/>
+  </p:clrMapOvr>
+</p:sld>
+</file>
+
+<file path=ppt/slides/slide13.xml><?xml version="1.0" encoding="utf-8"?>
+<p:sld xmlns:a="http://schemas.openxmlformats.org/drawingml/2006/main" xmlns:r="http://schemas.openxmlformats.org/officeDocument/2006/relationships" xmlns:p="http://schemas.openxmlformats.org/presentationml/2006/main">
+  <p:cSld>
+    <p:spTree>
+      <p:nvGrpSpPr>
+        <p:cNvPr id="1" name=""/>
+        <p:cNvGrpSpPr/>
+        <p:nvPr/>
+      </p:nvGrpSpPr>
+      <p:grpSpPr>
+        <a:xfrm>
+          <a:off x="0" y="0"/>
+          <a:ext cx="0" cy="0"/>
+          <a:chOff x="0" y="0"/>
+          <a:chExt cx="0" cy="0"/>
+        </a:xfrm>
+      </p:grpSpPr>
+      <p:sp>
+        <p:nvSpPr>
+          <p:cNvPr id="2" name="Titre 1">
+            <a:extLst>
+              <a:ext uri="{FF2B5EF4-FFF2-40B4-BE49-F238E27FC236}">
+                <a16:creationId xmlns:a16="http://schemas.microsoft.com/office/drawing/2014/main" id="{EF750DE3-9C14-38BC-9154-6ACBBB17EAA6}"/>
+              </a:ext>
+            </a:extLst>
+          </p:cNvPr>
+          <p:cNvSpPr>
+            <a:spLocks noGrp="1"/>
+          </p:cNvSpPr>
+          <p:nvPr>
+            <p:ph type="title"/>
+          </p:nvPr>
+        </p:nvSpPr>
+        <p:spPr/>
+        <p:txBody>
+          <a:bodyPr/>
+          <a:lstStyle/>
+          <a:p>
+            <a:r>
+              <a:rPr lang="fr-FR" dirty="0"/>
+              <a:t>Conclusion sur la </a:t>
+            </a:r>
+            <a:r>
+              <a:rPr lang="fr-FR" dirty="0" err="1"/>
+              <a:t>faisaibilité</a:t>
+            </a:r>
+            <a:endParaRPr lang="fr-FR" dirty="0"/>
+          </a:p>
+        </p:txBody>
+      </p:sp>
+      <p:sp>
+        <p:nvSpPr>
+          <p:cNvPr id="3" name="Espace réservé du contenu 2">
+            <a:extLst>
+              <a:ext uri="{FF2B5EF4-FFF2-40B4-BE49-F238E27FC236}">
+                <a16:creationId xmlns:a16="http://schemas.microsoft.com/office/drawing/2014/main" id="{12269678-406B-FC2A-A048-7248F2C541F2}"/>
+              </a:ext>
+            </a:extLst>
+          </p:cNvPr>
+          <p:cNvSpPr>
+            <a:spLocks noGrp="1"/>
+          </p:cNvSpPr>
+          <p:nvPr>
+            <p:ph idx="1"/>
+          </p:nvPr>
+        </p:nvSpPr>
+        <p:spPr>
+          <a:xfrm>
+            <a:off x="838200" y="1825625"/>
+            <a:ext cx="10515600" cy="3783867"/>
+          </a:xfrm>
+        </p:spPr>
+        <p:txBody>
+          <a:bodyPr>
+            <a:normAutofit/>
+          </a:bodyPr>
+          <a:lstStyle/>
+          <a:p>
+            <a:r>
+              <a:rPr lang="fr-FR" dirty="0"/>
+              <a:t>Comparaison des résultats </a:t>
+            </a:r>
+          </a:p>
+          <a:p>
+            <a:endParaRPr lang="fr-FR" dirty="0"/>
+          </a:p>
+          <a:p>
+            <a:r>
+              <a:rPr lang="fr-FR" dirty="0"/>
+              <a:t>Choix du modèle pour la classification</a:t>
+            </a:r>
+          </a:p>
+        </p:txBody>
+      </p:sp>
+    </p:spTree>
+    <p:extLst>
+      <p:ext uri="{BB962C8B-B14F-4D97-AF65-F5344CB8AC3E}">
+        <p14:creationId xmlns:p14="http://schemas.microsoft.com/office/powerpoint/2010/main" val="3943782933"/>
+      </p:ext>
+    </p:extLst>
+  </p:cSld>
+  <p:clrMapOvr>
+    <a:masterClrMapping/>
+  </p:clrMapOvr>
+</p:sld>
+</file>
+
+<file path=ppt/slides/slide14.xml><?xml version="1.0" encoding="utf-8"?>
+<p:sld xmlns:a="http://schemas.openxmlformats.org/drawingml/2006/main" xmlns:r="http://schemas.openxmlformats.org/officeDocument/2006/relationships" xmlns:p="http://schemas.openxmlformats.org/presentationml/2006/main">
+  <p:cSld>
+    <p:spTree>
+      <p:nvGrpSpPr>
+        <p:cNvPr id="1" name=""/>
+        <p:cNvGrpSpPr/>
+        <p:nvPr/>
+      </p:nvGrpSpPr>
+      <p:grpSpPr>
+        <a:xfrm>
+          <a:off x="0" y="0"/>
+          <a:ext cx="0" cy="0"/>
+          <a:chOff x="0" y="0"/>
+          <a:chExt cx="0" cy="0"/>
+        </a:xfrm>
+      </p:grpSpPr>
+      <p:sp>
+        <p:nvSpPr>
+          <p:cNvPr id="2" name="Titre 1">
+            <a:extLst>
+              <a:ext uri="{FF2B5EF4-FFF2-40B4-BE49-F238E27FC236}">
+                <a16:creationId xmlns:a16="http://schemas.microsoft.com/office/drawing/2014/main" id="{EF750DE3-9C14-38BC-9154-6ACBBB17EAA6}"/>
+              </a:ext>
+            </a:extLst>
+          </p:cNvPr>
+          <p:cNvSpPr>
+            <a:spLocks noGrp="1"/>
+          </p:cNvSpPr>
+          <p:nvPr>
+            <p:ph type="title"/>
+          </p:nvPr>
+        </p:nvSpPr>
+        <p:spPr/>
+        <p:txBody>
+          <a:bodyPr/>
+          <a:lstStyle/>
+          <a:p>
+            <a:r>
+              <a:rPr lang="fr-FR" dirty="0"/>
+              <a:t>Classification supervisée</a:t>
+            </a:r>
+          </a:p>
+        </p:txBody>
+      </p:sp>
+      <p:sp>
+        <p:nvSpPr>
+          <p:cNvPr id="3" name="Espace réservé du contenu 2">
+            <a:extLst>
+              <a:ext uri="{FF2B5EF4-FFF2-40B4-BE49-F238E27FC236}">
+                <a16:creationId xmlns:a16="http://schemas.microsoft.com/office/drawing/2014/main" id="{12269678-406B-FC2A-A048-7248F2C541F2}"/>
+              </a:ext>
+            </a:extLst>
+          </p:cNvPr>
+          <p:cNvSpPr>
+            <a:spLocks noGrp="1"/>
+          </p:cNvSpPr>
+          <p:nvPr>
+            <p:ph idx="1"/>
+          </p:nvPr>
+        </p:nvSpPr>
+        <p:spPr>
+          <a:xfrm>
+            <a:off x="838200" y="1825625"/>
+            <a:ext cx="10515600" cy="3783867"/>
+          </a:xfrm>
+        </p:spPr>
+        <p:txBody>
+          <a:bodyPr>
+            <a:normAutofit/>
+          </a:bodyPr>
+          <a:lstStyle/>
+          <a:p>
+            <a:r>
+              <a:rPr lang="fr-FR" dirty="0"/>
+              <a:t>Par un modèle de type régression logistique ? SVM ?</a:t>
+            </a:r>
+          </a:p>
+        </p:txBody>
+      </p:sp>
+    </p:spTree>
+    <p:extLst>
+      <p:ext uri="{BB962C8B-B14F-4D97-AF65-F5344CB8AC3E}">
+        <p14:creationId xmlns:p14="http://schemas.microsoft.com/office/powerpoint/2010/main" val="109397901"/>
+      </p:ext>
+    </p:extLst>
+  </p:cSld>
+  <p:clrMapOvr>
+    <a:masterClrMapping/>
+  </p:clrMapOvr>
+</p:sld>
+</file>
+
+<file path=ppt/slides/slide15.xml><?xml version="1.0" encoding="utf-8"?>
+<p:sld xmlns:a="http://schemas.openxmlformats.org/drawingml/2006/main" xmlns:r="http://schemas.openxmlformats.org/officeDocument/2006/relationships" xmlns:p="http://schemas.openxmlformats.org/presentationml/2006/main">
+  <p:cSld>
+    <p:spTree>
+      <p:nvGrpSpPr>
+        <p:cNvPr id="1" name=""/>
+        <p:cNvGrpSpPr/>
+        <p:nvPr/>
+      </p:nvGrpSpPr>
+      <p:grpSpPr>
+        <a:xfrm>
+          <a:off x="0" y="0"/>
+          <a:ext cx="0" cy="0"/>
+          <a:chOff x="0" y="0"/>
+          <a:chExt cx="0" cy="0"/>
+        </a:xfrm>
+      </p:grpSpPr>
+      <p:sp>
+        <p:nvSpPr>
+          <p:cNvPr id="2" name="Titre 1">
+            <a:extLst>
+              <a:ext uri="{FF2B5EF4-FFF2-40B4-BE49-F238E27FC236}">
+                <a16:creationId xmlns:a16="http://schemas.microsoft.com/office/drawing/2014/main" id="{EF750DE3-9C14-38BC-9154-6ACBBB17EAA6}"/>
+              </a:ext>
+            </a:extLst>
+          </p:cNvPr>
+          <p:cNvSpPr>
+            <a:spLocks noGrp="1"/>
+          </p:cNvSpPr>
+          <p:nvPr>
+            <p:ph type="title"/>
+          </p:nvPr>
+        </p:nvSpPr>
+        <p:spPr/>
+        <p:txBody>
+          <a:bodyPr/>
+          <a:lstStyle/>
+          <a:p>
+            <a:r>
+              <a:rPr lang="fr-FR" dirty="0"/>
+              <a:t>Classification supervisée</a:t>
+            </a:r>
+          </a:p>
+        </p:txBody>
+      </p:sp>
+      <p:sp>
+        <p:nvSpPr>
+          <p:cNvPr id="3" name="Espace réservé du contenu 2">
+            <a:extLst>
+              <a:ext uri="{FF2B5EF4-FFF2-40B4-BE49-F238E27FC236}">
+                <a16:creationId xmlns:a16="http://schemas.microsoft.com/office/drawing/2014/main" id="{12269678-406B-FC2A-A048-7248F2C541F2}"/>
+              </a:ext>
+            </a:extLst>
+          </p:cNvPr>
+          <p:cNvSpPr>
+            <a:spLocks noGrp="1"/>
+          </p:cNvSpPr>
+          <p:nvPr>
+            <p:ph idx="1"/>
+          </p:nvPr>
+        </p:nvSpPr>
+        <p:spPr>
+          <a:xfrm>
+            <a:off x="838200" y="1825625"/>
+            <a:ext cx="10515600" cy="3783867"/>
+          </a:xfrm>
+        </p:spPr>
+        <p:txBody>
+          <a:bodyPr>
+            <a:normAutofit/>
+          </a:bodyPr>
+          <a:lstStyle/>
+          <a:p>
+            <a:r>
+              <a:rPr lang="fr-FR" dirty="0"/>
+              <a:t>Présentation des résultats</a:t>
+            </a:r>
+          </a:p>
+        </p:txBody>
+      </p:sp>
+    </p:spTree>
+    <p:extLst>
+      <p:ext uri="{BB962C8B-B14F-4D97-AF65-F5344CB8AC3E}">
+        <p14:creationId xmlns:p14="http://schemas.microsoft.com/office/powerpoint/2010/main" val="2085871850"/>
+      </p:ext>
+    </p:extLst>
+  </p:cSld>
+  <p:clrMapOvr>
+    <a:masterClrMapping/>
+  </p:clrMapOvr>
+</p:sld>
+</file>
+
+<file path=ppt/slides/slide16.xml><?xml version="1.0" encoding="utf-8"?>
+<p:sld xmlns:a="http://schemas.openxmlformats.org/drawingml/2006/main" xmlns:r="http://schemas.openxmlformats.org/officeDocument/2006/relationships" xmlns:p="http://schemas.openxmlformats.org/presentationml/2006/main">
+  <p:cSld>
+    <p:bg>
+      <p:bgPr>
+        <a:solidFill>
+          <a:schemeClr val="bg1"/>
+        </a:solidFill>
+        <a:effectLst/>
+      </p:bgPr>
+    </p:bg>
+    <p:spTree>
+      <p:nvGrpSpPr>
+        <p:cNvPr id="1" name=""/>
+        <p:cNvGrpSpPr/>
+        <p:nvPr/>
+      </p:nvGrpSpPr>
+      <p:grpSpPr>
+        <a:xfrm>
+          <a:off x="0" y="0"/>
+          <a:ext cx="0" cy="0"/>
+          <a:chOff x="0" y="0"/>
+          <a:chExt cx="0" cy="0"/>
+        </a:xfrm>
+      </p:grpSpPr>
+      <p:sp useBgFill="1">
+        <p:nvSpPr>
+          <p:cNvPr id="9" name="Rectangle 8">
+            <a:extLst>
+              <a:ext uri="{FF2B5EF4-FFF2-40B4-BE49-F238E27FC236}">
+                <a16:creationId xmlns:a16="http://schemas.microsoft.com/office/drawing/2014/main" id="{A4E37431-20F0-4DD6-84A9-ED2B644943A2}"/>
+              </a:ext>
+              <a:ext uri="{C183D7F6-B498-43B3-948B-1728B52AA6E4}">
+                <adec:decorative xmlns:adec="http://schemas.microsoft.com/office/drawing/2017/decorative" val="1"/>
+              </a:ext>
+            </a:extLst>
+          </p:cNvPr>
+          <p:cNvSpPr>
+            <a:spLocks noGrp="1" noRot="1" noChangeAspect="1" noMove="1" noResize="1" noEditPoints="1" noAdjustHandles="1" noChangeArrowheads="1" noChangeShapeType="1" noTextEdit="1"/>
+          </p:cNvSpPr>
+          <p:nvPr>
+            <p:extLst>
+              <p:ext uri="{386F3935-93C4-4BCD-93E2-E3B085C9AB24}">
+                <p16:designElem xmlns:p16="http://schemas.microsoft.com/office/powerpoint/2015/main" val="1"/>
+              </p:ext>
+            </p:extLst>
+          </p:nvPr>
+        </p:nvSpPr>
+        <p:spPr>
+          <a:xfrm>
+            <a:off x="0" y="0"/>
+            <a:ext cx="12192000" cy="6858000"/>
+          </a:xfrm>
+          <a:prstGeom prst="rect">
+            <a:avLst/>
+          </a:prstGeom>
+          <a:ln w="12700" cap="flat" cmpd="sng" algn="ctr">
+            <a:noFill/>
+            <a:prstDash val="solid"/>
+            <a:miter lim="800000"/>
+          </a:ln>
+          <a:effectLst/>
+          <a:extLst>
+            <a:ext uri="{91240B29-F687-4F45-9708-019B960494DF}">
+              <a14:hiddenLine xmlns:a14="http://schemas.microsoft.com/office/drawing/2010/main" w="12700" cap="flat" cmpd="sng" algn="ctr">
+                <a:solidFill>
+                  <a:schemeClr val="accent1">
+                    <a:shade val="50000"/>
+                  </a:schemeClr>
+                </a:solidFill>
+                <a:prstDash val="solid"/>
+                <a:miter lim="800000"/>
+              </a14:hiddenLine>
+            </a:ext>
+          </a:extLst>
+        </p:spPr>
+        <p:style>
+          <a:lnRef idx="2">
+            <a:schemeClr val="accent1">
+              <a:shade val="50000"/>
+            </a:schemeClr>
+          </a:lnRef>
+          <a:fillRef idx="1">
+            <a:schemeClr val="accent1"/>
+          </a:fillRef>
+          <a:effectRef idx="0">
+            <a:schemeClr val="accent1"/>
+          </a:effectRef>
+          <a:fontRef idx="minor">
+            <a:schemeClr val="lt1"/>
+          </a:fontRef>
+        </p:style>
+        <p:txBody>
+          <a:bodyPr rtlCol="0" anchor="ctr"/>
+          <a:lstStyle/>
+          <a:p>
+            <a:pPr algn="ctr"/>
+            <a:endParaRPr lang="en-US"/>
+          </a:p>
+        </p:txBody>
+      </p:sp>
+      <p:sp>
+        <p:nvSpPr>
+          <p:cNvPr id="11" name="Rectangle 10">
+            <a:extLst>
+              <a:ext uri="{FF2B5EF4-FFF2-40B4-BE49-F238E27FC236}">
+                <a16:creationId xmlns:a16="http://schemas.microsoft.com/office/drawing/2014/main" id="{0AE98B72-66C6-4AB4-AF0D-BA830DE86393}"/>
+              </a:ext>
+              <a:ext uri="{C183D7F6-B498-43B3-948B-1728B52AA6E4}">
+                <adec:decorative xmlns:adec="http://schemas.microsoft.com/office/drawing/2017/decorative" val="1"/>
+              </a:ext>
+            </a:extLst>
+          </p:cNvPr>
+          <p:cNvSpPr>
+            <a:spLocks noGrp="1" noRot="1" noChangeAspect="1" noMove="1" noResize="1" noEditPoints="1" noAdjustHandles="1" noChangeArrowheads="1" noChangeShapeType="1" noTextEdit="1"/>
+          </p:cNvSpPr>
+          <p:nvPr>
+            <p:extLst>
+              <p:ext uri="{386F3935-93C4-4BCD-93E2-E3B085C9AB24}">
+                <p16:designElem xmlns:p16="http://schemas.microsoft.com/office/powerpoint/2015/main" val="1"/>
+              </p:ext>
+            </p:extLst>
+          </p:nvPr>
+        </p:nvSpPr>
+        <p:spPr>
+          <a:xfrm rot="5400000" flipH="1">
+            <a:off x="-638515" y="639280"/>
+            <a:ext cx="6858000" cy="5579440"/>
+          </a:xfrm>
+          <a:prstGeom prst="rect">
+            <a:avLst/>
+          </a:prstGeom>
+          <a:gradFill>
+            <a:gsLst>
+              <a:gs pos="8000">
+                <a:srgbClr val="000000"/>
+              </a:gs>
+              <a:gs pos="100000">
+                <a:schemeClr val="accent1">
+                  <a:lumMod val="75000"/>
+                </a:schemeClr>
+              </a:gs>
+            </a:gsLst>
+            <a:lin ang="3000000" scaled="0"/>
+          </a:gradFill>
+          <a:ln>
+            <a:noFill/>
+          </a:ln>
+        </p:spPr>
+        <p:style>
+          <a:lnRef idx="2">
+            <a:schemeClr val="accent1">
+              <a:shade val="50000"/>
+            </a:schemeClr>
+          </a:lnRef>
+          <a:fillRef idx="1">
+            <a:schemeClr val="accent1"/>
+          </a:fillRef>
+          <a:effectRef idx="0">
+            <a:schemeClr val="accent1"/>
+          </a:effectRef>
+          <a:fontRef idx="minor">
+            <a:schemeClr val="lt1"/>
+          </a:fontRef>
+        </p:style>
+        <p:txBody>
+          <a:bodyPr rtlCol="0" anchor="ctr"/>
+          <a:lstStyle/>
+          <a:p>
+            <a:pPr algn="ctr"/>
+            <a:endParaRPr lang="en-US"/>
+          </a:p>
+        </p:txBody>
+      </p:sp>
+      <p:sp>
+        <p:nvSpPr>
+          <p:cNvPr id="13" name="Rectangle 12">
+            <a:extLst>
+              <a:ext uri="{FF2B5EF4-FFF2-40B4-BE49-F238E27FC236}">
+                <a16:creationId xmlns:a16="http://schemas.microsoft.com/office/drawing/2014/main" id="{407EAFC6-733F-403D-BB4D-05A3A28742F1}"/>
+              </a:ext>
+              <a:ext uri="{C183D7F6-B498-43B3-948B-1728B52AA6E4}">
+                <adec:decorative xmlns:adec="http://schemas.microsoft.com/office/drawing/2017/decorative" val="1"/>
+              </a:ext>
+            </a:extLst>
+          </p:cNvPr>
+          <p:cNvSpPr>
+            <a:spLocks noGrp="1" noRot="1" noChangeAspect="1" noMove="1" noResize="1" noEditPoints="1" noAdjustHandles="1" noChangeArrowheads="1" noChangeShapeType="1" noTextEdit="1"/>
+          </p:cNvSpPr>
+          <p:nvPr>
+            <p:extLst>
+              <p:ext uri="{386F3935-93C4-4BCD-93E2-E3B085C9AB24}">
+                <p16:designElem xmlns:p16="http://schemas.microsoft.com/office/powerpoint/2015/main" val="1"/>
+              </p:ext>
+            </p:extLst>
+          </p:nvPr>
+        </p:nvSpPr>
+        <p:spPr>
+          <a:xfrm rot="5400000" flipH="1">
+            <a:off x="-393206" y="395206"/>
+            <a:ext cx="6346209" cy="5576080"/>
+          </a:xfrm>
+          <a:prstGeom prst="rect">
+            <a:avLst/>
+          </a:prstGeom>
+          <a:gradFill>
+            <a:gsLst>
+              <a:gs pos="0">
+                <a:srgbClr val="000000">
+                  <a:alpha val="0"/>
+                </a:srgbClr>
+              </a:gs>
+              <a:gs pos="99000">
+                <a:schemeClr val="accent1">
+                  <a:alpha val="0"/>
+                </a:schemeClr>
+              </a:gs>
+            </a:gsLst>
+            <a:lin ang="1800000" scaled="0"/>
+          </a:gradFill>
+          <a:ln>
+            <a:noFill/>
+          </a:ln>
+        </p:spPr>
+        <p:style>
+          <a:lnRef idx="2">
+            <a:schemeClr val="accent1">
+              <a:shade val="50000"/>
+            </a:schemeClr>
+          </a:lnRef>
+          <a:fillRef idx="1">
+            <a:schemeClr val="accent1"/>
+          </a:fillRef>
+          <a:effectRef idx="0">
+            <a:schemeClr val="accent1"/>
+          </a:effectRef>
+          <a:fontRef idx="minor">
+            <a:schemeClr val="lt1"/>
+          </a:fontRef>
+        </p:style>
+        <p:txBody>
+          <a:bodyPr rtlCol="0" anchor="ctr"/>
+          <a:lstStyle/>
+          <a:p>
+            <a:pPr algn="ctr"/>
+            <a:endParaRPr lang="en-US"/>
+          </a:p>
+        </p:txBody>
+      </p:sp>
+      <p:sp>
+        <p:nvSpPr>
+          <p:cNvPr id="15" name="Rectangle 14">
+            <a:extLst>
+              <a:ext uri="{FF2B5EF4-FFF2-40B4-BE49-F238E27FC236}">
+                <a16:creationId xmlns:a16="http://schemas.microsoft.com/office/drawing/2014/main" id="{17A36730-4CB0-4F61-AD11-A44C9765833F}"/>
+              </a:ext>
+              <a:ext uri="{C183D7F6-B498-43B3-948B-1728B52AA6E4}">
+                <adec:decorative xmlns:adec="http://schemas.microsoft.com/office/drawing/2017/decorative" val="1"/>
+              </a:ext>
+            </a:extLst>
+          </p:cNvPr>
+          <p:cNvSpPr>
+            <a:spLocks noGrp="1" noRot="1" noChangeAspect="1" noMove="1" noResize="1" noEditPoints="1" noAdjustHandles="1" noChangeArrowheads="1" noChangeShapeType="1" noTextEdit="1"/>
+          </p:cNvSpPr>
+          <p:nvPr>
+            <p:extLst>
+              <p:ext uri="{386F3935-93C4-4BCD-93E2-E3B085C9AB24}">
+                <p16:designElem xmlns:p16="http://schemas.microsoft.com/office/powerpoint/2015/main" val="1"/>
+              </p:ext>
+            </p:extLst>
+          </p:nvPr>
+        </p:nvSpPr>
+        <p:spPr>
+          <a:xfrm rot="5400000" flipH="1">
+            <a:off x="1528907" y="2818967"/>
+            <a:ext cx="2501979" cy="5576080"/>
+          </a:xfrm>
+          <a:prstGeom prst="rect">
+            <a:avLst/>
+          </a:prstGeom>
+          <a:gradFill>
+            <a:gsLst>
+              <a:gs pos="2000">
+                <a:schemeClr val="accent1">
+                  <a:alpha val="29000"/>
+                </a:schemeClr>
+              </a:gs>
+              <a:gs pos="100000">
+                <a:srgbClr val="000000">
+                  <a:alpha val="30000"/>
+                </a:srgbClr>
+              </a:gs>
+            </a:gsLst>
+            <a:lin ang="7800000" scaled="0"/>
+          </a:gradFill>
+          <a:ln>
+            <a:noFill/>
+          </a:ln>
+        </p:spPr>
+        <p:style>
+          <a:lnRef idx="2">
+            <a:schemeClr val="accent1">
+              <a:shade val="50000"/>
+            </a:schemeClr>
+          </a:lnRef>
+          <a:fillRef idx="1">
+            <a:schemeClr val="accent1"/>
+          </a:fillRef>
+          <a:effectRef idx="0">
+            <a:schemeClr val="accent1"/>
+          </a:effectRef>
+          <a:fontRef idx="minor">
+            <a:schemeClr val="lt1"/>
+          </a:fontRef>
+        </p:style>
+        <p:txBody>
+          <a:bodyPr rtlCol="0" anchor="ctr"/>
+          <a:lstStyle/>
+          <a:p>
+            <a:pPr algn="ctr"/>
+            <a:endParaRPr lang="en-US" dirty="0"/>
+          </a:p>
+        </p:txBody>
+      </p:sp>
+      <p:sp>
+        <p:nvSpPr>
+          <p:cNvPr id="17" name="Rectangle 16">
+            <a:extLst>
+              <a:ext uri="{FF2B5EF4-FFF2-40B4-BE49-F238E27FC236}">
+                <a16:creationId xmlns:a16="http://schemas.microsoft.com/office/drawing/2014/main" id="{C69C79E1-F916-4929-A4F3-DE763D4BFA57}"/>
+              </a:ext>
+              <a:ext uri="{C183D7F6-B498-43B3-948B-1728B52AA6E4}">
+                <adec:decorative xmlns:adec="http://schemas.microsoft.com/office/drawing/2017/decorative" val="1"/>
+              </a:ext>
+            </a:extLst>
+          </p:cNvPr>
+          <p:cNvSpPr>
+            <a:spLocks noGrp="1" noRot="1" noChangeAspect="1" noMove="1" noResize="1" noEditPoints="1" noAdjustHandles="1" noChangeArrowheads="1" noChangeShapeType="1" noTextEdit="1"/>
+          </p:cNvSpPr>
+          <p:nvPr>
+            <p:extLst>
+              <p:ext uri="{386F3935-93C4-4BCD-93E2-E3B085C9AB24}">
+                <p16:designElem xmlns:p16="http://schemas.microsoft.com/office/powerpoint/2015/main" val="1"/>
+              </p:ext>
+            </p:extLst>
+          </p:nvPr>
+        </p:nvSpPr>
+        <p:spPr>
+          <a:xfrm rot="5400000" flipH="1">
+            <a:off x="-425002" y="852793"/>
+            <a:ext cx="6858001" cy="5152412"/>
+          </a:xfrm>
+          <a:prstGeom prst="rect">
+            <a:avLst/>
+          </a:prstGeom>
+          <a:gradFill>
+            <a:gsLst>
+              <a:gs pos="0">
+                <a:srgbClr val="000000">
+                  <a:alpha val="0"/>
+                </a:srgbClr>
+              </a:gs>
+              <a:gs pos="99000">
+                <a:schemeClr val="accent1">
+                  <a:alpha val="11000"/>
+                </a:schemeClr>
+              </a:gs>
+            </a:gsLst>
+            <a:lin ang="7800000" scaled="0"/>
+          </a:gradFill>
+          <a:ln>
+            <a:noFill/>
+          </a:ln>
+        </p:spPr>
+        <p:style>
+          <a:lnRef idx="2">
+            <a:schemeClr val="accent1">
+              <a:shade val="50000"/>
+            </a:schemeClr>
+          </a:lnRef>
+          <a:fillRef idx="1">
+            <a:schemeClr val="accent1"/>
+          </a:fillRef>
+          <a:effectRef idx="0">
+            <a:schemeClr val="accent1"/>
+          </a:effectRef>
+          <a:fontRef idx="minor">
+            <a:schemeClr val="lt1"/>
+          </a:fontRef>
+        </p:style>
+        <p:txBody>
+          <a:bodyPr rtlCol="0" anchor="ctr"/>
+          <a:lstStyle/>
+          <a:p>
+            <a:pPr algn="ctr"/>
+            <a:endParaRPr lang="en-US"/>
+          </a:p>
+        </p:txBody>
+      </p:sp>
+      <p:sp>
+        <p:nvSpPr>
+          <p:cNvPr id="19" name="Oval 18">
+            <a:extLst>
+              <a:ext uri="{FF2B5EF4-FFF2-40B4-BE49-F238E27FC236}">
+                <a16:creationId xmlns:a16="http://schemas.microsoft.com/office/drawing/2014/main" id="{767334AB-16BD-4EC7-8C6B-4B5171600933}"/>
+              </a:ext>
+              <a:ext uri="{C183D7F6-B498-43B3-948B-1728B52AA6E4}">
+                <adec:decorative xmlns:adec="http://schemas.microsoft.com/office/drawing/2017/decorative" val="1"/>
+              </a:ext>
+            </a:extLst>
+          </p:cNvPr>
+          <p:cNvSpPr>
+            <a:spLocks noGrp="1" noRot="1" noChangeAspect="1" noMove="1" noResize="1" noEditPoints="1" noAdjustHandles="1" noChangeArrowheads="1" noChangeShapeType="1" noTextEdit="1"/>
+          </p:cNvSpPr>
+          <p:nvPr>
+            <p:extLst>
+              <p:ext uri="{386F3935-93C4-4BCD-93E2-E3B085C9AB24}">
+                <p16:designElem xmlns:p16="http://schemas.microsoft.com/office/powerpoint/2015/main" val="1"/>
+              </p:ext>
+            </p:extLst>
+          </p:nvPr>
+        </p:nvSpPr>
+        <p:spPr>
+          <a:xfrm rot="6097846">
+            <a:off x="818753" y="1128497"/>
+            <a:ext cx="4318303" cy="4318303"/>
+          </a:xfrm>
+          <a:prstGeom prst="ellipse">
+            <a:avLst/>
+          </a:prstGeom>
+          <a:gradFill>
+            <a:gsLst>
+              <a:gs pos="39000">
+                <a:schemeClr val="accent1">
+                  <a:alpha val="0"/>
+                </a:schemeClr>
+              </a:gs>
+              <a:gs pos="100000">
+                <a:schemeClr val="accent1">
+                  <a:lumMod val="60000"/>
+                  <a:lumOff val="40000"/>
+                  <a:alpha val="15000"/>
+                </a:schemeClr>
+              </a:gs>
+            </a:gsLst>
+            <a:lin ang="17400000" scaled="0"/>
+          </a:gradFill>
+          <a:ln>
+            <a:noFill/>
+          </a:ln>
+        </p:spPr>
+        <p:style>
+          <a:lnRef idx="2">
+            <a:schemeClr val="accent1">
+              <a:shade val="50000"/>
+            </a:schemeClr>
+          </a:lnRef>
+          <a:fillRef idx="1">
+            <a:schemeClr val="accent1"/>
+          </a:fillRef>
+          <a:effectRef idx="0">
+            <a:schemeClr val="accent1"/>
+          </a:effectRef>
+          <a:fontRef idx="minor">
+            <a:schemeClr val="lt1"/>
+          </a:fontRef>
+        </p:style>
+        <p:txBody>
+          <a:bodyPr rtlCol="0" anchor="ctr"/>
+          <a:lstStyle/>
+          <a:p>
+            <a:pPr algn="ctr"/>
+            <a:endParaRPr lang="en-US" dirty="0"/>
+          </a:p>
+        </p:txBody>
+      </p:sp>
+      <p:sp>
+        <p:nvSpPr>
+          <p:cNvPr id="2" name="Titre 1">
+            <a:extLst>
+              <a:ext uri="{FF2B5EF4-FFF2-40B4-BE49-F238E27FC236}">
+                <a16:creationId xmlns:a16="http://schemas.microsoft.com/office/drawing/2014/main" id="{EF750DE3-9C14-38BC-9154-6ACBBB17EAA6}"/>
+              </a:ext>
+            </a:extLst>
+          </p:cNvPr>
+          <p:cNvSpPr>
+            <a:spLocks noGrp="1"/>
+          </p:cNvSpPr>
+          <p:nvPr>
+            <p:ph type="title"/>
+          </p:nvPr>
+        </p:nvSpPr>
+        <p:spPr>
+          <a:xfrm>
+            <a:off x="660042" y="891652"/>
+            <a:ext cx="4412021" cy="3030724"/>
+          </a:xfrm>
+        </p:spPr>
+        <p:txBody>
+          <a:bodyPr vert="horz" lIns="91440" tIns="45720" rIns="91440" bIns="45720" rtlCol="0" anchor="b">
+            <a:normAutofit/>
+          </a:bodyPr>
+          <a:lstStyle/>
+          <a:p>
+            <a:pPr algn="r"/>
+            <a:r>
+              <a:rPr lang="en-US" sz="4000" kern="1200">
+                <a:solidFill>
+                  <a:srgbClr val="FFFFFF"/>
+                </a:solidFill>
+                <a:latin typeface="+mj-lt"/>
+                <a:ea typeface="+mj-ea"/>
+                <a:cs typeface="+mj-cs"/>
+              </a:rPr>
+              <a:t>Travail de veille avec technique récente</a:t>
+            </a:r>
+          </a:p>
+        </p:txBody>
+      </p:sp>
+      <p:sp>
+        <p:nvSpPr>
+          <p:cNvPr id="3" name="Espace réservé du contenu 2">
+            <a:extLst>
+              <a:ext uri="{FF2B5EF4-FFF2-40B4-BE49-F238E27FC236}">
+                <a16:creationId xmlns:a16="http://schemas.microsoft.com/office/drawing/2014/main" id="{12269678-406B-FC2A-A048-7248F2C541F2}"/>
+              </a:ext>
+            </a:extLst>
+          </p:cNvPr>
+          <p:cNvSpPr>
+            <a:spLocks noGrp="1"/>
+          </p:cNvSpPr>
+          <p:nvPr>
+            <p:ph idx="1"/>
+          </p:nvPr>
+        </p:nvSpPr>
+        <p:spPr>
+          <a:xfrm>
+            <a:off x="945791" y="4745317"/>
+            <a:ext cx="4126272" cy="1375145"/>
+          </a:xfrm>
+        </p:spPr>
+        <p:txBody>
+          <a:bodyPr vert="horz" lIns="91440" tIns="45720" rIns="91440" bIns="45720" rtlCol="0">
+            <a:normAutofit/>
+          </a:bodyPr>
+          <a:lstStyle/>
+          <a:p>
+            <a:pPr marL="0" indent="0" algn="r">
+              <a:buNone/>
+            </a:pPr>
+            <a:r>
+              <a:rPr lang="en-US" sz="2400" kern="1200">
+                <a:solidFill>
+                  <a:srgbClr val="FFFFFF"/>
+                </a:solidFill>
+                <a:latin typeface="+mn-lt"/>
+                <a:ea typeface="+mn-ea"/>
+                <a:cs typeface="+mn-cs"/>
+              </a:rPr>
+              <a:t>Présentation du Vision Transformer GC Vit Xtiny</a:t>
+            </a:r>
+          </a:p>
+        </p:txBody>
+      </p:sp>
+      <p:pic>
+        <p:nvPicPr>
+          <p:cNvPr id="4" name="Image 3">
+            <a:extLst>
+              <a:ext uri="{FF2B5EF4-FFF2-40B4-BE49-F238E27FC236}">
+                <a16:creationId xmlns:a16="http://schemas.microsoft.com/office/drawing/2014/main" id="{C513D745-321D-6053-DECE-D611F6880DC3}"/>
+              </a:ext>
+            </a:extLst>
+          </p:cNvPr>
+          <p:cNvPicPr>
+            <a:picLocks noChangeAspect="1"/>
+          </p:cNvPicPr>
+          <p:nvPr/>
+        </p:nvPicPr>
+        <p:blipFill>
+          <a:blip r:embed="rId2"/>
+          <a:stretch>
+            <a:fillRect/>
+          </a:stretch>
+        </p:blipFill>
+        <p:spPr>
+          <a:xfrm>
+            <a:off x="6096000" y="1492936"/>
+            <a:ext cx="5608320" cy="3827678"/>
+          </a:xfrm>
+          <a:prstGeom prst="rect">
+            <a:avLst/>
+          </a:prstGeom>
+        </p:spPr>
+      </p:pic>
+    </p:spTree>
+    <p:extLst>
+      <p:ext uri="{BB962C8B-B14F-4D97-AF65-F5344CB8AC3E}">
+        <p14:creationId xmlns:p14="http://schemas.microsoft.com/office/powerpoint/2010/main" val="2631948388"/>
+      </p:ext>
+    </p:extLst>
+  </p:cSld>
+  <p:clrMapOvr>
+    <a:masterClrMapping/>
+  </p:clrMapOvr>
+</p:sld>
+</file>
+
+<file path=ppt/slides/slide17.xml><?xml version="1.0" encoding="utf-8"?>
+<p:sld xmlns:a="http://schemas.openxmlformats.org/drawingml/2006/main" xmlns:r="http://schemas.openxmlformats.org/officeDocument/2006/relationships" xmlns:p="http://schemas.openxmlformats.org/presentationml/2006/main">
+  <p:cSld>
+    <p:spTree>
+      <p:nvGrpSpPr>
+        <p:cNvPr id="1" name=""/>
+        <p:cNvGrpSpPr/>
+        <p:nvPr/>
+      </p:nvGrpSpPr>
+      <p:grpSpPr>
+        <a:xfrm>
+          <a:off x="0" y="0"/>
+          <a:ext cx="0" cy="0"/>
+          <a:chOff x="0" y="0"/>
+          <a:chExt cx="0" cy="0"/>
+        </a:xfrm>
+      </p:grpSpPr>
+      <p:sp>
+        <p:nvSpPr>
+          <p:cNvPr id="2" name="Titre 1">
+            <a:extLst>
+              <a:ext uri="{FF2B5EF4-FFF2-40B4-BE49-F238E27FC236}">
+                <a16:creationId xmlns:a16="http://schemas.microsoft.com/office/drawing/2014/main" id="{EF750DE3-9C14-38BC-9154-6ACBBB17EAA6}"/>
+              </a:ext>
+            </a:extLst>
+          </p:cNvPr>
+          <p:cNvSpPr>
+            <a:spLocks noGrp="1"/>
+          </p:cNvSpPr>
+          <p:nvPr>
+            <p:ph type="title"/>
+          </p:nvPr>
+        </p:nvSpPr>
+        <p:spPr/>
+        <p:txBody>
+          <a:bodyPr/>
+          <a:lstStyle/>
+          <a:p>
+            <a:r>
+              <a:rPr lang="fr-FR" dirty="0"/>
+              <a:t>Travail de veille avec technique récente</a:t>
+            </a:r>
+          </a:p>
+        </p:txBody>
+      </p:sp>
+      <p:sp>
+        <p:nvSpPr>
+          <p:cNvPr id="3" name="Espace réservé du contenu 2">
+            <a:extLst>
+              <a:ext uri="{FF2B5EF4-FFF2-40B4-BE49-F238E27FC236}">
+                <a16:creationId xmlns:a16="http://schemas.microsoft.com/office/drawing/2014/main" id="{12269678-406B-FC2A-A048-7248F2C541F2}"/>
+              </a:ext>
+            </a:extLst>
+          </p:cNvPr>
+          <p:cNvSpPr>
+            <a:spLocks noGrp="1"/>
+          </p:cNvSpPr>
+          <p:nvPr>
+            <p:ph idx="1"/>
+          </p:nvPr>
+        </p:nvSpPr>
+        <p:spPr>
+          <a:xfrm>
+            <a:off x="838200" y="1825625"/>
+            <a:ext cx="10515600" cy="3783867"/>
+          </a:xfrm>
+        </p:spPr>
+        <p:txBody>
+          <a:bodyPr>
+            <a:normAutofit/>
+          </a:bodyPr>
+          <a:lstStyle/>
+          <a:p>
+            <a:r>
+              <a:rPr lang="fr-FR" dirty="0"/>
+              <a:t>On va utiliser les 1050 images</a:t>
+            </a:r>
+          </a:p>
+          <a:p>
+            <a:pPr lvl="1">
+              <a:buFontTx/>
+              <a:buChar char="-"/>
+            </a:pPr>
+            <a:r>
+              <a:rPr lang="fr-FR" dirty="0"/>
+              <a:t>Sans modification</a:t>
+            </a:r>
+          </a:p>
+          <a:p>
+            <a:pPr lvl="1">
+              <a:buFontTx/>
+              <a:buChar char="-"/>
+            </a:pPr>
+            <a:r>
+              <a:rPr lang="fr-FR" dirty="0"/>
+              <a:t>Avec data augmentation : utile pour la robustesse de l’algorithme</a:t>
+            </a:r>
+          </a:p>
+          <a:p>
+            <a:pPr lvl="1">
+              <a:buFontTx/>
+              <a:buChar char="-"/>
+            </a:pPr>
+            <a:r>
+              <a:rPr lang="fr-FR" dirty="0"/>
+              <a:t>Montrer un exemple de deux images avec data augmentation</a:t>
+            </a:r>
+          </a:p>
+        </p:txBody>
+      </p:sp>
+    </p:spTree>
+    <p:extLst>
+      <p:ext uri="{BB962C8B-B14F-4D97-AF65-F5344CB8AC3E}">
+        <p14:creationId xmlns:p14="http://schemas.microsoft.com/office/powerpoint/2010/main" val="1773581813"/>
+      </p:ext>
+    </p:extLst>
+  </p:cSld>
+  <p:clrMapOvr>
+    <a:masterClrMapping/>
+  </p:clrMapOvr>
+</p:sld>
+</file>
+
+<file path=ppt/slides/slide18.xml><?xml version="1.0" encoding="utf-8"?>
+<p:sld xmlns:a="http://schemas.openxmlformats.org/drawingml/2006/main" xmlns:r="http://schemas.openxmlformats.org/officeDocument/2006/relationships" xmlns:p="http://schemas.openxmlformats.org/presentationml/2006/main">
+  <p:cSld>
+    <p:spTree>
+      <p:nvGrpSpPr>
+        <p:cNvPr id="1" name=""/>
+        <p:cNvGrpSpPr/>
+        <p:nvPr/>
+      </p:nvGrpSpPr>
+      <p:grpSpPr>
+        <a:xfrm>
+          <a:off x="0" y="0"/>
+          <a:ext cx="0" cy="0"/>
+          <a:chOff x="0" y="0"/>
+          <a:chExt cx="0" cy="0"/>
+        </a:xfrm>
+      </p:grpSpPr>
+      <p:sp>
+        <p:nvSpPr>
+          <p:cNvPr id="2" name="Titre 1">
+            <a:extLst>
+              <a:ext uri="{FF2B5EF4-FFF2-40B4-BE49-F238E27FC236}">
+                <a16:creationId xmlns:a16="http://schemas.microsoft.com/office/drawing/2014/main" id="{EF750DE3-9C14-38BC-9154-6ACBBB17EAA6}"/>
+              </a:ext>
+            </a:extLst>
+          </p:cNvPr>
+          <p:cNvSpPr>
+            <a:spLocks noGrp="1"/>
+          </p:cNvSpPr>
+          <p:nvPr>
+            <p:ph type="title"/>
+          </p:nvPr>
+        </p:nvSpPr>
+        <p:spPr/>
+        <p:txBody>
+          <a:bodyPr/>
+          <a:lstStyle/>
+          <a:p>
+            <a:r>
+              <a:rPr lang="fr-FR" dirty="0"/>
+              <a:t>Travail de veille avec technique récente</a:t>
+            </a:r>
+          </a:p>
+        </p:txBody>
+      </p:sp>
+      <p:sp>
+        <p:nvSpPr>
+          <p:cNvPr id="3" name="Espace réservé du contenu 2">
+            <a:extLst>
+              <a:ext uri="{FF2B5EF4-FFF2-40B4-BE49-F238E27FC236}">
+                <a16:creationId xmlns:a16="http://schemas.microsoft.com/office/drawing/2014/main" id="{12269678-406B-FC2A-A048-7248F2C541F2}"/>
+              </a:ext>
+            </a:extLst>
+          </p:cNvPr>
+          <p:cNvSpPr>
+            <a:spLocks noGrp="1"/>
+          </p:cNvSpPr>
+          <p:nvPr>
+            <p:ph idx="1"/>
+          </p:nvPr>
+        </p:nvSpPr>
+        <p:spPr>
+          <a:xfrm>
+            <a:off x="838200" y="1825625"/>
+            <a:ext cx="10515600" cy="3783867"/>
+          </a:xfrm>
+        </p:spPr>
+        <p:txBody>
+          <a:bodyPr>
+            <a:normAutofit/>
+          </a:bodyPr>
+          <a:lstStyle/>
+          <a:p>
+            <a:r>
+              <a:rPr lang="fr-FR" dirty="0"/>
+              <a:t>Analyse des résultats</a:t>
+            </a:r>
+          </a:p>
+        </p:txBody>
+      </p:sp>
+    </p:spTree>
+    <p:extLst>
+      <p:ext uri="{BB962C8B-B14F-4D97-AF65-F5344CB8AC3E}">
+        <p14:creationId xmlns:p14="http://schemas.microsoft.com/office/powerpoint/2010/main" val="2072129167"/>
+      </p:ext>
+    </p:extLst>
+  </p:cSld>
+  <p:clrMapOvr>
+    <a:masterClrMapping/>
+  </p:clrMapOvr>
+</p:sld>
+</file>
+
+<file path=ppt/slides/slide19.xml><?xml version="1.0" encoding="utf-8"?>
+<p:sld xmlns:a="http://schemas.openxmlformats.org/drawingml/2006/main" xmlns:r="http://schemas.openxmlformats.org/officeDocument/2006/relationships" xmlns:p="http://schemas.openxmlformats.org/presentationml/2006/main">
+  <p:cSld>
+    <p:spTree>
+      <p:nvGrpSpPr>
+        <p:cNvPr id="1" name=""/>
+        <p:cNvGrpSpPr/>
+        <p:nvPr/>
+      </p:nvGrpSpPr>
+      <p:grpSpPr>
+        <a:xfrm>
+          <a:off x="0" y="0"/>
+          <a:ext cx="0" cy="0"/>
+          <a:chOff x="0" y="0"/>
+          <a:chExt cx="0" cy="0"/>
+        </a:xfrm>
+      </p:grpSpPr>
+      <p:sp>
+        <p:nvSpPr>
+          <p:cNvPr id="2" name="Titre 1">
+            <a:extLst>
+              <a:ext uri="{FF2B5EF4-FFF2-40B4-BE49-F238E27FC236}">
+                <a16:creationId xmlns:a16="http://schemas.microsoft.com/office/drawing/2014/main" id="{EF750DE3-9C14-38BC-9154-6ACBBB17EAA6}"/>
+              </a:ext>
+            </a:extLst>
+          </p:cNvPr>
+          <p:cNvSpPr>
+            <a:spLocks noGrp="1"/>
+          </p:cNvSpPr>
+          <p:nvPr>
+            <p:ph type="title"/>
+          </p:nvPr>
+        </p:nvSpPr>
+        <p:spPr/>
+        <p:txBody>
+          <a:bodyPr/>
+          <a:lstStyle/>
+          <a:p>
+            <a:r>
+              <a:rPr lang="fr-FR" dirty="0"/>
+              <a:t>API</a:t>
+            </a:r>
+          </a:p>
+        </p:txBody>
+      </p:sp>
+      <p:sp>
+        <p:nvSpPr>
+          <p:cNvPr id="3" name="Espace réservé du contenu 2">
+            <a:extLst>
+              <a:ext uri="{FF2B5EF4-FFF2-40B4-BE49-F238E27FC236}">
+                <a16:creationId xmlns:a16="http://schemas.microsoft.com/office/drawing/2014/main" id="{12269678-406B-FC2A-A048-7248F2C541F2}"/>
+              </a:ext>
+            </a:extLst>
+          </p:cNvPr>
+          <p:cNvSpPr>
+            <a:spLocks noGrp="1"/>
+          </p:cNvSpPr>
+          <p:nvPr>
+            <p:ph idx="1"/>
+          </p:nvPr>
+        </p:nvSpPr>
+        <p:spPr>
+          <a:xfrm>
+            <a:off x="838200" y="1825625"/>
+            <a:ext cx="10515600" cy="3783867"/>
+          </a:xfrm>
+        </p:spPr>
+        <p:txBody>
+          <a:bodyPr>
+            <a:normAutofit/>
+          </a:bodyPr>
+          <a:lstStyle/>
+          <a:p>
+            <a:r>
+              <a:rPr lang="fr-FR" dirty="0"/>
+              <a:t>Elargissement de la gamme de produits : tester l’api pour récupérer des produits de la catégorie champagne</a:t>
+            </a:r>
+          </a:p>
+          <a:p>
+            <a:r>
+              <a:rPr lang="fr-FR" dirty="0"/>
+              <a:t>Copie du </a:t>
+            </a:r>
+            <a:r>
+              <a:rPr lang="fr-FR" dirty="0" err="1"/>
+              <a:t>dataframe</a:t>
+            </a:r>
+            <a:r>
+              <a:rPr lang="fr-FR" dirty="0"/>
+              <a:t> formaté</a:t>
+            </a:r>
+          </a:p>
+        </p:txBody>
+      </p:sp>
+    </p:spTree>
+    <p:extLst>
+      <p:ext uri="{BB962C8B-B14F-4D97-AF65-F5344CB8AC3E}">
+        <p14:creationId xmlns:p14="http://schemas.microsoft.com/office/powerpoint/2010/main" val="2656910351"/>
+      </p:ext>
+    </p:extLst>
+  </p:cSld>
+  <p:clrMapOvr>
+    <a:masterClrMapping/>
+  </p:clrMapOvr>
+</p:sld>
+</file>
+
+<file path=ppt/slides/slide2.xml><?xml version="1.0" encoding="utf-8"?>
+<p:sld xmlns:a="http://schemas.openxmlformats.org/drawingml/2006/main" xmlns:r="http://schemas.openxmlformats.org/officeDocument/2006/relationships" xmlns:p="http://schemas.openxmlformats.org/presentationml/2006/main">
+  <p:cSld>
+    <p:spTree>
+      <p:nvGrpSpPr>
+        <p:cNvPr id="1" name=""/>
+        <p:cNvGrpSpPr/>
+        <p:nvPr/>
+      </p:nvGrpSpPr>
+      <p:grpSpPr>
+        <a:xfrm>
+          <a:off x="0" y="0"/>
+          <a:ext cx="0" cy="0"/>
+          <a:chOff x="0" y="0"/>
+          <a:chExt cx="0" cy="0"/>
+        </a:xfrm>
+      </p:grpSpPr>
+      <p:sp>
+        <p:nvSpPr>
+          <p:cNvPr id="3" name="Sous-titre 2">
+            <a:extLst>
+              <a:ext uri="{FF2B5EF4-FFF2-40B4-BE49-F238E27FC236}">
+                <a16:creationId xmlns:a16="http://schemas.microsoft.com/office/drawing/2014/main" id="{4BEB4214-9976-14A1-8FA6-6E79CA7E2357}"/>
+              </a:ext>
+            </a:extLst>
+          </p:cNvPr>
+          <p:cNvSpPr>
+            <a:spLocks noGrp="1"/>
+          </p:cNvSpPr>
+          <p:nvPr>
+            <p:ph type="subTitle" idx="1"/>
+          </p:nvPr>
+        </p:nvSpPr>
+        <p:spPr>
+          <a:xfrm>
+            <a:off x="1524000" y="1246909"/>
+            <a:ext cx="9144000" cy="5308270"/>
+          </a:xfrm>
+        </p:spPr>
+        <p:txBody>
+          <a:bodyPr>
+            <a:normAutofit fontScale="92500" lnSpcReduction="20000"/>
+          </a:bodyPr>
+          <a:lstStyle/>
+          <a:p>
+            <a:r>
+              <a:rPr lang="fr-FR" sz="1800" dirty="0"/>
+              <a:t>Je suis Data </a:t>
+            </a:r>
+            <a:r>
+              <a:rPr lang="fr-FR" sz="1800" dirty="0" err="1"/>
+              <a:t>Scientist</a:t>
+            </a:r>
+            <a:r>
+              <a:rPr lang="fr-FR" sz="1800" dirty="0"/>
+              <a:t> chez « Place de marché » (A*)</a:t>
+            </a:r>
+          </a:p>
+          <a:p>
+            <a:r>
+              <a:rPr lang="fr-FR" sz="1800" dirty="0"/>
+              <a:t>A* est une </a:t>
+            </a:r>
+            <a:r>
+              <a:rPr lang="fr-FR" sz="1800" dirty="0" err="1"/>
+              <a:t>market</a:t>
+            </a:r>
+            <a:r>
+              <a:rPr lang="fr-FR" sz="1800" dirty="0"/>
+              <a:t> place anglaise (Pro à particuliers)</a:t>
+            </a:r>
+          </a:p>
+          <a:p>
+            <a:r>
+              <a:rPr lang="fr-FR" sz="1800" dirty="0"/>
+              <a:t>Les vendeurs ajoutent un produit avec une </a:t>
+            </a:r>
+            <a:r>
+              <a:rPr lang="fr-FR" sz="1800" dirty="0" err="1"/>
+              <a:t>photo+une</a:t>
+            </a:r>
+            <a:r>
+              <a:rPr lang="fr-FR" sz="1800" dirty="0"/>
+              <a:t> description</a:t>
+            </a:r>
+          </a:p>
+          <a:p>
+            <a:r>
+              <a:rPr lang="fr-FR" sz="1800" dirty="0"/>
+              <a:t>Automatiser l’attribution de la catégorie d’un nouveau produit</a:t>
+            </a:r>
+          </a:p>
+          <a:p>
+            <a:r>
+              <a:rPr lang="fr-FR" sz="1800" dirty="0"/>
+              <a:t>OBJ1 : Faire une étude de faisabilité d’un moteur de classification</a:t>
+            </a:r>
+          </a:p>
+          <a:p>
+            <a:pPr marL="342900" indent="-342900">
+              <a:buFontTx/>
+              <a:buChar char="-"/>
+            </a:pPr>
+            <a:r>
+              <a:rPr lang="fr-FR" sz="1800" dirty="0"/>
+              <a:t>Prétraitement</a:t>
+            </a:r>
+          </a:p>
+          <a:p>
+            <a:pPr marL="342900" indent="-342900">
+              <a:buFontTx/>
+              <a:buChar char="-"/>
+            </a:pPr>
+            <a:r>
+              <a:rPr lang="fr-FR" sz="1800" dirty="0"/>
+              <a:t>Extraction de </a:t>
+            </a:r>
+            <a:r>
+              <a:rPr lang="fr-FR" sz="1800" dirty="0" err="1"/>
+              <a:t>features</a:t>
+            </a:r>
+            <a:endParaRPr lang="fr-FR" sz="1800" dirty="0"/>
+          </a:p>
+          <a:p>
+            <a:pPr marL="342900" indent="-342900">
+              <a:buFontTx/>
+              <a:buChar char="-"/>
+            </a:pPr>
+            <a:r>
+              <a:rPr lang="fr-FR" sz="1800" dirty="0"/>
+              <a:t>2D réduction, </a:t>
+            </a:r>
+            <a:r>
+              <a:rPr lang="fr-FR" sz="1800" dirty="0" err="1"/>
+              <a:t>viz</a:t>
+            </a:r>
+            <a:r>
+              <a:rPr lang="fr-FR" sz="1800" dirty="0"/>
+              <a:t> catégories vs cluster + ARI</a:t>
+            </a:r>
+          </a:p>
+          <a:p>
+            <a:pPr marL="342900" indent="-342900">
+              <a:buFontTx/>
+              <a:buChar char="-"/>
+            </a:pPr>
+            <a:r>
+              <a:rPr lang="fr-FR" sz="1800" dirty="0"/>
+              <a:t>Image (SIFT/CNN TL 4 modèles)</a:t>
+            </a:r>
+          </a:p>
+          <a:p>
+            <a:pPr marL="342900" indent="-342900">
+              <a:buFontTx/>
+              <a:buChar char="-"/>
+            </a:pPr>
+            <a:r>
+              <a:rPr lang="fr-FR" sz="1800" dirty="0"/>
+              <a:t>Texte (CV, TFIDF / GLOVE ou FT / BERT / USE)</a:t>
+            </a:r>
+          </a:p>
+          <a:p>
+            <a:pPr marL="342900" indent="-342900">
+              <a:buFontTx/>
+              <a:buChar char="-"/>
+            </a:pPr>
+            <a:r>
+              <a:rPr lang="fr-FR" sz="1800" dirty="0"/>
+              <a:t>RGPD : Linda a vérifié les contraintes de propriété intellect.</a:t>
+            </a:r>
+          </a:p>
+          <a:p>
+            <a:r>
+              <a:rPr lang="fr-FR" sz="1800" dirty="0"/>
+              <a:t>OBJ2 : CLASSIFICATION SUPERVISEE IMAGES</a:t>
+            </a:r>
+          </a:p>
+          <a:p>
+            <a:pPr marL="285750" indent="-285750">
+              <a:buFontTx/>
+              <a:buChar char="-"/>
+            </a:pPr>
+            <a:r>
+              <a:rPr lang="fr-FR" sz="1800" dirty="0"/>
+              <a:t>Classification CNN avec fine tuning</a:t>
+            </a:r>
+          </a:p>
+          <a:p>
+            <a:pPr marL="285750" indent="-285750">
+              <a:buFontTx/>
+              <a:buChar char="-"/>
+            </a:pPr>
+            <a:r>
+              <a:rPr lang="fr-FR" sz="1800" dirty="0"/>
+              <a:t>Tester le fine tuning avec ou sans data augmentation</a:t>
+            </a:r>
+          </a:p>
+          <a:p>
+            <a:r>
+              <a:rPr lang="fr-FR" sz="1800" dirty="0"/>
+              <a:t>OBJ3 : ELARGISSEMENT DE LA GAMME</a:t>
+            </a:r>
+          </a:p>
+          <a:p>
+            <a:r>
+              <a:rPr lang="fr-FR" sz="1800" dirty="0"/>
+              <a:t>- Tester la collecte de produits à base de champagne avec l’API</a:t>
+            </a:r>
+          </a:p>
+          <a:p>
+            <a:pPr marL="342900" indent="-342900">
+              <a:buFontTx/>
+              <a:buChar char="-"/>
+            </a:pPr>
+            <a:endParaRPr lang="fr-FR" dirty="0"/>
+          </a:p>
+          <a:p>
+            <a:pPr marL="342900" indent="-342900">
+              <a:buFontTx/>
+              <a:buChar char="-"/>
+            </a:pPr>
+            <a:endParaRPr lang="fr-FR" dirty="0"/>
+          </a:p>
+          <a:p>
+            <a:endParaRPr lang="fr-FR" dirty="0"/>
+          </a:p>
+          <a:p>
+            <a:endParaRPr lang="fr-FR" dirty="0"/>
+          </a:p>
+        </p:txBody>
+      </p:sp>
+      <p:sp>
+        <p:nvSpPr>
+          <p:cNvPr id="5" name="Titre 4">
+            <a:extLst>
+              <a:ext uri="{FF2B5EF4-FFF2-40B4-BE49-F238E27FC236}">
+                <a16:creationId xmlns:a16="http://schemas.microsoft.com/office/drawing/2014/main" id="{D59B8F80-64DF-0219-E1A4-23F184E52152}"/>
+              </a:ext>
+            </a:extLst>
+          </p:cNvPr>
+          <p:cNvSpPr>
+            <a:spLocks noGrp="1"/>
+          </p:cNvSpPr>
+          <p:nvPr>
+            <p:ph type="ctrTitle"/>
+          </p:nvPr>
+        </p:nvSpPr>
+        <p:spPr>
+          <a:xfrm>
+            <a:off x="1524000" y="196088"/>
+            <a:ext cx="9144000" cy="872692"/>
+          </a:xfrm>
+        </p:spPr>
+        <p:txBody>
+          <a:bodyPr>
+            <a:normAutofit fontScale="90000"/>
+          </a:bodyPr>
+          <a:lstStyle/>
+          <a:p>
+            <a:r>
+              <a:rPr lang="fr-FR" dirty="0"/>
+              <a:t>Notes (à supprimer)</a:t>
+            </a:r>
+          </a:p>
+        </p:txBody>
+      </p:sp>
+    </p:spTree>
+    <p:extLst>
+      <p:ext uri="{BB962C8B-B14F-4D97-AF65-F5344CB8AC3E}">
+        <p14:creationId xmlns:p14="http://schemas.microsoft.com/office/powerpoint/2010/main" val="2500164073"/>
+      </p:ext>
+    </p:extLst>
+  </p:cSld>
+  <p:clrMapOvr>
+    <a:masterClrMapping/>
+  </p:clrMapOvr>
+</p:sld>
+</file>
+
+<file path=ppt/slides/slide3.xml><?xml version="1.0" encoding="utf-8"?>
+<p:sld xmlns:a="http://schemas.openxmlformats.org/drawingml/2006/main" xmlns:r="http://schemas.openxmlformats.org/officeDocument/2006/relationships" xmlns:p="http://schemas.openxmlformats.org/presentationml/2006/main">
+  <p:cSld>
+    <p:spTree>
+      <p:nvGrpSpPr>
+        <p:cNvPr id="1" name=""/>
+        <p:cNvGrpSpPr/>
+        <p:nvPr/>
+      </p:nvGrpSpPr>
+      <p:grpSpPr>
+        <a:xfrm>
+          <a:off x="0" y="0"/>
+          <a:ext cx="0" cy="0"/>
+          <a:chOff x="0" y="0"/>
+          <a:chExt cx="0" cy="0"/>
+        </a:xfrm>
+      </p:grpSpPr>
+      <p:sp>
+        <p:nvSpPr>
+          <p:cNvPr id="3" name="Sous-titre 2">
+            <a:extLst>
+              <a:ext uri="{FF2B5EF4-FFF2-40B4-BE49-F238E27FC236}">
+                <a16:creationId xmlns:a16="http://schemas.microsoft.com/office/drawing/2014/main" id="{4BEB4214-9976-14A1-8FA6-6E79CA7E2357}"/>
+              </a:ext>
+            </a:extLst>
+          </p:cNvPr>
+          <p:cNvSpPr>
+            <a:spLocks noGrp="1"/>
+          </p:cNvSpPr>
+          <p:nvPr>
+            <p:ph type="subTitle" idx="1"/>
+          </p:nvPr>
+        </p:nvSpPr>
+        <p:spPr>
+          <a:xfrm>
+            <a:off x="1524000" y="1246909"/>
+            <a:ext cx="9144000" cy="5308270"/>
+          </a:xfrm>
+        </p:spPr>
+        <p:txBody>
+          <a:bodyPr>
+            <a:normAutofit/>
+          </a:bodyPr>
+          <a:lstStyle/>
+          <a:p>
+            <a:r>
+              <a:rPr lang="fr-FR" sz="1800" dirty="0"/>
+              <a:t>Durée de la présentation 20 min (+/-5)</a:t>
+            </a:r>
+          </a:p>
+          <a:p>
+            <a:r>
+              <a:rPr lang="fr-FR" sz="1800" dirty="0"/>
+              <a:t>A/ Rappel de la problématique </a:t>
+            </a:r>
+          </a:p>
+          <a:p>
+            <a:r>
+              <a:rPr lang="fr-FR" sz="1800" dirty="0"/>
+              <a:t>- Intro (2 min)</a:t>
+            </a:r>
+          </a:p>
+          <a:p>
+            <a:r>
+              <a:rPr lang="fr-FR" sz="1800" dirty="0"/>
+              <a:t>B/ Explication des prétraitements, extractions de feature et résultats de l’ARI pour l’étude de faisabilité </a:t>
+            </a:r>
+          </a:p>
+          <a:p>
+            <a:pPr marL="285750" indent="-285750">
+              <a:buFontTx/>
+              <a:buChar char="-"/>
+            </a:pPr>
+            <a:r>
+              <a:rPr lang="fr-FR" sz="1800" dirty="0"/>
+              <a:t>B.1 Partie texte (5 min)</a:t>
+            </a:r>
+          </a:p>
+          <a:p>
+            <a:pPr marL="285750" indent="-285750">
+              <a:buFontTx/>
+              <a:buChar char="-"/>
+            </a:pPr>
+            <a:r>
+              <a:rPr lang="fr-FR" sz="1800" dirty="0"/>
+              <a:t>B.2 Partie image (5 min)</a:t>
+            </a:r>
+          </a:p>
+          <a:p>
+            <a:r>
+              <a:rPr lang="fr-FR" sz="1800" dirty="0"/>
+              <a:t>C / Classification supervisée</a:t>
+            </a:r>
+          </a:p>
+          <a:p>
+            <a:pPr marL="285750" indent="-285750">
+              <a:buFontTx/>
+              <a:buChar char="-"/>
+            </a:pPr>
+            <a:r>
+              <a:rPr lang="fr-FR" sz="1800" dirty="0"/>
+              <a:t>Résultats avec la partie SIFT ?( 3 min)</a:t>
+            </a:r>
+          </a:p>
+          <a:p>
+            <a:r>
+              <a:rPr lang="fr-FR" sz="1800" dirty="0"/>
+              <a:t>D / API (1 min)</a:t>
+            </a:r>
+          </a:p>
+          <a:p>
+            <a:r>
+              <a:rPr lang="fr-FR" sz="1800" dirty="0"/>
+              <a:t>E / Travail de veille technique récente (4 min?)</a:t>
+            </a:r>
+          </a:p>
+          <a:p>
+            <a:r>
+              <a:rPr lang="fr-FR" sz="1800" dirty="0"/>
+              <a:t>- Transfer </a:t>
+            </a:r>
+            <a:r>
+              <a:rPr lang="fr-FR" sz="1800" dirty="0" err="1"/>
+              <a:t>learning</a:t>
+            </a:r>
+            <a:r>
+              <a:rPr lang="fr-FR" sz="1800" dirty="0"/>
+              <a:t> ?</a:t>
+            </a:r>
+          </a:p>
+          <a:p>
+            <a:pPr marL="342900" indent="-342900">
+              <a:buFontTx/>
+              <a:buChar char="-"/>
+            </a:pPr>
+            <a:endParaRPr lang="fr-FR" dirty="0"/>
+          </a:p>
+          <a:p>
+            <a:pPr marL="342900" indent="-342900">
+              <a:buFontTx/>
+              <a:buChar char="-"/>
+            </a:pPr>
+            <a:endParaRPr lang="fr-FR" dirty="0"/>
+          </a:p>
+          <a:p>
+            <a:endParaRPr lang="fr-FR" dirty="0"/>
+          </a:p>
+          <a:p>
+            <a:endParaRPr lang="fr-FR" dirty="0"/>
+          </a:p>
+        </p:txBody>
+      </p:sp>
+      <p:sp>
+        <p:nvSpPr>
+          <p:cNvPr id="5" name="Titre 4">
+            <a:extLst>
+              <a:ext uri="{FF2B5EF4-FFF2-40B4-BE49-F238E27FC236}">
+                <a16:creationId xmlns:a16="http://schemas.microsoft.com/office/drawing/2014/main" id="{D59B8F80-64DF-0219-E1A4-23F184E52152}"/>
+              </a:ext>
+            </a:extLst>
+          </p:cNvPr>
+          <p:cNvSpPr>
+            <a:spLocks noGrp="1"/>
+          </p:cNvSpPr>
+          <p:nvPr>
+            <p:ph type="ctrTitle"/>
+          </p:nvPr>
+        </p:nvSpPr>
+        <p:spPr>
+          <a:xfrm>
+            <a:off x="1524000" y="196088"/>
+            <a:ext cx="9144000" cy="872692"/>
+          </a:xfrm>
+        </p:spPr>
+        <p:txBody>
+          <a:bodyPr>
+            <a:normAutofit fontScale="90000"/>
+          </a:bodyPr>
+          <a:lstStyle/>
+          <a:p>
+            <a:r>
+              <a:rPr lang="fr-FR" dirty="0"/>
+              <a:t>Plan (à supprimer)</a:t>
+            </a:r>
+          </a:p>
+        </p:txBody>
+      </p:sp>
+    </p:spTree>
+    <p:extLst>
+      <p:ext uri="{BB962C8B-B14F-4D97-AF65-F5344CB8AC3E}">
+        <p14:creationId xmlns:p14="http://schemas.microsoft.com/office/powerpoint/2010/main" val="410446970"/>
+      </p:ext>
+    </p:extLst>
+  </p:cSld>
+  <p:clrMapOvr>
+    <a:masterClrMapping/>
+  </p:clrMapOvr>
+</p:sld>
+</file>
+
+<file path=ppt/slides/slide4.xml><?xml version="1.0" encoding="utf-8"?>
+<p:sld xmlns:a="http://schemas.openxmlformats.org/drawingml/2006/main" xmlns:r="http://schemas.openxmlformats.org/officeDocument/2006/relationships" xmlns:p="http://schemas.openxmlformats.org/presentationml/2006/main">
+  <p:cSld>
+    <p:spTree>
+      <p:nvGrpSpPr>
+        <p:cNvPr id="1" name=""/>
+        <p:cNvGrpSpPr/>
+        <p:nvPr/>
+      </p:nvGrpSpPr>
+      <p:grpSpPr>
+        <a:xfrm>
+          <a:off x="0" y="0"/>
+          <a:ext cx="0" cy="0"/>
+          <a:chOff x="0" y="0"/>
+          <a:chExt cx="0" cy="0"/>
+        </a:xfrm>
+      </p:grpSpPr>
+      <p:sp>
+        <p:nvSpPr>
+          <p:cNvPr id="2" name="Titre 1">
+            <a:extLst>
+              <a:ext uri="{FF2B5EF4-FFF2-40B4-BE49-F238E27FC236}">
+                <a16:creationId xmlns:a16="http://schemas.microsoft.com/office/drawing/2014/main" id="{EF750DE3-9C14-38BC-9154-6ACBBB17EAA6}"/>
+              </a:ext>
+            </a:extLst>
+          </p:cNvPr>
+          <p:cNvSpPr>
+            <a:spLocks noGrp="1"/>
+          </p:cNvSpPr>
+          <p:nvPr>
+            <p:ph type="title"/>
+          </p:nvPr>
+        </p:nvSpPr>
+        <p:spPr/>
+        <p:txBody>
+          <a:bodyPr/>
+          <a:lstStyle/>
+          <a:p>
+            <a:r>
+              <a:rPr lang="fr-FR" dirty="0"/>
+              <a:t>Introduction</a:t>
+            </a:r>
+          </a:p>
+        </p:txBody>
+      </p:sp>
+      <p:sp>
+        <p:nvSpPr>
+          <p:cNvPr id="3" name="Espace réservé du contenu 2">
+            <a:extLst>
+              <a:ext uri="{FF2B5EF4-FFF2-40B4-BE49-F238E27FC236}">
+                <a16:creationId xmlns:a16="http://schemas.microsoft.com/office/drawing/2014/main" id="{12269678-406B-FC2A-A048-7248F2C541F2}"/>
+              </a:ext>
+            </a:extLst>
+          </p:cNvPr>
+          <p:cNvSpPr>
+            <a:spLocks noGrp="1"/>
+          </p:cNvSpPr>
+          <p:nvPr>
+            <p:ph idx="1"/>
+          </p:nvPr>
+        </p:nvSpPr>
+        <p:spPr/>
+        <p:txBody>
+          <a:bodyPr/>
+          <a:lstStyle/>
+          <a:p>
+            <a:r>
+              <a:rPr lang="fr-FR" dirty="0"/>
+              <a:t>Automatiser l’attribution des catégories de tous les produits mis en ligne par les vendeurs</a:t>
+            </a:r>
+          </a:p>
+          <a:p>
+            <a:r>
+              <a:rPr lang="fr-FR" dirty="0"/>
+              <a:t>7 catégories de produits disponibles</a:t>
+            </a:r>
+          </a:p>
+          <a:p>
+            <a:r>
+              <a:rPr lang="fr-FR" dirty="0"/>
+              <a:t>Montrer la liste</a:t>
+            </a:r>
+          </a:p>
+        </p:txBody>
+      </p:sp>
+    </p:spTree>
+    <p:extLst>
+      <p:ext uri="{BB962C8B-B14F-4D97-AF65-F5344CB8AC3E}">
+        <p14:creationId xmlns:p14="http://schemas.microsoft.com/office/powerpoint/2010/main" val="3901063859"/>
+      </p:ext>
+    </p:extLst>
+  </p:cSld>
+  <p:clrMapOvr>
+    <a:masterClrMapping/>
+  </p:clrMapOvr>
+</p:sld>
+</file>
+
+<file path=ppt/slides/slide5.xml><?xml version="1.0" encoding="utf-8"?>
+<p:sld xmlns:a="http://schemas.openxmlformats.org/drawingml/2006/main" xmlns:r="http://schemas.openxmlformats.org/officeDocument/2006/relationships" xmlns:p="http://schemas.openxmlformats.org/presentationml/2006/main">
+  <p:cSld>
+    <p:spTree>
+      <p:nvGrpSpPr>
+        <p:cNvPr id="1" name=""/>
+        <p:cNvGrpSpPr/>
+        <p:nvPr/>
+      </p:nvGrpSpPr>
+      <p:grpSpPr>
+        <a:xfrm>
+          <a:off x="0" y="0"/>
+          <a:ext cx="0" cy="0"/>
+          <a:chOff x="0" y="0"/>
+          <a:chExt cx="0" cy="0"/>
+        </a:xfrm>
+      </p:grpSpPr>
+      <p:sp>
+        <p:nvSpPr>
+          <p:cNvPr id="2" name="Titre 1">
+            <a:extLst>
+              <a:ext uri="{FF2B5EF4-FFF2-40B4-BE49-F238E27FC236}">
+                <a16:creationId xmlns:a16="http://schemas.microsoft.com/office/drawing/2014/main" id="{EF750DE3-9C14-38BC-9154-6ACBBB17EAA6}"/>
+              </a:ext>
+            </a:extLst>
+          </p:cNvPr>
+          <p:cNvSpPr>
+            <a:spLocks noGrp="1"/>
+          </p:cNvSpPr>
+          <p:nvPr>
+            <p:ph type="title"/>
+          </p:nvPr>
+        </p:nvSpPr>
+        <p:spPr/>
+        <p:txBody>
+          <a:bodyPr/>
+          <a:lstStyle/>
+          <a:p>
+            <a:r>
+              <a:rPr lang="fr-FR" dirty="0"/>
+              <a:t>Introduction</a:t>
+            </a:r>
+          </a:p>
+        </p:txBody>
+      </p:sp>
+      <p:sp>
+        <p:nvSpPr>
+          <p:cNvPr id="3" name="Espace réservé du contenu 2">
+            <a:extLst>
+              <a:ext uri="{FF2B5EF4-FFF2-40B4-BE49-F238E27FC236}">
+                <a16:creationId xmlns:a16="http://schemas.microsoft.com/office/drawing/2014/main" id="{12269678-406B-FC2A-A048-7248F2C541F2}"/>
+              </a:ext>
+            </a:extLst>
+          </p:cNvPr>
+          <p:cNvSpPr>
+            <a:spLocks noGrp="1"/>
+          </p:cNvSpPr>
+          <p:nvPr>
+            <p:ph idx="1"/>
+          </p:nvPr>
+        </p:nvSpPr>
+        <p:spPr>
+          <a:xfrm>
+            <a:off x="838200" y="1825625"/>
+            <a:ext cx="10515600" cy="3783867"/>
+          </a:xfrm>
+        </p:spPr>
+        <p:txBody>
+          <a:bodyPr>
+            <a:normAutofit lnSpcReduction="10000"/>
+          </a:bodyPr>
+          <a:lstStyle/>
+          <a:p>
+            <a:r>
+              <a:rPr lang="fr-FR" dirty="0"/>
+              <a:t>A partir des données que le vendeur saisit (image/photo), on veut que l’algorithme attribue la catégorie correspondante: description du produit (texte) et une photo (image) </a:t>
+            </a:r>
+          </a:p>
+          <a:p>
+            <a:endParaRPr lang="fr-FR" dirty="0"/>
+          </a:p>
+          <a:p>
+            <a:r>
+              <a:rPr lang="fr-FR" dirty="0"/>
+              <a:t>1ere ligne pour image montre et image description d’un produit</a:t>
+            </a:r>
+          </a:p>
+          <a:p>
+            <a:r>
+              <a:rPr lang="fr-FR" dirty="0"/>
+              <a:t>2</a:t>
+            </a:r>
+            <a:r>
+              <a:rPr lang="fr-FR" baseline="30000" dirty="0"/>
+              <a:t>e</a:t>
+            </a:r>
+            <a:r>
+              <a:rPr lang="fr-FR" dirty="0"/>
+              <a:t> ligne grand rectangle </a:t>
+            </a:r>
+            <a:r>
+              <a:rPr lang="fr-FR" dirty="0" err="1"/>
+              <a:t>alorithme</a:t>
+            </a:r>
+            <a:r>
+              <a:rPr lang="fr-FR" dirty="0"/>
+              <a:t> traversé par deux flèches vert.</a:t>
+            </a:r>
+          </a:p>
+          <a:p>
+            <a:r>
+              <a:rPr lang="fr-FR" dirty="0"/>
+              <a:t>3</a:t>
+            </a:r>
+            <a:r>
+              <a:rPr lang="fr-FR" baseline="30000" dirty="0"/>
+              <a:t>e</a:t>
+            </a:r>
+            <a:r>
+              <a:rPr lang="fr-FR" dirty="0"/>
+              <a:t> ligne catégorie </a:t>
+            </a:r>
+          </a:p>
+          <a:p>
+            <a:r>
+              <a:rPr lang="fr-FR" dirty="0"/>
+              <a:t>4</a:t>
+            </a:r>
+            <a:r>
+              <a:rPr lang="fr-FR" baseline="30000" dirty="0"/>
+              <a:t>e</a:t>
+            </a:r>
+            <a:r>
+              <a:rPr lang="fr-FR" dirty="0"/>
+              <a:t> ligne : évaluation par l’</a:t>
+            </a:r>
+            <a:r>
+              <a:rPr lang="fr-FR" dirty="0" err="1"/>
+              <a:t>accuracy</a:t>
+            </a:r>
+            <a:r>
+              <a:rPr lang="fr-FR" dirty="0"/>
+              <a:t> du taux de fiabilité</a:t>
+            </a:r>
+          </a:p>
+        </p:txBody>
+      </p:sp>
+    </p:spTree>
+    <p:extLst>
+      <p:ext uri="{BB962C8B-B14F-4D97-AF65-F5344CB8AC3E}">
+        <p14:creationId xmlns:p14="http://schemas.microsoft.com/office/powerpoint/2010/main" val="3112738207"/>
+      </p:ext>
+    </p:extLst>
+  </p:cSld>
+  <p:clrMapOvr>
+    <a:masterClrMapping/>
+  </p:clrMapOvr>
+</p:sld>
+</file>
+
+<file path=ppt/slides/slide6.xml><?xml version="1.0" encoding="utf-8"?>
+<p:sld xmlns:a="http://schemas.openxmlformats.org/drawingml/2006/main" xmlns:r="http://schemas.openxmlformats.org/officeDocument/2006/relationships" xmlns:p="http://schemas.openxmlformats.org/presentationml/2006/main">
+  <p:cSld>
+    <p:spTree>
+      <p:nvGrpSpPr>
+        <p:cNvPr id="1" name=""/>
+        <p:cNvGrpSpPr/>
+        <p:nvPr/>
+      </p:nvGrpSpPr>
+      <p:grpSpPr>
+        <a:xfrm>
+          <a:off x="0" y="0"/>
+          <a:ext cx="0" cy="0"/>
+          <a:chOff x="0" y="0"/>
+          <a:chExt cx="0" cy="0"/>
+        </a:xfrm>
+      </p:grpSpPr>
+      <p:sp>
+        <p:nvSpPr>
+          <p:cNvPr id="2" name="Titre 1">
+            <a:extLst>
+              <a:ext uri="{FF2B5EF4-FFF2-40B4-BE49-F238E27FC236}">
+                <a16:creationId xmlns:a16="http://schemas.microsoft.com/office/drawing/2014/main" id="{EF750DE3-9C14-38BC-9154-6ACBBB17EAA6}"/>
+              </a:ext>
+            </a:extLst>
+          </p:cNvPr>
+          <p:cNvSpPr>
+            <a:spLocks noGrp="1"/>
+          </p:cNvSpPr>
+          <p:nvPr>
+            <p:ph type="title"/>
+          </p:nvPr>
+        </p:nvSpPr>
+        <p:spPr/>
+        <p:txBody>
+          <a:bodyPr/>
+          <a:lstStyle/>
+          <a:p>
+            <a:r>
+              <a:rPr lang="fr-FR" dirty="0"/>
+              <a:t>Etude de faisabilité</a:t>
+            </a:r>
+          </a:p>
+        </p:txBody>
+      </p:sp>
+      <p:sp>
+        <p:nvSpPr>
+          <p:cNvPr id="3" name="Espace réservé du contenu 2">
+            <a:extLst>
+              <a:ext uri="{FF2B5EF4-FFF2-40B4-BE49-F238E27FC236}">
+                <a16:creationId xmlns:a16="http://schemas.microsoft.com/office/drawing/2014/main" id="{12269678-406B-FC2A-A048-7248F2C541F2}"/>
+              </a:ext>
+            </a:extLst>
+          </p:cNvPr>
+          <p:cNvSpPr>
+            <a:spLocks noGrp="1"/>
+          </p:cNvSpPr>
+          <p:nvPr>
+            <p:ph idx="1"/>
+          </p:nvPr>
+        </p:nvSpPr>
+        <p:spPr>
+          <a:xfrm>
+            <a:off x="838200" y="1825625"/>
+            <a:ext cx="10515600" cy="3783867"/>
+          </a:xfrm>
+        </p:spPr>
+        <p:txBody>
+          <a:bodyPr>
+            <a:normAutofit/>
+          </a:bodyPr>
+          <a:lstStyle/>
+          <a:p>
+            <a:r>
+              <a:rPr lang="fr-FR" dirty="0"/>
+              <a:t>Dispose d’un jeu de données de 1050 images et descriptions avec la réalité terrain (catégorie du produit)</a:t>
+            </a:r>
+          </a:p>
+          <a:p>
+            <a:r>
+              <a:rPr lang="fr-FR" dirty="0"/>
+              <a:t>Séparation du travail image et texte</a:t>
+            </a:r>
+          </a:p>
+          <a:p>
+            <a:r>
+              <a:rPr lang="fr-FR" dirty="0"/>
+              <a:t>Méthodologie : </a:t>
+            </a:r>
+          </a:p>
+          <a:p>
+            <a:pPr lvl="1"/>
+            <a:r>
+              <a:rPr lang="fr-FR" dirty="0" err="1"/>
+              <a:t>Preprocessings</a:t>
+            </a:r>
+            <a:endParaRPr lang="fr-FR" dirty="0"/>
+          </a:p>
+          <a:p>
+            <a:pPr lvl="1"/>
+            <a:r>
+              <a:rPr lang="fr-FR" dirty="0"/>
+              <a:t>Extraction de </a:t>
+            </a:r>
+            <a:r>
+              <a:rPr lang="fr-FR" dirty="0" err="1"/>
+              <a:t>features</a:t>
+            </a:r>
+            <a:r>
+              <a:rPr lang="fr-FR" dirty="0"/>
+              <a:t> numériques</a:t>
+            </a:r>
+          </a:p>
+          <a:p>
+            <a:pPr lvl="1"/>
+            <a:r>
+              <a:rPr lang="fr-FR" dirty="0"/>
+              <a:t>Comparaison terrain vs clustering non supervisé  + ARI</a:t>
+            </a:r>
+          </a:p>
+          <a:p>
+            <a:pPr marL="0" indent="0">
+              <a:buNone/>
+            </a:pPr>
+            <a:endParaRPr lang="fr-FR" dirty="0"/>
+          </a:p>
+        </p:txBody>
+      </p:sp>
+    </p:spTree>
+    <p:extLst>
+      <p:ext uri="{BB962C8B-B14F-4D97-AF65-F5344CB8AC3E}">
+        <p14:creationId xmlns:p14="http://schemas.microsoft.com/office/powerpoint/2010/main" val="3949415356"/>
+      </p:ext>
+    </p:extLst>
+  </p:cSld>
+  <p:clrMapOvr>
+    <a:masterClrMapping/>
+  </p:clrMapOvr>
+</p:sld>
+</file>
+
+<file path=ppt/slides/slide7.xml><?xml version="1.0" encoding="utf-8"?>
+<p:sld xmlns:a="http://schemas.openxmlformats.org/drawingml/2006/main" xmlns:r="http://schemas.openxmlformats.org/officeDocument/2006/relationships" xmlns:p="http://schemas.openxmlformats.org/presentationml/2006/main">
+  <p:cSld>
+    <p:spTree>
+      <p:nvGrpSpPr>
+        <p:cNvPr id="1" name=""/>
+        <p:cNvGrpSpPr/>
+        <p:nvPr/>
+      </p:nvGrpSpPr>
+      <p:grpSpPr>
+        <a:xfrm>
+          <a:off x="0" y="0"/>
+          <a:ext cx="0" cy="0"/>
+          <a:chOff x="0" y="0"/>
+          <a:chExt cx="0" cy="0"/>
+        </a:xfrm>
+      </p:grpSpPr>
+      <p:sp>
+        <p:nvSpPr>
+          <p:cNvPr id="2" name="Titre 1">
+            <a:extLst>
+              <a:ext uri="{FF2B5EF4-FFF2-40B4-BE49-F238E27FC236}">
+                <a16:creationId xmlns:a16="http://schemas.microsoft.com/office/drawing/2014/main" id="{EF750DE3-9C14-38BC-9154-6ACBBB17EAA6}"/>
+              </a:ext>
+            </a:extLst>
+          </p:cNvPr>
+          <p:cNvSpPr>
+            <a:spLocks noGrp="1"/>
+          </p:cNvSpPr>
+          <p:nvPr>
+            <p:ph type="title"/>
+          </p:nvPr>
+        </p:nvSpPr>
+        <p:spPr/>
+        <p:txBody>
+          <a:bodyPr/>
+          <a:lstStyle/>
+          <a:p>
+            <a:r>
+              <a:rPr lang="fr-FR" dirty="0"/>
+              <a:t>Prétraitement texte</a:t>
+            </a:r>
+          </a:p>
+        </p:txBody>
+      </p:sp>
+      <p:sp>
+        <p:nvSpPr>
+          <p:cNvPr id="3" name="Espace réservé du contenu 2">
+            <a:extLst>
+              <a:ext uri="{FF2B5EF4-FFF2-40B4-BE49-F238E27FC236}">
+                <a16:creationId xmlns:a16="http://schemas.microsoft.com/office/drawing/2014/main" id="{12269678-406B-FC2A-A048-7248F2C541F2}"/>
+              </a:ext>
+            </a:extLst>
+          </p:cNvPr>
+          <p:cNvSpPr>
+            <a:spLocks noGrp="1"/>
+          </p:cNvSpPr>
+          <p:nvPr>
+            <p:ph idx="1"/>
+          </p:nvPr>
+        </p:nvSpPr>
+        <p:spPr>
+          <a:xfrm>
+            <a:off x="838200" y="1825625"/>
+            <a:ext cx="10515600" cy="3783867"/>
+          </a:xfrm>
+        </p:spPr>
+        <p:txBody>
+          <a:bodyPr>
+            <a:normAutofit/>
+          </a:bodyPr>
+          <a:lstStyle/>
+          <a:p>
+            <a:r>
+              <a:rPr lang="fr-FR" dirty="0"/>
+              <a:t>Séparation du travail image et texte</a:t>
+            </a:r>
+          </a:p>
+          <a:p>
+            <a:endParaRPr lang="fr-FR" dirty="0"/>
+          </a:p>
+          <a:p>
+            <a:r>
+              <a:rPr lang="fr-FR" dirty="0"/>
+              <a:t>Dispose d’un jeu de données de 1050 images et descriptions avec la réalité terrain (catégorie du produit)</a:t>
+            </a:r>
+          </a:p>
+        </p:txBody>
+      </p:sp>
+    </p:spTree>
+    <p:extLst>
+      <p:ext uri="{BB962C8B-B14F-4D97-AF65-F5344CB8AC3E}">
+        <p14:creationId xmlns:p14="http://schemas.microsoft.com/office/powerpoint/2010/main" val="4159762272"/>
+      </p:ext>
+    </p:extLst>
+  </p:cSld>
+  <p:clrMapOvr>
+    <a:masterClrMapping/>
+  </p:clrMapOvr>
+</p:sld>
+</file>
+
+<file path=ppt/slides/slide8.xml><?xml version="1.0" encoding="utf-8"?>
+<p:sld xmlns:a="http://schemas.openxmlformats.org/drawingml/2006/main" xmlns:r="http://schemas.openxmlformats.org/officeDocument/2006/relationships" xmlns:p="http://schemas.openxmlformats.org/presentationml/2006/main">
+  <p:cSld>
+    <p:spTree>
+      <p:nvGrpSpPr>
+        <p:cNvPr id="1" name=""/>
+        <p:cNvGrpSpPr/>
+        <p:nvPr/>
+      </p:nvGrpSpPr>
+      <p:grpSpPr>
+        <a:xfrm>
+          <a:off x="0" y="0"/>
+          <a:ext cx="0" cy="0"/>
+          <a:chOff x="0" y="0"/>
+          <a:chExt cx="0" cy="0"/>
+        </a:xfrm>
+      </p:grpSpPr>
+      <p:sp>
+        <p:nvSpPr>
+          <p:cNvPr id="2" name="Titre 1">
+            <a:extLst>
+              <a:ext uri="{FF2B5EF4-FFF2-40B4-BE49-F238E27FC236}">
+                <a16:creationId xmlns:a16="http://schemas.microsoft.com/office/drawing/2014/main" id="{EF750DE3-9C14-38BC-9154-6ACBBB17EAA6}"/>
+              </a:ext>
+            </a:extLst>
+          </p:cNvPr>
+          <p:cNvSpPr>
+            <a:spLocks noGrp="1"/>
+          </p:cNvSpPr>
+          <p:nvPr>
+            <p:ph type="title"/>
+          </p:nvPr>
+        </p:nvSpPr>
+        <p:spPr/>
+        <p:txBody>
+          <a:bodyPr/>
+          <a:lstStyle/>
+          <a:p>
+            <a:r>
+              <a:rPr lang="fr-FR" dirty="0" err="1"/>
+              <a:t>Features</a:t>
+            </a:r>
+            <a:r>
+              <a:rPr lang="fr-FR" dirty="0"/>
+              <a:t> texte</a:t>
+            </a:r>
+          </a:p>
+        </p:txBody>
+      </p:sp>
+      <p:sp>
+        <p:nvSpPr>
+          <p:cNvPr id="3" name="Espace réservé du contenu 2">
+            <a:extLst>
+              <a:ext uri="{FF2B5EF4-FFF2-40B4-BE49-F238E27FC236}">
+                <a16:creationId xmlns:a16="http://schemas.microsoft.com/office/drawing/2014/main" id="{12269678-406B-FC2A-A048-7248F2C541F2}"/>
+              </a:ext>
+            </a:extLst>
+          </p:cNvPr>
+          <p:cNvSpPr>
+            <a:spLocks noGrp="1"/>
+          </p:cNvSpPr>
+          <p:nvPr>
+            <p:ph idx="1"/>
+          </p:nvPr>
+        </p:nvSpPr>
+        <p:spPr>
+          <a:xfrm>
+            <a:off x="838200" y="1825625"/>
+            <a:ext cx="10515600" cy="3783867"/>
+          </a:xfrm>
+        </p:spPr>
+        <p:txBody>
+          <a:bodyPr>
+            <a:normAutofit/>
+          </a:bodyPr>
+          <a:lstStyle/>
+          <a:p>
+            <a:r>
+              <a:rPr lang="fr-FR" dirty="0"/>
+              <a:t>Séparation du travail image et texte</a:t>
+            </a:r>
+          </a:p>
+          <a:p>
+            <a:endParaRPr lang="fr-FR" dirty="0"/>
+          </a:p>
+          <a:p>
+            <a:r>
+              <a:rPr lang="fr-FR" dirty="0"/>
+              <a:t>Dispose d’un jeu de données de 1050 images et descriptions avec la réalité terrain (catégorie du produit)</a:t>
+            </a:r>
+          </a:p>
+        </p:txBody>
+      </p:sp>
+    </p:spTree>
+    <p:extLst>
+      <p:ext uri="{BB962C8B-B14F-4D97-AF65-F5344CB8AC3E}">
+        <p14:creationId xmlns:p14="http://schemas.microsoft.com/office/powerpoint/2010/main" val="1009411413"/>
+      </p:ext>
+    </p:extLst>
+  </p:cSld>
+  <p:clrMapOvr>
+    <a:masterClrMapping/>
+  </p:clrMapOvr>
+</p:sld>
+</file>
+
+<file path=ppt/slides/slide9.xml><?xml version="1.0" encoding="utf-8"?>
+<p:sld xmlns:a="http://schemas.openxmlformats.org/drawingml/2006/main" xmlns:r="http://schemas.openxmlformats.org/officeDocument/2006/relationships" xmlns:p="http://schemas.openxmlformats.org/presentationml/2006/main">
+  <p:cSld>
+    <p:spTree>
+      <p:nvGrpSpPr>
+        <p:cNvPr id="1" name=""/>
+        <p:cNvGrpSpPr/>
+        <p:nvPr/>
+      </p:nvGrpSpPr>
+      <p:grpSpPr>
+        <a:xfrm>
+          <a:off x="0" y="0"/>
+          <a:ext cx="0" cy="0"/>
+          <a:chOff x="0" y="0"/>
+          <a:chExt cx="0" cy="0"/>
+        </a:xfrm>
+      </p:grpSpPr>
+      <p:sp>
+        <p:nvSpPr>
+          <p:cNvPr id="2" name="Titre 1">
+            <a:extLst>
+              <a:ext uri="{FF2B5EF4-FFF2-40B4-BE49-F238E27FC236}">
+                <a16:creationId xmlns:a16="http://schemas.microsoft.com/office/drawing/2014/main" id="{EF750DE3-9C14-38BC-9154-6ACBBB17EAA6}"/>
+              </a:ext>
+            </a:extLst>
+          </p:cNvPr>
+          <p:cNvSpPr>
+            <a:spLocks noGrp="1"/>
+          </p:cNvSpPr>
+          <p:nvPr>
+            <p:ph type="title"/>
+          </p:nvPr>
+        </p:nvSpPr>
+        <p:spPr/>
+        <p:txBody>
+          <a:bodyPr/>
+          <a:lstStyle/>
+          <a:p>
+            <a:r>
+              <a:rPr lang="fr-FR" dirty="0"/>
+              <a:t>ARI texte</a:t>
+            </a:r>
+          </a:p>
+        </p:txBody>
+      </p:sp>
+      <p:sp>
+        <p:nvSpPr>
+          <p:cNvPr id="3" name="Espace réservé du contenu 2">
+            <a:extLst>
+              <a:ext uri="{FF2B5EF4-FFF2-40B4-BE49-F238E27FC236}">
+                <a16:creationId xmlns:a16="http://schemas.microsoft.com/office/drawing/2014/main" id="{12269678-406B-FC2A-A048-7248F2C541F2}"/>
+              </a:ext>
+            </a:extLst>
+          </p:cNvPr>
+          <p:cNvSpPr>
+            <a:spLocks noGrp="1"/>
+          </p:cNvSpPr>
+          <p:nvPr>
+            <p:ph idx="1"/>
+          </p:nvPr>
+        </p:nvSpPr>
+        <p:spPr>
+          <a:xfrm>
+            <a:off x="838200" y="1825625"/>
+            <a:ext cx="10515600" cy="3783867"/>
+          </a:xfrm>
+        </p:spPr>
+        <p:txBody>
+          <a:bodyPr>
+            <a:normAutofit/>
+          </a:bodyPr>
+          <a:lstStyle/>
+          <a:p>
+            <a:r>
+              <a:rPr lang="fr-FR" dirty="0"/>
+              <a:t>Séparation du travail image et texte</a:t>
+            </a:r>
+          </a:p>
+          <a:p>
+            <a:endParaRPr lang="fr-FR" dirty="0"/>
+          </a:p>
+          <a:p>
+            <a:r>
+              <a:rPr lang="fr-FR" dirty="0"/>
+              <a:t>Dispose d’un jeu de données de 1050 images et descriptions avec la réalité terrain (catégorie du produit)</a:t>
+            </a:r>
+          </a:p>
+        </p:txBody>
+      </p:sp>
+    </p:spTree>
+    <p:extLst>
+      <p:ext uri="{BB962C8B-B14F-4D97-AF65-F5344CB8AC3E}">
+        <p14:creationId xmlns:p14="http://schemas.microsoft.com/office/powerpoint/2010/main" val="216442796"/>
       </p:ext>
     </p:extLst>
   </p:cSld>

--- a/5_presentation_072024.pptx
+++ b/5_presentation_072024.pptx
@@ -8,8 +8,8 @@
     <p:sldId id="256" r:id="rId2"/>
     <p:sldId id="259" r:id="rId3"/>
     <p:sldId id="260" r:id="rId4"/>
-    <p:sldId id="257" r:id="rId5"/>
-    <p:sldId id="261" r:id="rId6"/>
+    <p:sldId id="280" r:id="rId5"/>
+    <p:sldId id="279" r:id="rId6"/>
     <p:sldId id="262" r:id="rId7"/>
     <p:sldId id="263" r:id="rId8"/>
     <p:sldId id="264" r:id="rId9"/>
@@ -130,6 +130,1123 @@
 </p:presentation>
 </file>
 
+<file path=ppt/charts/chart1.xml><?xml version="1.0" encoding="utf-8"?>
+<c:chartSpace xmlns:c="http://schemas.openxmlformats.org/drawingml/2006/chart" xmlns:a="http://schemas.openxmlformats.org/drawingml/2006/main" xmlns:r="http://schemas.openxmlformats.org/officeDocument/2006/relationships" xmlns:c16r2="http://schemas.microsoft.com/office/drawing/2015/06/chart">
+  <c:date1904 val="0"/>
+  <c:lang val="fr-FR"/>
+  <c:roundedCorners val="0"/>
+  <mc:AlternateContent xmlns:mc="http://schemas.openxmlformats.org/markup-compatibility/2006">
+    <mc:Choice xmlns:c14="http://schemas.microsoft.com/office/drawing/2007/8/2/chart" Requires="c14">
+      <c14:style val="102"/>
+    </mc:Choice>
+    <mc:Fallback>
+      <c:style val="2"/>
+    </mc:Fallback>
+  </mc:AlternateContent>
+  <c:chart>
+    <c:title>
+      <c:tx>
+        <c:rich>
+          <a:bodyPr rot="0" spcFirstLastPara="1" vertOverflow="ellipsis" vert="horz" wrap="square" anchor="ctr" anchorCtr="1"/>
+          <a:lstStyle/>
+          <a:p>
+            <a:pPr>
+              <a:defRPr sz="1862" b="0" i="0" u="none" strike="noStrike" baseline="0">
+                <a:solidFill>
+                  <a:schemeClr val="tx1">
+                    <a:lumMod val="65000"/>
+                    <a:lumOff val="35000"/>
+                  </a:schemeClr>
+                </a:solidFill>
+                <a:latin typeface="+mn-lt"/>
+                <a:ea typeface="+mn-ea"/>
+                <a:cs typeface="+mn-cs"/>
+              </a:defRPr>
+            </a:pPr>
+            <a:r>
+              <a:rPr kumimoji="0" lang="en-US" sz="1862" b="0" i="0" u="none" strike="noStrike" kern="1200" cap="none" spc="0" normalizeH="0" baseline="0" noProof="0" dirty="0">
+                <a:ln>
+                  <a:noFill/>
+                </a:ln>
+                <a:solidFill>
+                  <a:prstClr val="black">
+                    <a:lumMod val="65000"/>
+                    <a:lumOff val="35000"/>
+                  </a:prstClr>
+                </a:solidFill>
+                <a:effectLst/>
+                <a:uLnTx/>
+                <a:uFillTx/>
+                <a:latin typeface="Aptos" panose="02110004020202020204"/>
+              </a:rPr>
+              <a:t>Les 7 categories à classifier</a:t>
+            </a:r>
+          </a:p>
+        </c:rich>
+      </c:tx>
+      <c:overlay val="0"/>
+      <c:spPr>
+        <a:noFill/>
+        <a:ln>
+          <a:noFill/>
+        </a:ln>
+        <a:effectLst/>
+      </c:spPr>
+      <c:txPr>
+        <a:bodyPr rot="0" spcFirstLastPara="1" vertOverflow="ellipsis" vert="horz" wrap="square" anchor="ctr" anchorCtr="1"/>
+        <a:lstStyle/>
+        <a:p>
+          <a:pPr>
+            <a:defRPr sz="1862" b="0" i="0" u="none" strike="noStrike" baseline="0">
+              <a:solidFill>
+                <a:schemeClr val="tx1">
+                  <a:lumMod val="65000"/>
+                  <a:lumOff val="35000"/>
+                </a:schemeClr>
+              </a:solidFill>
+              <a:latin typeface="+mn-lt"/>
+              <a:ea typeface="+mn-ea"/>
+              <a:cs typeface="+mn-cs"/>
+            </a:defRPr>
+          </a:pPr>
+          <a:endParaRPr lang="fr-FR"/>
+        </a:p>
+      </c:txPr>
+    </c:title>
+    <c:autoTitleDeleted val="0"/>
+    <c:view3D>
+      <c:rotX val="15"/>
+      <c:rotY val="20"/>
+      <c:depthPercent val="100"/>
+      <c:rAngAx val="0"/>
+    </c:view3D>
+    <c:floor>
+      <c:thickness val="0"/>
+      <c:spPr>
+        <a:noFill/>
+        <a:ln>
+          <a:noFill/>
+        </a:ln>
+        <a:effectLst/>
+        <a:sp3d/>
+      </c:spPr>
+    </c:floor>
+    <c:sideWall>
+      <c:thickness val="0"/>
+      <c:spPr>
+        <a:noFill/>
+        <a:ln>
+          <a:noFill/>
+        </a:ln>
+        <a:effectLst/>
+        <a:sp3d/>
+      </c:spPr>
+    </c:sideWall>
+    <c:backWall>
+      <c:thickness val="0"/>
+      <c:spPr>
+        <a:noFill/>
+        <a:ln>
+          <a:noFill/>
+        </a:ln>
+        <a:effectLst/>
+        <a:sp3d/>
+      </c:spPr>
+    </c:backWall>
+    <c:plotArea>
+      <c:layout>
+        <c:manualLayout>
+          <c:layoutTarget val="inner"/>
+          <c:xMode val="edge"/>
+          <c:yMode val="edge"/>
+          <c:x val="0.27343995692627393"/>
+          <c:y val="0.10931570827785878"/>
+          <c:w val="0.70695769043126078"/>
+          <c:h val="0.85579344449375516"/>
+        </c:manualLayout>
+      </c:layout>
+      <c:bar3DChart>
+        <c:barDir val="bar"/>
+        <c:grouping val="clustered"/>
+        <c:varyColors val="0"/>
+        <c:ser>
+          <c:idx val="0"/>
+          <c:order val="0"/>
+          <c:tx>
+            <c:strRef>
+              <c:f>Feuil1!$B$1</c:f>
+              <c:strCache>
+                <c:ptCount val="1"/>
+                <c:pt idx="0">
+                  <c:v>Catégorie</c:v>
+                </c:pt>
+              </c:strCache>
+            </c:strRef>
+          </c:tx>
+          <c:spPr>
+            <a:solidFill>
+              <a:schemeClr val="accent1"/>
+            </a:solidFill>
+            <a:ln>
+              <a:noFill/>
+            </a:ln>
+            <a:effectLst/>
+            <a:sp3d/>
+          </c:spPr>
+          <c:invertIfNegative val="0"/>
+          <c:dLbls>
+            <c:dLbl>
+              <c:idx val="0"/>
+              <c:layout>
+                <c:manualLayout>
+                  <c:x val="1.3068235094976871E-2"/>
+                  <c:y val="5.3678226505209327E-3"/>
+                </c:manualLayout>
+              </c:layout>
+              <c:showLegendKey val="0"/>
+              <c:showVal val="1"/>
+              <c:showCatName val="0"/>
+              <c:showSerName val="0"/>
+              <c:showPercent val="0"/>
+              <c:showBubbleSize val="0"/>
+              <c:extLst>
+                <c:ext xmlns:c15="http://schemas.microsoft.com/office/drawing/2012/chart" uri="{CE6537A1-D6FC-4f65-9D91-7224C49458BB}"/>
+                <c:ext xmlns:c16="http://schemas.microsoft.com/office/drawing/2014/chart" uri="{C3380CC4-5D6E-409C-BE32-E72D297353CC}">
+                  <c16:uniqueId val="{00000007-6DA4-4D21-8F0D-318972852290}"/>
+                </c:ext>
+              </c:extLst>
+            </c:dLbl>
+            <c:dLbl>
+              <c:idx val="1"/>
+              <c:layout>
+                <c:manualLayout>
+                  <c:x val="1.3068235094976871E-2"/>
+                  <c:y val="1.0735645301041766E-2"/>
+                </c:manualLayout>
+              </c:layout>
+              <c:showLegendKey val="0"/>
+              <c:showVal val="1"/>
+              <c:showCatName val="0"/>
+              <c:showSerName val="0"/>
+              <c:showPercent val="0"/>
+              <c:showBubbleSize val="0"/>
+              <c:extLst>
+                <c:ext xmlns:c15="http://schemas.microsoft.com/office/drawing/2012/chart" uri="{CE6537A1-D6FC-4f65-9D91-7224C49458BB}"/>
+                <c:ext xmlns:c16="http://schemas.microsoft.com/office/drawing/2014/chart" uri="{C3380CC4-5D6E-409C-BE32-E72D297353CC}">
+                  <c16:uniqueId val="{00000006-6DA4-4D21-8F0D-318972852290}"/>
+                </c:ext>
+              </c:extLst>
+            </c:dLbl>
+            <c:dLbl>
+              <c:idx val="2"/>
+              <c:layout>
+                <c:manualLayout>
+                  <c:x val="1.6335293868720971E-2"/>
+                  <c:y val="2.1471290602083731E-2"/>
+                </c:manualLayout>
+              </c:layout>
+              <c:showLegendKey val="0"/>
+              <c:showVal val="1"/>
+              <c:showCatName val="0"/>
+              <c:showSerName val="0"/>
+              <c:showPercent val="0"/>
+              <c:showBubbleSize val="0"/>
+              <c:extLst>
+                <c:ext xmlns:c15="http://schemas.microsoft.com/office/drawing/2012/chart" uri="{CE6537A1-D6FC-4f65-9D91-7224C49458BB}"/>
+                <c:ext xmlns:c16="http://schemas.microsoft.com/office/drawing/2014/chart" uri="{C3380CC4-5D6E-409C-BE32-E72D297353CC}">
+                  <c16:uniqueId val="{00000005-6DA4-4D21-8F0D-318972852290}"/>
+                </c:ext>
+              </c:extLst>
+            </c:dLbl>
+            <c:dLbl>
+              <c:idx val="3"/>
+              <c:layout>
+                <c:manualLayout>
+                  <c:x val="1.3068235094976751E-2"/>
+                  <c:y val="1.0735645301041865E-2"/>
+                </c:manualLayout>
+              </c:layout>
+              <c:showLegendKey val="0"/>
+              <c:showVal val="1"/>
+              <c:showCatName val="0"/>
+              <c:showSerName val="0"/>
+              <c:showPercent val="0"/>
+              <c:showBubbleSize val="0"/>
+              <c:extLst>
+                <c:ext xmlns:c15="http://schemas.microsoft.com/office/drawing/2012/chart" uri="{CE6537A1-D6FC-4f65-9D91-7224C49458BB}"/>
+                <c:ext xmlns:c16="http://schemas.microsoft.com/office/drawing/2014/chart" uri="{C3380CC4-5D6E-409C-BE32-E72D297353CC}">
+                  <c16:uniqueId val="{00000004-6DA4-4D21-8F0D-318972852290}"/>
+                </c:ext>
+              </c:extLst>
+            </c:dLbl>
+            <c:dLbl>
+              <c:idx val="4"/>
+              <c:layout>
+                <c:manualLayout>
+                  <c:x val="1.3068235094976751E-2"/>
+                  <c:y val="8.05173397578135E-3"/>
+                </c:manualLayout>
+              </c:layout>
+              <c:showLegendKey val="0"/>
+              <c:showVal val="1"/>
+              <c:showCatName val="0"/>
+              <c:showSerName val="0"/>
+              <c:showPercent val="0"/>
+              <c:showBubbleSize val="0"/>
+              <c:extLst>
+                <c:ext xmlns:c15="http://schemas.microsoft.com/office/drawing/2012/chart" uri="{CE6537A1-D6FC-4f65-9D91-7224C49458BB}"/>
+                <c:ext xmlns:c16="http://schemas.microsoft.com/office/drawing/2014/chart" uri="{C3380CC4-5D6E-409C-BE32-E72D297353CC}">
+                  <c16:uniqueId val="{00000001-6DA4-4D21-8F0D-318972852290}"/>
+                </c:ext>
+              </c:extLst>
+            </c:dLbl>
+            <c:dLbl>
+              <c:idx val="5"/>
+              <c:layout>
+                <c:manualLayout>
+                  <c:x val="1.3068235094976751E-2"/>
+                  <c:y val="8.0517339757813985E-3"/>
+                </c:manualLayout>
+              </c:layout>
+              <c:showLegendKey val="0"/>
+              <c:showVal val="1"/>
+              <c:showCatName val="0"/>
+              <c:showSerName val="0"/>
+              <c:showPercent val="0"/>
+              <c:showBubbleSize val="0"/>
+              <c:extLst>
+                <c:ext xmlns:c15="http://schemas.microsoft.com/office/drawing/2012/chart" uri="{CE6537A1-D6FC-4f65-9D91-7224C49458BB}"/>
+                <c:ext xmlns:c16="http://schemas.microsoft.com/office/drawing/2014/chart" uri="{C3380CC4-5D6E-409C-BE32-E72D297353CC}">
+                  <c16:uniqueId val="{00000002-6DA4-4D21-8F0D-318972852290}"/>
+                </c:ext>
+              </c:extLst>
+            </c:dLbl>
+            <c:dLbl>
+              <c:idx val="6"/>
+              <c:layout>
+                <c:manualLayout>
+                  <c:x val="1.470176448184898E-2"/>
+                  <c:y val="0"/>
+                </c:manualLayout>
+              </c:layout>
+              <c:showLegendKey val="0"/>
+              <c:showVal val="1"/>
+              <c:showCatName val="0"/>
+              <c:showSerName val="0"/>
+              <c:showPercent val="0"/>
+              <c:showBubbleSize val="0"/>
+              <c:extLst>
+                <c:ext xmlns:c15="http://schemas.microsoft.com/office/drawing/2012/chart" uri="{CE6537A1-D6FC-4f65-9D91-7224C49458BB}"/>
+                <c:ext xmlns:c16="http://schemas.microsoft.com/office/drawing/2014/chart" uri="{C3380CC4-5D6E-409C-BE32-E72D297353CC}">
+                  <c16:uniqueId val="{00000003-6DA4-4D21-8F0D-318972852290}"/>
+                </c:ext>
+              </c:extLst>
+            </c:dLbl>
+            <c:spPr>
+              <a:noFill/>
+              <a:ln>
+                <a:noFill/>
+              </a:ln>
+              <a:effectLst/>
+            </c:spPr>
+            <c:txPr>
+              <a:bodyPr rot="0" spcFirstLastPara="1" vertOverflow="ellipsis" vert="horz" wrap="square" lIns="38100" tIns="19050" rIns="38100" bIns="19050" anchor="ctr" anchorCtr="1">
+                <a:spAutoFit/>
+              </a:bodyPr>
+              <a:lstStyle/>
+              <a:p>
+                <a:pPr>
+                  <a:defRPr sz="1197" b="0" i="0" u="none" strike="noStrike" baseline="0">
+                    <a:solidFill>
+                      <a:schemeClr val="tx1">
+                        <a:lumMod val="65000"/>
+                        <a:lumOff val="35000"/>
+                      </a:schemeClr>
+                    </a:solidFill>
+                    <a:latin typeface="+mn-lt"/>
+                    <a:ea typeface="+mn-ea"/>
+                    <a:cs typeface="+mn-cs"/>
+                  </a:defRPr>
+                </a:pPr>
+                <a:endParaRPr lang="fr-FR"/>
+              </a:p>
+            </c:txPr>
+            <c:showLegendKey val="0"/>
+            <c:showVal val="1"/>
+            <c:showCatName val="0"/>
+            <c:showSerName val="0"/>
+            <c:showPercent val="0"/>
+            <c:showBubbleSize val="0"/>
+            <c:showLeaderLines val="0"/>
+            <c:extLst>
+              <c:ext xmlns:c15="http://schemas.microsoft.com/office/drawing/2012/chart" uri="{CE6537A1-D6FC-4f65-9D91-7224C49458BB}">
+                <c15:showLeaderLines val="1"/>
+                <c15:leaderLines>
+                  <c:spPr>
+                    <a:ln w="9525" cap="flat" cmpd="sng" algn="ctr">
+                      <a:solidFill>
+                        <a:schemeClr val="tx1">
+                          <a:lumMod val="35000"/>
+                          <a:lumOff val="65000"/>
+                        </a:schemeClr>
+                      </a:solidFill>
+                      <a:round/>
+                    </a:ln>
+                    <a:effectLst/>
+                  </c:spPr>
+                </c15:leaderLines>
+              </c:ext>
+            </c:extLst>
+          </c:dLbls>
+          <c:cat>
+            <c:strRef>
+              <c:f>Feuil1!$A$2:$A$8</c:f>
+              <c:strCache>
+                <c:ptCount val="7"/>
+                <c:pt idx="0">
+                  <c:v>Computers</c:v>
+                </c:pt>
+                <c:pt idx="1">
+                  <c:v>Beauty and Personal Care</c:v>
+                </c:pt>
+                <c:pt idx="2">
+                  <c:v>Kitchen &amp; Dining</c:v>
+                </c:pt>
+                <c:pt idx="3">
+                  <c:v>Home Decor &amp; Festive Needs</c:v>
+                </c:pt>
+                <c:pt idx="4">
+                  <c:v>Watches</c:v>
+                </c:pt>
+                <c:pt idx="5">
+                  <c:v>Baby Care</c:v>
+                </c:pt>
+                <c:pt idx="6">
+                  <c:v>Home Furnishing</c:v>
+                </c:pt>
+              </c:strCache>
+            </c:strRef>
+          </c:cat>
+          <c:val>
+            <c:numRef>
+              <c:f>Feuil1!$B$2:$B$8</c:f>
+              <c:numCache>
+                <c:formatCode>General</c:formatCode>
+                <c:ptCount val="7"/>
+                <c:pt idx="0">
+                  <c:v>150</c:v>
+                </c:pt>
+                <c:pt idx="1">
+                  <c:v>150</c:v>
+                </c:pt>
+                <c:pt idx="2">
+                  <c:v>150</c:v>
+                </c:pt>
+                <c:pt idx="3">
+                  <c:v>150</c:v>
+                </c:pt>
+                <c:pt idx="4">
+                  <c:v>150</c:v>
+                </c:pt>
+                <c:pt idx="5">
+                  <c:v>150</c:v>
+                </c:pt>
+                <c:pt idx="6">
+                  <c:v>150</c:v>
+                </c:pt>
+              </c:numCache>
+            </c:numRef>
+          </c:val>
+          <c:extLst>
+            <c:ext xmlns:c16="http://schemas.microsoft.com/office/drawing/2014/chart" uri="{C3380CC4-5D6E-409C-BE32-E72D297353CC}">
+              <c16:uniqueId val="{00000000-6DA4-4D21-8F0D-318972852290}"/>
+            </c:ext>
+          </c:extLst>
+        </c:ser>
+        <c:dLbls>
+          <c:showLegendKey val="0"/>
+          <c:showVal val="1"/>
+          <c:showCatName val="0"/>
+          <c:showSerName val="0"/>
+          <c:showPercent val="0"/>
+          <c:showBubbleSize val="0"/>
+        </c:dLbls>
+        <c:gapWidth val="6"/>
+        <c:shape val="box"/>
+        <c:axId val="1220695936"/>
+        <c:axId val="1220696296"/>
+        <c:axId val="0"/>
+      </c:bar3DChart>
+      <c:catAx>
+        <c:axId val="1220695936"/>
+        <c:scaling>
+          <c:orientation val="minMax"/>
+        </c:scaling>
+        <c:delete val="0"/>
+        <c:axPos val="l"/>
+        <c:numFmt formatCode="General" sourceLinked="1"/>
+        <c:majorTickMark val="none"/>
+        <c:minorTickMark val="none"/>
+        <c:tickLblPos val="nextTo"/>
+        <c:spPr>
+          <a:noFill/>
+          <a:ln w="9525" cap="flat" cmpd="sng" algn="ctr">
+            <a:solidFill>
+              <a:schemeClr val="tx1">
+                <a:lumMod val="15000"/>
+                <a:lumOff val="85000"/>
+              </a:schemeClr>
+            </a:solidFill>
+            <a:round/>
+          </a:ln>
+          <a:effectLst/>
+        </c:spPr>
+        <c:txPr>
+          <a:bodyPr rot="-60000000" spcFirstLastPara="1" vertOverflow="ellipsis" vert="horz" wrap="square" anchor="ctr" anchorCtr="1"/>
+          <a:lstStyle/>
+          <a:p>
+            <a:pPr>
+              <a:defRPr sz="1197" b="0" i="0" u="none" strike="noStrike" baseline="0">
+                <a:solidFill>
+                  <a:schemeClr val="tx1">
+                    <a:lumMod val="65000"/>
+                    <a:lumOff val="35000"/>
+                  </a:schemeClr>
+                </a:solidFill>
+                <a:latin typeface="+mn-lt"/>
+                <a:ea typeface="+mn-ea"/>
+                <a:cs typeface="+mn-cs"/>
+              </a:defRPr>
+            </a:pPr>
+            <a:endParaRPr lang="fr-FR"/>
+          </a:p>
+        </c:txPr>
+        <c:crossAx val="1220696296"/>
+        <c:crosses val="autoZero"/>
+        <c:auto val="1"/>
+        <c:lblAlgn val="ctr"/>
+        <c:lblOffset val="100"/>
+        <c:noMultiLvlLbl val="0"/>
+      </c:catAx>
+      <c:valAx>
+        <c:axId val="1220696296"/>
+        <c:scaling>
+          <c:orientation val="minMax"/>
+        </c:scaling>
+        <c:delete val="1"/>
+        <c:axPos val="b"/>
+        <c:majorGridlines>
+          <c:spPr>
+            <a:ln w="9525" cap="flat" cmpd="sng" algn="ctr">
+              <a:solidFill>
+                <a:schemeClr val="tx1">
+                  <a:lumMod val="15000"/>
+                  <a:lumOff val="85000"/>
+                </a:schemeClr>
+              </a:solidFill>
+              <a:round/>
+            </a:ln>
+            <a:effectLst/>
+          </c:spPr>
+        </c:majorGridlines>
+        <c:numFmt formatCode="General" sourceLinked="1"/>
+        <c:majorTickMark val="none"/>
+        <c:minorTickMark val="none"/>
+        <c:tickLblPos val="nextTo"/>
+        <c:crossAx val="1220695936"/>
+        <c:crosses val="autoZero"/>
+        <c:crossBetween val="between"/>
+      </c:valAx>
+      <c:spPr>
+        <a:noFill/>
+        <a:ln>
+          <a:noFill/>
+        </a:ln>
+        <a:effectLst/>
+      </c:spPr>
+    </c:plotArea>
+    <c:plotVisOnly val="1"/>
+    <c:dispBlanksAs val="gap"/>
+    <c:extLst>
+      <c:ext xmlns:c16r3="http://schemas.microsoft.com/office/drawing/2017/03/chart" uri="{56B9EC1D-385E-4148-901F-78D8002777C0}">
+        <c16r3:dataDisplayOptions16>
+          <c16r3:dispNaAsBlank val="1"/>
+        </c16r3:dataDisplayOptions16>
+      </c:ext>
+    </c:extLst>
+    <c:showDLblsOverMax val="0"/>
+  </c:chart>
+  <c:spPr>
+    <a:noFill/>
+    <a:ln>
+      <a:noFill/>
+    </a:ln>
+    <a:effectLst/>
+  </c:spPr>
+  <c:txPr>
+    <a:bodyPr/>
+    <a:lstStyle/>
+    <a:p>
+      <a:pPr>
+        <a:defRPr/>
+      </a:pPr>
+      <a:endParaRPr lang="fr-FR"/>
+    </a:p>
+  </c:txPr>
+  <c:externalData r:id="rId3">
+    <c:autoUpdate val="0"/>
+  </c:externalData>
+</c:chartSpace>
+</file>
+
+<file path=ppt/charts/colors1.xml><?xml version="1.0" encoding="utf-8"?>
+<cs:colorStyle xmlns:cs="http://schemas.microsoft.com/office/drawing/2012/chartStyle" xmlns:a="http://schemas.openxmlformats.org/drawingml/2006/main" meth="cycle" id="10">
+  <a:schemeClr val="accent1"/>
+  <a:schemeClr val="accent2"/>
+  <a:schemeClr val="accent3"/>
+  <a:schemeClr val="accent4"/>
+  <a:schemeClr val="accent5"/>
+  <a:schemeClr val="accent6"/>
+  <cs:variation/>
+  <cs:variation>
+    <a:lumMod val="60000"/>
+  </cs:variation>
+  <cs:variation>
+    <a:lumMod val="80000"/>
+    <a:lumOff val="20000"/>
+  </cs:variation>
+  <cs:variation>
+    <a:lumMod val="80000"/>
+  </cs:variation>
+  <cs:variation>
+    <a:lumMod val="60000"/>
+    <a:lumOff val="40000"/>
+  </cs:variation>
+  <cs:variation>
+    <a:lumMod val="50000"/>
+  </cs:variation>
+  <cs:variation>
+    <a:lumMod val="70000"/>
+    <a:lumOff val="30000"/>
+  </cs:variation>
+  <cs:variation>
+    <a:lumMod val="70000"/>
+  </cs:variation>
+  <cs:variation>
+    <a:lumMod val="50000"/>
+    <a:lumOff val="50000"/>
+  </cs:variation>
+</cs:colorStyle>
+</file>
+
+<file path=ppt/charts/style1.xml><?xml version="1.0" encoding="utf-8"?>
+<cs:chartStyle xmlns:cs="http://schemas.microsoft.com/office/drawing/2012/chartStyle" xmlns:a="http://schemas.openxmlformats.org/drawingml/2006/main" id="419">
+  <cs:axisTitle>
+    <cs:lnRef idx="0"/>
+    <cs:fillRef idx="0"/>
+    <cs:effectRef idx="0"/>
+    <cs:fontRef idx="minor">
+      <a:schemeClr val="tx1">
+        <a:lumMod val="65000"/>
+        <a:lumOff val="35000"/>
+      </a:schemeClr>
+    </cs:fontRef>
+    <cs:defRPr sz="1197"/>
+  </cs:axisTitle>
+  <cs:categoryAxis>
+    <cs:lnRef idx="0"/>
+    <cs:fillRef idx="0"/>
+    <cs:effectRef idx="0"/>
+    <cs:fontRef idx="minor">
+      <a:schemeClr val="tx1">
+        <a:lumMod val="65000"/>
+        <a:lumOff val="35000"/>
+      </a:schemeClr>
+    </cs:fontRef>
+    <cs:spPr>
+      <a:ln w="9525" cap="flat" cmpd="sng" algn="ctr">
+        <a:solidFill>
+          <a:schemeClr val="tx1">
+            <a:lumMod val="15000"/>
+            <a:lumOff val="85000"/>
+          </a:schemeClr>
+        </a:solidFill>
+        <a:round/>
+      </a:ln>
+    </cs:spPr>
+    <cs:defRPr sz="1197"/>
+  </cs:categoryAxis>
+  <cs:chartArea mods="allowNoFillOverride allowNoLineOverride">
+    <cs:lnRef idx="0"/>
+    <cs:fillRef idx="0"/>
+    <cs:effectRef idx="0"/>
+    <cs:fontRef idx="minor">
+      <a:schemeClr val="tx1"/>
+    </cs:fontRef>
+    <cs:spPr>
+      <a:solidFill>
+        <a:schemeClr val="bg1"/>
+      </a:solidFill>
+      <a:ln w="9525" cap="flat" cmpd="sng" algn="ctr">
+        <a:solidFill>
+          <a:schemeClr val="tx1">
+            <a:lumMod val="15000"/>
+            <a:lumOff val="85000"/>
+          </a:schemeClr>
+        </a:solidFill>
+        <a:round/>
+      </a:ln>
+    </cs:spPr>
+    <cs:defRPr sz="1330"/>
+  </cs:chartArea>
+  <cs:dataLabel>
+    <cs:lnRef idx="0"/>
+    <cs:fillRef idx="0"/>
+    <cs:effectRef idx="0"/>
+    <cs:fontRef idx="minor">
+      <a:schemeClr val="tx1">
+        <a:lumMod val="65000"/>
+        <a:lumOff val="35000"/>
+      </a:schemeClr>
+    </cs:fontRef>
+    <cs:defRPr sz="1197"/>
+  </cs:dataLabel>
+  <cs:dataLabelCallout>
+    <cs:lnRef idx="0"/>
+    <cs:fillRef idx="0"/>
+    <cs:effectRef idx="0"/>
+    <cs:fontRef idx="minor">
+      <a:schemeClr val="dk1">
+        <a:lumMod val="65000"/>
+        <a:lumOff val="35000"/>
+      </a:schemeClr>
+    </cs:fontRef>
+    <cs:spPr>
+      <a:solidFill>
+        <a:schemeClr val="lt1"/>
+      </a:solidFill>
+      <a:ln>
+        <a:solidFill>
+          <a:schemeClr val="dk1">
+            <a:lumMod val="25000"/>
+            <a:lumOff val="75000"/>
+          </a:schemeClr>
+        </a:solidFill>
+      </a:ln>
+    </cs:spPr>
+    <cs:defRPr sz="1197"/>
+    <cs:bodyPr rot="0" spcFirstLastPara="1" vertOverflow="clip" horzOverflow="clip" vert="horz" wrap="square" lIns="36576" tIns="18288" rIns="36576" bIns="18288" anchor="ctr" anchorCtr="1">
+      <a:spAutoFit/>
+    </cs:bodyPr>
+  </cs:dataLabelCallout>
+  <cs:dataPoint>
+    <cs:lnRef idx="0"/>
+    <cs:fillRef idx="0">
+      <cs:styleClr val="auto"/>
+    </cs:fillRef>
+    <cs:effectRef idx="0"/>
+    <cs:fontRef idx="minor">
+      <a:schemeClr val="tx1"/>
+    </cs:fontRef>
+    <cs:spPr>
+      <a:solidFill>
+        <a:schemeClr val="phClr"/>
+      </a:solidFill>
+    </cs:spPr>
+  </cs:dataPoint>
+  <cs:dataPoint3D>
+    <cs:lnRef idx="0"/>
+    <cs:fillRef idx="0">
+      <cs:styleClr val="auto"/>
+    </cs:fillRef>
+    <cs:effectRef idx="0"/>
+    <cs:fontRef idx="minor">
+      <a:schemeClr val="tx1"/>
+    </cs:fontRef>
+    <cs:spPr>
+      <a:solidFill>
+        <a:schemeClr val="phClr"/>
+      </a:solidFill>
+    </cs:spPr>
+  </cs:dataPoint3D>
+  <cs:dataPointLine>
+    <cs:lnRef idx="0">
+      <cs:styleClr val="auto"/>
+    </cs:lnRef>
+    <cs:fillRef idx="0"/>
+    <cs:effectRef idx="0"/>
+    <cs:fontRef idx="minor">
+      <a:schemeClr val="tx1"/>
+    </cs:fontRef>
+    <cs:spPr>
+      <a:ln w="28575" cap="rnd">
+        <a:solidFill>
+          <a:schemeClr val="phClr"/>
+        </a:solidFill>
+        <a:round/>
+      </a:ln>
+    </cs:spPr>
+  </cs:dataPointLine>
+  <cs:dataPointMarker>
+    <cs:lnRef idx="0"/>
+    <cs:fillRef idx="0">
+      <cs:styleClr val="auto"/>
+    </cs:fillRef>
+    <cs:effectRef idx="0"/>
+    <cs:fontRef idx="minor">
+      <a:schemeClr val="tx1"/>
+    </cs:fontRef>
+    <cs:spPr>
+      <a:solidFill>
+        <a:schemeClr val="phClr"/>
+      </a:solidFill>
+      <a:ln w="9525">
+        <a:solidFill>
+          <a:schemeClr val="lt1"/>
+        </a:solidFill>
+      </a:ln>
+    </cs:spPr>
+  </cs:dataPointMarker>
+  <cs:dataPointMarkerLayout symbol="circle" size="5"/>
+  <cs:dataPointWireframe>
+    <cs:lnRef idx="0">
+      <cs:styleClr val="auto"/>
+    </cs:lnRef>
+    <cs:fillRef idx="0"/>
+    <cs:effectRef idx="0"/>
+    <cs:fontRef idx="minor">
+      <a:schemeClr val="tx1"/>
+    </cs:fontRef>
+    <cs:spPr>
+      <a:ln w="28575" cap="rnd">
+        <a:solidFill>
+          <a:schemeClr val="phClr"/>
+        </a:solidFill>
+        <a:round/>
+      </a:ln>
+    </cs:spPr>
+  </cs:dataPointWireframe>
+  <cs:dataTable>
+    <cs:lnRef idx="0"/>
+    <cs:fillRef idx="0"/>
+    <cs:effectRef idx="0"/>
+    <cs:fontRef idx="minor">
+      <a:schemeClr val="tx1">
+        <a:lumMod val="65000"/>
+        <a:lumOff val="35000"/>
+      </a:schemeClr>
+    </cs:fontRef>
+    <cs:spPr>
+      <a:ln w="9525">
+        <a:solidFill>
+          <a:schemeClr val="tx1">
+            <a:lumMod val="15000"/>
+            <a:lumOff val="85000"/>
+          </a:schemeClr>
+        </a:solidFill>
+      </a:ln>
+    </cs:spPr>
+    <cs:defRPr sz="1197"/>
+  </cs:dataTable>
+  <cs:downBar>
+    <cs:lnRef idx="0"/>
+    <cs:fillRef idx="0"/>
+    <cs:effectRef idx="0"/>
+    <cs:fontRef idx="minor">
+      <a:schemeClr val="dk1"/>
+    </cs:fontRef>
+    <cs:spPr>
+      <a:solidFill>
+        <a:schemeClr val="dk1">
+          <a:lumMod val="65000"/>
+          <a:lumOff val="35000"/>
+        </a:schemeClr>
+      </a:solidFill>
+      <a:ln w="9525">
+        <a:solidFill>
+          <a:schemeClr val="tx1">
+            <a:lumMod val="65000"/>
+            <a:lumOff val="35000"/>
+          </a:schemeClr>
+        </a:solidFill>
+      </a:ln>
+    </cs:spPr>
+  </cs:downBar>
+  <cs:dropLine>
+    <cs:lnRef idx="0"/>
+    <cs:fillRef idx="0"/>
+    <cs:effectRef idx="0"/>
+    <cs:fontRef idx="minor">
+      <a:schemeClr val="tx1"/>
+    </cs:fontRef>
+    <cs:spPr>
+      <a:ln w="9525" cap="flat" cmpd="sng" algn="ctr">
+        <a:solidFill>
+          <a:schemeClr val="tx1">
+            <a:lumMod val="35000"/>
+            <a:lumOff val="65000"/>
+          </a:schemeClr>
+        </a:solidFill>
+        <a:round/>
+      </a:ln>
+    </cs:spPr>
+  </cs:dropLine>
+  <cs:errorBar>
+    <cs:lnRef idx="0"/>
+    <cs:fillRef idx="0"/>
+    <cs:effectRef idx="0"/>
+    <cs:fontRef idx="minor">
+      <a:schemeClr val="tx1"/>
+    </cs:fontRef>
+    <cs:spPr>
+      <a:ln w="9525" cap="flat" cmpd="sng" algn="ctr">
+        <a:solidFill>
+          <a:schemeClr val="tx1">
+            <a:lumMod val="65000"/>
+            <a:lumOff val="35000"/>
+          </a:schemeClr>
+        </a:solidFill>
+        <a:round/>
+      </a:ln>
+    </cs:spPr>
+  </cs:errorBar>
+  <cs:floor>
+    <cs:lnRef idx="0"/>
+    <cs:fillRef idx="0"/>
+    <cs:effectRef idx="0"/>
+    <cs:fontRef idx="minor">
+      <a:schemeClr val="tx1"/>
+    </cs:fontRef>
+  </cs:floor>
+  <cs:gridlineMajor>
+    <cs:lnRef idx="0"/>
+    <cs:fillRef idx="0"/>
+    <cs:effectRef idx="0"/>
+    <cs:fontRef idx="minor">
+      <a:schemeClr val="tx1"/>
+    </cs:fontRef>
+    <cs:spPr>
+      <a:ln w="9525" cap="flat" cmpd="sng" algn="ctr">
+        <a:solidFill>
+          <a:schemeClr val="tx1">
+            <a:lumMod val="15000"/>
+            <a:lumOff val="85000"/>
+          </a:schemeClr>
+        </a:solidFill>
+        <a:round/>
+      </a:ln>
+    </cs:spPr>
+  </cs:gridlineMajor>
+  <cs:gridlineMinor>
+    <cs:lnRef idx="0"/>
+    <cs:fillRef idx="0"/>
+    <cs:effectRef idx="0"/>
+    <cs:fontRef idx="minor">
+      <a:schemeClr val="tx1"/>
+    </cs:fontRef>
+    <cs:spPr>
+      <a:ln w="9525" cap="flat" cmpd="sng" algn="ctr">
+        <a:solidFill>
+          <a:schemeClr val="tx1">
+            <a:lumMod val="15000"/>
+            <a:lumOff val="85000"/>
+          </a:schemeClr>
+        </a:solidFill>
+        <a:round/>
+      </a:ln>
+    </cs:spPr>
+  </cs:gridlineMinor>
+  <cs:hiLoLine>
+    <cs:lnRef idx="0"/>
+    <cs:fillRef idx="0"/>
+    <cs:effectRef idx="0"/>
+    <cs:fontRef idx="minor">
+      <a:schemeClr val="tx1"/>
+    </cs:fontRef>
+    <cs:spPr>
+      <a:ln w="9525" cap="flat" cmpd="sng" algn="ctr">
+        <a:solidFill>
+          <a:schemeClr val="tx1">
+            <a:lumMod val="75000"/>
+            <a:lumOff val="25000"/>
+          </a:schemeClr>
+        </a:solidFill>
+        <a:round/>
+      </a:ln>
+    </cs:spPr>
+  </cs:hiLoLine>
+  <cs:leaderLine>
+    <cs:lnRef idx="0"/>
+    <cs:fillRef idx="0"/>
+    <cs:effectRef idx="0"/>
+    <cs:fontRef idx="minor">
+      <a:schemeClr val="tx1"/>
+    </cs:fontRef>
+    <cs:spPr>
+      <a:ln w="9525" cap="flat" cmpd="sng" algn="ctr">
+        <a:solidFill>
+          <a:schemeClr val="tx1">
+            <a:lumMod val="35000"/>
+            <a:lumOff val="65000"/>
+          </a:schemeClr>
+        </a:solidFill>
+        <a:round/>
+      </a:ln>
+    </cs:spPr>
+  </cs:leaderLine>
+  <cs:legend>
+    <cs:lnRef idx="0"/>
+    <cs:fillRef idx="0"/>
+    <cs:effectRef idx="0"/>
+    <cs:fontRef idx="minor">
+      <a:schemeClr val="tx1">
+        <a:lumMod val="65000"/>
+        <a:lumOff val="35000"/>
+      </a:schemeClr>
+    </cs:fontRef>
+    <cs:defRPr sz="1197"/>
+  </cs:legend>
+  <cs:plotArea mods="allowNoFillOverride allowNoLineOverride">
+    <cs:lnRef idx="0"/>
+    <cs:fillRef idx="0"/>
+    <cs:effectRef idx="0"/>
+    <cs:fontRef idx="minor">
+      <a:schemeClr val="tx1"/>
+    </cs:fontRef>
+  </cs:plotArea>
+  <cs:plotArea3D mods="allowNoFillOverride allowNoLineOverride">
+    <cs:lnRef idx="0"/>
+    <cs:fillRef idx="0"/>
+    <cs:effectRef idx="0"/>
+    <cs:fontRef idx="minor">
+      <a:schemeClr val="tx1"/>
+    </cs:fontRef>
+  </cs:plotArea3D>
+  <cs:seriesAxis>
+    <cs:lnRef idx="0"/>
+    <cs:fillRef idx="0"/>
+    <cs:effectRef idx="0"/>
+    <cs:fontRef idx="minor">
+      <a:schemeClr val="tx1">
+        <a:lumMod val="65000"/>
+        <a:lumOff val="35000"/>
+      </a:schemeClr>
+    </cs:fontRef>
+    <cs:spPr>
+      <a:ln w="9525" cap="flat" cmpd="sng" algn="ctr">
+        <a:solidFill>
+          <a:schemeClr val="tx1">
+            <a:lumMod val="15000"/>
+            <a:lumOff val="85000"/>
+          </a:schemeClr>
+        </a:solidFill>
+        <a:round/>
+      </a:ln>
+    </cs:spPr>
+    <cs:defRPr sz="1197"/>
+  </cs:seriesAxis>
+  <cs:seriesLine>
+    <cs:lnRef idx="0"/>
+    <cs:fillRef idx="0"/>
+    <cs:effectRef idx="0"/>
+    <cs:fontRef idx="minor">
+      <a:schemeClr val="tx1"/>
+    </cs:fontRef>
+    <cs:spPr>
+      <a:ln w="9525" cap="flat">
+        <a:solidFill>
+          <a:srgbClr val="D9D9D9"/>
+        </a:solidFill>
+        <a:round/>
+      </a:ln>
+    </cs:spPr>
+  </cs:seriesLine>
+  <cs:title>
+    <cs:lnRef idx="0"/>
+    <cs:fillRef idx="0"/>
+    <cs:effectRef idx="0"/>
+    <cs:fontRef idx="minor">
+      <a:schemeClr val="tx1">
+        <a:lumMod val="65000"/>
+        <a:lumOff val="35000"/>
+      </a:schemeClr>
+    </cs:fontRef>
+    <cs:defRPr sz="1862"/>
+  </cs:title>
+  <cs:trendline>
+    <cs:lnRef idx="0">
+      <cs:styleClr val="auto"/>
+    </cs:lnRef>
+    <cs:fillRef idx="0"/>
+    <cs:effectRef idx="0"/>
+    <cs:fontRef idx="minor">
+      <a:schemeClr val="tx1"/>
+    </cs:fontRef>
+    <cs:spPr>
+      <a:ln w="19050" cap="rnd">
+        <a:solidFill>
+          <a:schemeClr val="phClr"/>
+        </a:solidFill>
+        <a:prstDash val="sysDash"/>
+      </a:ln>
+    </cs:spPr>
+  </cs:trendline>
+  <cs:trendlineLabel>
+    <cs:lnRef idx="0"/>
+    <cs:fillRef idx="0"/>
+    <cs:effectRef idx="0"/>
+    <cs:fontRef idx="minor">
+      <a:schemeClr val="tx1">
+        <a:lumMod val="65000"/>
+        <a:lumOff val="35000"/>
+      </a:schemeClr>
+    </cs:fontRef>
+    <cs:defRPr sz="1197"/>
+  </cs:trendlineLabel>
+  <cs:upBar>
+    <cs:lnRef idx="0"/>
+    <cs:fillRef idx="0"/>
+    <cs:effectRef idx="0"/>
+    <cs:fontRef idx="minor">
+      <a:schemeClr val="dk1"/>
+    </cs:fontRef>
+    <cs:spPr>
+      <a:solidFill>
+        <a:schemeClr val="lt1"/>
+      </a:solidFill>
+      <a:ln w="9525">
+        <a:solidFill>
+          <a:schemeClr val="tx1">
+            <a:lumMod val="15000"/>
+            <a:lumOff val="85000"/>
+          </a:schemeClr>
+        </a:solidFill>
+      </a:ln>
+    </cs:spPr>
+  </cs:upBar>
+  <cs:valueAxis>
+    <cs:lnRef idx="0"/>
+    <cs:fillRef idx="0"/>
+    <cs:effectRef idx="0"/>
+    <cs:fontRef idx="minor">
+      <a:schemeClr val="tx1">
+        <a:lumMod val="65000"/>
+        <a:lumOff val="35000"/>
+      </a:schemeClr>
+    </cs:fontRef>
+    <cs:defRPr sz="1197"/>
+  </cs:valueAxis>
+  <cs:wall>
+    <cs:lnRef idx="0"/>
+    <cs:fillRef idx="0"/>
+    <cs:effectRef idx="0"/>
+    <cs:fontRef idx="minor">
+      <a:schemeClr val="tx1"/>
+    </cs:fontRef>
+  </cs:wall>
+</cs:chartStyle>
+</file>
+
 <file path=ppt/slideLayouts/slideLayout1.xml><?xml version="1.0" encoding="utf-8"?>
 <p:sldLayout xmlns:a="http://schemas.openxmlformats.org/drawingml/2006/main" xmlns:r="http://schemas.openxmlformats.org/officeDocument/2006/relationships" xmlns:p="http://schemas.openxmlformats.org/presentationml/2006/main" type="title" preserve="1">
   <p:cSld name="Diapositive de titre">
@@ -277,7 +1394,7 @@
           <a:p>
             <a:fld id="{2E2BA21E-E0EB-4621-95C6-8A8A5CB70500}" type="datetimeFigureOut">
               <a:rPr lang="fr-FR" smtClean="0"/>
-              <a:t>20/09/2024</a:t>
+              <a:t>27/09/2024</a:t>
             </a:fld>
             <a:endParaRPr lang="fr-FR"/>
           </a:p>
@@ -475,7 +1592,7 @@
           <a:p>
             <a:fld id="{2E2BA21E-E0EB-4621-95C6-8A8A5CB70500}" type="datetimeFigureOut">
               <a:rPr lang="fr-FR" smtClean="0"/>
-              <a:t>20/09/2024</a:t>
+              <a:t>27/09/2024</a:t>
             </a:fld>
             <a:endParaRPr lang="fr-FR"/>
           </a:p>
@@ -683,7 +1800,7 @@
           <a:p>
             <a:fld id="{2E2BA21E-E0EB-4621-95C6-8A8A5CB70500}" type="datetimeFigureOut">
               <a:rPr lang="fr-FR" smtClean="0"/>
-              <a:t>20/09/2024</a:t>
+              <a:t>27/09/2024</a:t>
             </a:fld>
             <a:endParaRPr lang="fr-FR"/>
           </a:p>
@@ -881,7 +1998,7 @@
           <a:p>
             <a:fld id="{2E2BA21E-E0EB-4621-95C6-8A8A5CB70500}" type="datetimeFigureOut">
               <a:rPr lang="fr-FR" smtClean="0"/>
-              <a:t>20/09/2024</a:t>
+              <a:t>27/09/2024</a:t>
             </a:fld>
             <a:endParaRPr lang="fr-FR"/>
           </a:p>
@@ -1156,7 +2273,7 @@
           <a:p>
             <a:fld id="{2E2BA21E-E0EB-4621-95C6-8A8A5CB70500}" type="datetimeFigureOut">
               <a:rPr lang="fr-FR" smtClean="0"/>
-              <a:t>20/09/2024</a:t>
+              <a:t>27/09/2024</a:t>
             </a:fld>
             <a:endParaRPr lang="fr-FR"/>
           </a:p>
@@ -1421,7 +2538,7 @@
           <a:p>
             <a:fld id="{2E2BA21E-E0EB-4621-95C6-8A8A5CB70500}" type="datetimeFigureOut">
               <a:rPr lang="fr-FR" smtClean="0"/>
-              <a:t>20/09/2024</a:t>
+              <a:t>27/09/2024</a:t>
             </a:fld>
             <a:endParaRPr lang="fr-FR"/>
           </a:p>
@@ -1833,7 +2950,7 @@
           <a:p>
             <a:fld id="{2E2BA21E-E0EB-4621-95C6-8A8A5CB70500}" type="datetimeFigureOut">
               <a:rPr lang="fr-FR" smtClean="0"/>
-              <a:t>20/09/2024</a:t>
+              <a:t>27/09/2024</a:t>
             </a:fld>
             <a:endParaRPr lang="fr-FR"/>
           </a:p>
@@ -1974,7 +3091,7 @@
           <a:p>
             <a:fld id="{2E2BA21E-E0EB-4621-95C6-8A8A5CB70500}" type="datetimeFigureOut">
               <a:rPr lang="fr-FR" smtClean="0"/>
-              <a:t>20/09/2024</a:t>
+              <a:t>27/09/2024</a:t>
             </a:fld>
             <a:endParaRPr lang="fr-FR"/>
           </a:p>
@@ -2087,7 +3204,7 @@
           <a:p>
             <a:fld id="{2E2BA21E-E0EB-4621-95C6-8A8A5CB70500}" type="datetimeFigureOut">
               <a:rPr lang="fr-FR" smtClean="0"/>
-              <a:t>20/09/2024</a:t>
+              <a:t>27/09/2024</a:t>
             </a:fld>
             <a:endParaRPr lang="fr-FR"/>
           </a:p>
@@ -2398,7 +3515,7 @@
           <a:p>
             <a:fld id="{2E2BA21E-E0EB-4621-95C6-8A8A5CB70500}" type="datetimeFigureOut">
               <a:rPr lang="fr-FR" smtClean="0"/>
-              <a:t>20/09/2024</a:t>
+              <a:t>27/09/2024</a:t>
             </a:fld>
             <a:endParaRPr lang="fr-FR"/>
           </a:p>
@@ -2686,7 +3803,7 @@
           <a:p>
             <a:fld id="{2E2BA21E-E0EB-4621-95C6-8A8A5CB70500}" type="datetimeFigureOut">
               <a:rPr lang="fr-FR" smtClean="0"/>
-              <a:t>20/09/2024</a:t>
+              <a:t>27/09/2024</a:t>
             </a:fld>
             <a:endParaRPr lang="fr-FR"/>
           </a:p>
@@ -2927,7 +4044,7 @@
           <a:p>
             <a:fld id="{2E2BA21E-E0EB-4621-95C6-8A8A5CB70500}" type="datetimeFigureOut">
               <a:rPr lang="fr-FR" smtClean="0"/>
-              <a:t>20/09/2024</a:t>
+              <a:t>27/09/2024</a:t>
             </a:fld>
             <a:endParaRPr lang="fr-FR"/>
           </a:p>
@@ -3344,59 +4461,483 @@
           <a:chExt cx="0" cy="0"/>
         </a:xfrm>
       </p:grpSpPr>
-      <p:sp>
-        <p:nvSpPr>
-          <p:cNvPr id="2" name="Titre 1">
-            <a:extLst>
-              <a:ext uri="{FF2B5EF4-FFF2-40B4-BE49-F238E27FC236}">
-                <a16:creationId xmlns:a16="http://schemas.microsoft.com/office/drawing/2014/main" id="{208528D7-BE28-B5D9-A114-9135951BF94C}"/>
-              </a:ext>
-            </a:extLst>
-          </p:cNvPr>
-          <p:cNvSpPr>
-            <a:spLocks noGrp="1"/>
-          </p:cNvSpPr>
-          <p:nvPr>
-            <p:ph type="ctrTitle"/>
-          </p:nvPr>
-        </p:nvSpPr>
-        <p:spPr/>
-        <p:txBody>
-          <a:bodyPr/>
-          <a:lstStyle/>
-          <a:p>
+      <p:pic>
+        <p:nvPicPr>
+          <p:cNvPr id="5" name="Image 4">
+            <a:extLst>
+              <a:ext uri="{FF2B5EF4-FFF2-40B4-BE49-F238E27FC236}">
+                <a16:creationId xmlns:a16="http://schemas.microsoft.com/office/drawing/2014/main" id="{29CB760A-E264-9398-5838-5AE0B905DF02}"/>
+              </a:ext>
+            </a:extLst>
+          </p:cNvPr>
+          <p:cNvPicPr>
+            <a:picLocks noChangeAspect="1"/>
+          </p:cNvPicPr>
+          <p:nvPr/>
+        </p:nvPicPr>
+        <p:blipFill>
+          <a:blip r:embed="rId2"/>
+          <a:stretch>
+            <a:fillRect/>
+          </a:stretch>
+        </p:blipFill>
+        <p:spPr>
+          <a:xfrm>
+            <a:off x="279626" y="266813"/>
+            <a:ext cx="2789394" cy="1733056"/>
+          </a:xfrm>
+          <a:prstGeom prst="rect">
+            <a:avLst/>
+          </a:prstGeom>
+        </p:spPr>
+      </p:pic>
+      <p:pic>
+        <p:nvPicPr>
+          <p:cNvPr id="9" name="Image 8">
+            <a:extLst>
+              <a:ext uri="{FF2B5EF4-FFF2-40B4-BE49-F238E27FC236}">
+                <a16:creationId xmlns:a16="http://schemas.microsoft.com/office/drawing/2014/main" id="{BFAFB5A2-88D5-39D0-2FD7-C6BC2801B97B}"/>
+              </a:ext>
+            </a:extLst>
+          </p:cNvPr>
+          <p:cNvPicPr>
+            <a:picLocks noChangeAspect="1"/>
+          </p:cNvPicPr>
+          <p:nvPr/>
+        </p:nvPicPr>
+        <p:blipFill>
+          <a:blip r:embed="rId3"/>
+          <a:stretch>
+            <a:fillRect/>
+          </a:stretch>
+        </p:blipFill>
+        <p:spPr>
+          <a:xfrm>
+            <a:off x="3238488" y="266813"/>
+            <a:ext cx="6011114" cy="819264"/>
+          </a:xfrm>
+          <a:prstGeom prst="rect">
+            <a:avLst/>
+          </a:prstGeom>
+        </p:spPr>
+      </p:pic>
+      <p:pic>
+        <p:nvPicPr>
+          <p:cNvPr id="11" name="Image 10">
+            <a:extLst>
+              <a:ext uri="{FF2B5EF4-FFF2-40B4-BE49-F238E27FC236}">
+                <a16:creationId xmlns:a16="http://schemas.microsoft.com/office/drawing/2014/main" id="{D95D3CA9-2C59-654B-FAC3-EEEEBC403516}"/>
+              </a:ext>
+            </a:extLst>
+          </p:cNvPr>
+          <p:cNvPicPr>
+            <a:picLocks noChangeAspect="1"/>
+          </p:cNvPicPr>
+          <p:nvPr/>
+        </p:nvPicPr>
+        <p:blipFill>
+          <a:blip r:embed="rId4"/>
+          <a:stretch>
+            <a:fillRect/>
+          </a:stretch>
+        </p:blipFill>
+        <p:spPr>
+          <a:xfrm>
+            <a:off x="3238488" y="1199657"/>
+            <a:ext cx="5963482" cy="800212"/>
+          </a:xfrm>
+          <a:prstGeom prst="rect">
+            <a:avLst/>
+          </a:prstGeom>
+        </p:spPr>
+      </p:pic>
+      <p:sp>
+        <p:nvSpPr>
+          <p:cNvPr id="12" name="ZoneTexte 11">
+            <a:extLst>
+              <a:ext uri="{FF2B5EF4-FFF2-40B4-BE49-F238E27FC236}">
+                <a16:creationId xmlns:a16="http://schemas.microsoft.com/office/drawing/2014/main" id="{58FA8BBC-C55C-8528-96A1-3AF30F7EAD9A}"/>
+              </a:ext>
+            </a:extLst>
+          </p:cNvPr>
+          <p:cNvSpPr txBox="1"/>
+          <p:nvPr/>
+        </p:nvSpPr>
+        <p:spPr>
+          <a:xfrm>
+            <a:off x="4477407" y="524916"/>
+            <a:ext cx="3752193" cy="369332"/>
+          </a:xfrm>
+          <a:prstGeom prst="rect">
+            <a:avLst/>
+          </a:prstGeom>
+          <a:noFill/>
+        </p:spPr>
+        <p:txBody>
+          <a:bodyPr wrap="square" rtlCol="0">
+            <a:spAutoFit/>
+          </a:bodyPr>
+          <a:lstStyle/>
+          <a:p>
+            <a:pPr algn="ctr"/>
             <a:r>
               <a:rPr lang="fr-FR" dirty="0"/>
-              <a:t>Page de garde</a:t>
-            </a:r>
-          </a:p>
-        </p:txBody>
-      </p:sp>
-      <p:sp>
-        <p:nvSpPr>
-          <p:cNvPr id="3" name="Sous-titre 2">
-            <a:extLst>
-              <a:ext uri="{FF2B5EF4-FFF2-40B4-BE49-F238E27FC236}">
-                <a16:creationId xmlns:a16="http://schemas.microsoft.com/office/drawing/2014/main" id="{4BEB4214-9976-14A1-8FA6-6E79CA7E2357}"/>
-              </a:ext>
-            </a:extLst>
-          </p:cNvPr>
-          <p:cNvSpPr>
-            <a:spLocks noGrp="1"/>
-          </p:cNvSpPr>
-          <p:nvPr>
-            <p:ph type="subTitle" idx="1"/>
-          </p:nvPr>
-        </p:nvSpPr>
-        <p:spPr/>
-        <p:txBody>
-          <a:bodyPr/>
-          <a:lstStyle/>
-          <a:p>
-            <a:endParaRPr lang="fr-FR"/>
-          </a:p>
-        </p:txBody>
-      </p:sp>
+              <a:t>Analogues</a:t>
+            </a:r>
+          </a:p>
+        </p:txBody>
+      </p:sp>
+      <p:sp>
+        <p:nvSpPr>
+          <p:cNvPr id="13" name="ZoneTexte 12">
+            <a:extLst>
+              <a:ext uri="{FF2B5EF4-FFF2-40B4-BE49-F238E27FC236}">
+                <a16:creationId xmlns:a16="http://schemas.microsoft.com/office/drawing/2014/main" id="{3A6F533B-C232-D0EA-E321-6BEA55A42D98}"/>
+              </a:ext>
+            </a:extLst>
+          </p:cNvPr>
+          <p:cNvSpPr txBox="1"/>
+          <p:nvPr/>
+        </p:nvSpPr>
+        <p:spPr>
+          <a:xfrm>
+            <a:off x="4477406" y="1415097"/>
+            <a:ext cx="3752193" cy="369332"/>
+          </a:xfrm>
+          <a:prstGeom prst="rect">
+            <a:avLst/>
+          </a:prstGeom>
+          <a:noFill/>
+        </p:spPr>
+        <p:txBody>
+          <a:bodyPr wrap="square" rtlCol="0">
+            <a:spAutoFit/>
+          </a:bodyPr>
+          <a:lstStyle/>
+          <a:p>
+            <a:pPr algn="ctr"/>
+            <a:r>
+              <a:rPr lang="fr-FR" dirty="0"/>
+              <a:t>Complémentaire</a:t>
+            </a:r>
+          </a:p>
+        </p:txBody>
+      </p:sp>
+      <p:sp>
+        <p:nvSpPr>
+          <p:cNvPr id="16" name="ZoneTexte 15">
+            <a:extLst>
+              <a:ext uri="{FF2B5EF4-FFF2-40B4-BE49-F238E27FC236}">
+                <a16:creationId xmlns:a16="http://schemas.microsoft.com/office/drawing/2014/main" id="{4B721674-BB06-8243-23AD-D442C8CBE222}"/>
+              </a:ext>
+            </a:extLst>
+          </p:cNvPr>
+          <p:cNvSpPr txBox="1"/>
+          <p:nvPr/>
+        </p:nvSpPr>
+        <p:spPr>
+          <a:xfrm>
+            <a:off x="279626" y="2360022"/>
+            <a:ext cx="2789394" cy="923330"/>
+          </a:xfrm>
+          <a:prstGeom prst="rect">
+            <a:avLst/>
+          </a:prstGeom>
+          <a:solidFill>
+            <a:srgbClr val="39FF14"/>
+          </a:solidFill>
+        </p:spPr>
+        <p:txBody>
+          <a:bodyPr wrap="square" rtlCol="0">
+            <a:spAutoFit/>
+          </a:bodyPr>
+          <a:lstStyle/>
+          <a:p>
+            <a:pPr algn="ctr"/>
+            <a:r>
+              <a:rPr lang="fr-FR" dirty="0"/>
+              <a:t>INNOVATION TECHNOLOGIQUE</a:t>
+            </a:r>
+          </a:p>
+          <a:p>
+            <a:pPr algn="ctr"/>
+            <a:r>
+              <a:rPr lang="fr-FR" dirty="0"/>
+              <a:t>VERT NENON</a:t>
+            </a:r>
+          </a:p>
+        </p:txBody>
+      </p:sp>
+      <p:sp>
+        <p:nvSpPr>
+          <p:cNvPr id="17" name="ZoneTexte 16">
+            <a:extLst>
+              <a:ext uri="{FF2B5EF4-FFF2-40B4-BE49-F238E27FC236}">
+                <a16:creationId xmlns:a16="http://schemas.microsoft.com/office/drawing/2014/main" id="{BDFA5149-E6A4-5C4F-E9F9-60BF8A42AD02}"/>
+              </a:ext>
+            </a:extLst>
+          </p:cNvPr>
+          <p:cNvSpPr txBox="1"/>
+          <p:nvPr/>
+        </p:nvSpPr>
+        <p:spPr>
+          <a:xfrm>
+            <a:off x="279626" y="3888154"/>
+            <a:ext cx="2789394" cy="923330"/>
+          </a:xfrm>
+          <a:prstGeom prst="rect">
+            <a:avLst/>
+          </a:prstGeom>
+          <a:solidFill>
+            <a:srgbClr val="3EB489"/>
+          </a:solidFill>
+        </p:spPr>
+        <p:txBody>
+          <a:bodyPr wrap="square" rtlCol="0">
+            <a:spAutoFit/>
+          </a:bodyPr>
+          <a:lstStyle/>
+          <a:p>
+            <a:pPr algn="ctr"/>
+            <a:r>
+              <a:rPr lang="fr-FR" dirty="0"/>
+              <a:t>INNOVATION TECHNOLOGIQUE</a:t>
+            </a:r>
+          </a:p>
+          <a:p>
+            <a:pPr algn="ctr"/>
+            <a:r>
+              <a:rPr lang="fr-FR" dirty="0"/>
+              <a:t>VERT MENTHE</a:t>
+            </a:r>
+          </a:p>
+        </p:txBody>
+      </p:sp>
+      <p:sp>
+        <p:nvSpPr>
+          <p:cNvPr id="18" name="ZoneTexte 17">
+            <a:extLst>
+              <a:ext uri="{FF2B5EF4-FFF2-40B4-BE49-F238E27FC236}">
+                <a16:creationId xmlns:a16="http://schemas.microsoft.com/office/drawing/2014/main" id="{2550DEA4-58B8-9F92-F5D9-1463166E0C13}"/>
+              </a:ext>
+            </a:extLst>
+          </p:cNvPr>
+          <p:cNvSpPr txBox="1"/>
+          <p:nvPr/>
+        </p:nvSpPr>
+        <p:spPr>
+          <a:xfrm>
+            <a:off x="279626" y="5416286"/>
+            <a:ext cx="2789394" cy="923330"/>
+          </a:xfrm>
+          <a:prstGeom prst="rect">
+            <a:avLst/>
+          </a:prstGeom>
+          <a:solidFill>
+            <a:srgbClr val="50C878"/>
+          </a:solidFill>
+        </p:spPr>
+        <p:txBody>
+          <a:bodyPr wrap="square" rtlCol="0">
+            <a:spAutoFit/>
+          </a:bodyPr>
+          <a:lstStyle/>
+          <a:p>
+            <a:pPr algn="ctr"/>
+            <a:r>
+              <a:rPr lang="fr-FR" dirty="0"/>
+              <a:t>INNOVATION TECHNOLOGIQUE</a:t>
+            </a:r>
+          </a:p>
+          <a:p>
+            <a:pPr algn="ctr"/>
+            <a:r>
+              <a:rPr lang="fr-FR" dirty="0"/>
+              <a:t>VERT EMERAUDE</a:t>
+            </a:r>
+          </a:p>
+        </p:txBody>
+      </p:sp>
+      <p:pic>
+        <p:nvPicPr>
+          <p:cNvPr id="20" name="Image 19">
+            <a:extLst>
+              <a:ext uri="{FF2B5EF4-FFF2-40B4-BE49-F238E27FC236}">
+                <a16:creationId xmlns:a16="http://schemas.microsoft.com/office/drawing/2014/main" id="{4F14402F-C3C0-F9A3-2C12-9D2E9F0E60C0}"/>
+              </a:ext>
+            </a:extLst>
+          </p:cNvPr>
+          <p:cNvPicPr>
+            <a:picLocks noChangeAspect="1"/>
+          </p:cNvPicPr>
+          <p:nvPr/>
+        </p:nvPicPr>
+        <p:blipFill>
+          <a:blip r:embed="rId5"/>
+          <a:stretch>
+            <a:fillRect/>
+          </a:stretch>
+        </p:blipFill>
+        <p:spPr>
+          <a:xfrm>
+            <a:off x="3104732" y="2307072"/>
+            <a:ext cx="5982535" cy="552782"/>
+          </a:xfrm>
+          <a:prstGeom prst="rect">
+            <a:avLst/>
+          </a:prstGeom>
+        </p:spPr>
+      </p:pic>
+      <p:pic>
+        <p:nvPicPr>
+          <p:cNvPr id="22" name="Image 21">
+            <a:extLst>
+              <a:ext uri="{FF2B5EF4-FFF2-40B4-BE49-F238E27FC236}">
+                <a16:creationId xmlns:a16="http://schemas.microsoft.com/office/drawing/2014/main" id="{9EABA42B-EA32-B510-96E6-D5F4D776B215}"/>
+              </a:ext>
+            </a:extLst>
+          </p:cNvPr>
+          <p:cNvPicPr>
+            <a:picLocks noChangeAspect="1"/>
+          </p:cNvPicPr>
+          <p:nvPr/>
+        </p:nvPicPr>
+        <p:blipFill>
+          <a:blip r:embed="rId6"/>
+          <a:stretch>
+            <a:fillRect/>
+          </a:stretch>
+        </p:blipFill>
+        <p:spPr>
+          <a:xfrm>
+            <a:off x="3104732" y="2903699"/>
+            <a:ext cx="5982535" cy="438211"/>
+          </a:xfrm>
+          <a:prstGeom prst="rect">
+            <a:avLst/>
+          </a:prstGeom>
+        </p:spPr>
+      </p:pic>
+      <p:pic>
+        <p:nvPicPr>
+          <p:cNvPr id="24" name="Image 23">
+            <a:extLst>
+              <a:ext uri="{FF2B5EF4-FFF2-40B4-BE49-F238E27FC236}">
+                <a16:creationId xmlns:a16="http://schemas.microsoft.com/office/drawing/2014/main" id="{20E17855-4713-59CB-737F-ABD3AFFD0A66}"/>
+              </a:ext>
+            </a:extLst>
+          </p:cNvPr>
+          <p:cNvPicPr>
+            <a:picLocks noChangeAspect="1"/>
+          </p:cNvPicPr>
+          <p:nvPr/>
+        </p:nvPicPr>
+        <p:blipFill>
+          <a:blip r:embed="rId7"/>
+          <a:stretch>
+            <a:fillRect/>
+          </a:stretch>
+        </p:blipFill>
+        <p:spPr>
+          <a:xfrm>
+            <a:off x="3104731" y="5902222"/>
+            <a:ext cx="5982535" cy="552783"/>
+          </a:xfrm>
+          <a:prstGeom prst="rect">
+            <a:avLst/>
+          </a:prstGeom>
+        </p:spPr>
+      </p:pic>
+      <p:pic>
+        <p:nvPicPr>
+          <p:cNvPr id="26" name="Image 25">
+            <a:extLst>
+              <a:ext uri="{FF2B5EF4-FFF2-40B4-BE49-F238E27FC236}">
+                <a16:creationId xmlns:a16="http://schemas.microsoft.com/office/drawing/2014/main" id="{6686980B-C7F3-B561-8547-4AA46F744FC2}"/>
+              </a:ext>
+            </a:extLst>
+          </p:cNvPr>
+          <p:cNvPicPr>
+            <a:picLocks noChangeAspect="1"/>
+          </p:cNvPicPr>
+          <p:nvPr/>
+        </p:nvPicPr>
+        <p:blipFill>
+          <a:blip r:embed="rId8"/>
+          <a:stretch>
+            <a:fillRect/>
+          </a:stretch>
+        </p:blipFill>
+        <p:spPr>
+          <a:xfrm>
+            <a:off x="3129223" y="5324712"/>
+            <a:ext cx="6001588" cy="496722"/>
+          </a:xfrm>
+          <a:prstGeom prst="rect">
+            <a:avLst/>
+          </a:prstGeom>
+        </p:spPr>
+      </p:pic>
+      <p:pic>
+        <p:nvPicPr>
+          <p:cNvPr id="28" name="Image 27">
+            <a:extLst>
+              <a:ext uri="{FF2B5EF4-FFF2-40B4-BE49-F238E27FC236}">
+                <a16:creationId xmlns:a16="http://schemas.microsoft.com/office/drawing/2014/main" id="{FC0416E9-3F61-8514-E072-D46E8E313769}"/>
+              </a:ext>
+            </a:extLst>
+          </p:cNvPr>
+          <p:cNvPicPr>
+            <a:picLocks noChangeAspect="1"/>
+          </p:cNvPicPr>
+          <p:nvPr/>
+        </p:nvPicPr>
+        <p:blipFill>
+          <a:blip r:embed="rId8"/>
+          <a:stretch>
+            <a:fillRect/>
+          </a:stretch>
+        </p:blipFill>
+        <p:spPr>
+          <a:xfrm>
+            <a:off x="3095204" y="3812095"/>
+            <a:ext cx="6001588" cy="555280"/>
+          </a:xfrm>
+          <a:prstGeom prst="rect">
+            <a:avLst/>
+          </a:prstGeom>
+        </p:spPr>
+      </p:pic>
+      <p:pic>
+        <p:nvPicPr>
+          <p:cNvPr id="30" name="Image 29">
+            <a:extLst>
+              <a:ext uri="{FF2B5EF4-FFF2-40B4-BE49-F238E27FC236}">
+                <a16:creationId xmlns:a16="http://schemas.microsoft.com/office/drawing/2014/main" id="{BC9B0BB3-9613-4F76-59D5-287F312DEB3A}"/>
+              </a:ext>
+            </a:extLst>
+          </p:cNvPr>
+          <p:cNvPicPr>
+            <a:picLocks noChangeAspect="1"/>
+          </p:cNvPicPr>
+          <p:nvPr/>
+        </p:nvPicPr>
+        <p:blipFill>
+          <a:blip r:embed="rId9"/>
+          <a:stretch>
+            <a:fillRect/>
+          </a:stretch>
+        </p:blipFill>
+        <p:spPr>
+          <a:xfrm>
+            <a:off x="3123784" y="4437273"/>
+            <a:ext cx="5963482" cy="513356"/>
+          </a:xfrm>
+          <a:prstGeom prst="rect">
+            <a:avLst/>
+          </a:prstGeom>
+        </p:spPr>
+      </p:pic>
     </p:spTree>
     <p:extLst>
       <p:ext uri="{BB962C8B-B14F-4D97-AF65-F5344CB8AC3E}">
@@ -5462,7 +7003,7 @@
           <a:p>
             <a:r>
               <a:rPr lang="fr-FR" dirty="0"/>
-              <a:t>Introduction</a:t>
+              <a:t>Automatiser la catégorisation des articles</a:t>
             </a:r>
           </a:p>
         </p:txBody>
@@ -5483,26 +7024,360 @@
             <p:ph idx="1"/>
           </p:nvPr>
         </p:nvSpPr>
-        <p:spPr/>
-        <p:txBody>
-          <a:bodyPr/>
-          <a:lstStyle/>
-          <a:p>
+        <p:spPr>
+          <a:xfrm>
+            <a:off x="918977" y="1764103"/>
+            <a:ext cx="9635812" cy="451945"/>
+          </a:xfrm>
+        </p:spPr>
+        <p:txBody>
+          <a:bodyPr>
+            <a:normAutofit lnSpcReduction="10000"/>
+          </a:bodyPr>
+          <a:lstStyle/>
+          <a:p>
+            <a:pPr marL="0" indent="0" algn="ctr">
+              <a:buNone/>
+            </a:pPr>
             <a:r>
               <a:rPr lang="fr-FR" dirty="0"/>
-              <a:t>Automatiser l’attribution des catégories de tous les produits mis en ligne par les vendeurs</a:t>
-            </a:r>
-          </a:p>
-          <a:p>
+              <a:t>Mise en ligne d’un nouvel article</a:t>
+            </a:r>
+          </a:p>
+        </p:txBody>
+      </p:sp>
+      <p:sp>
+        <p:nvSpPr>
+          <p:cNvPr id="7" name="ZoneTexte 6">
+            <a:extLst>
+              <a:ext uri="{FF2B5EF4-FFF2-40B4-BE49-F238E27FC236}">
+                <a16:creationId xmlns:a16="http://schemas.microsoft.com/office/drawing/2014/main" id="{279C21ED-A1B9-E7A0-A602-F034691BFC98}"/>
+              </a:ext>
+            </a:extLst>
+          </p:cNvPr>
+          <p:cNvSpPr txBox="1"/>
+          <p:nvPr/>
+        </p:nvSpPr>
+        <p:spPr>
+          <a:xfrm>
+            <a:off x="587267" y="2510315"/>
+            <a:ext cx="10365828" cy="369332"/>
+          </a:xfrm>
+          <a:prstGeom prst="rect">
+            <a:avLst/>
+          </a:prstGeom>
+          <a:noFill/>
+        </p:spPr>
+        <p:txBody>
+          <a:bodyPr wrap="square" rtlCol="0">
+            <a:spAutoFit/>
+          </a:bodyPr>
+          <a:lstStyle/>
+          <a:p>
+            <a:pPr algn="ctr"/>
             <a:r>
               <a:rPr lang="fr-FR" dirty="0"/>
-              <a:t>7 catégories de produits disponibles</a:t>
-            </a:r>
-          </a:p>
+              <a:t>Saisie manuelle par le vendeur des données relatives à la description du produit</a:t>
+            </a:r>
+          </a:p>
+        </p:txBody>
+      </p:sp>
+      <p:pic>
+        <p:nvPicPr>
+          <p:cNvPr id="8" name="Image 7" descr="Une image contenant horloge, Montre analogique, Accessoire de mode, regarder&#10;&#10;Description générée automatiquement">
+            <a:extLst>
+              <a:ext uri="{FF2B5EF4-FFF2-40B4-BE49-F238E27FC236}">
+                <a16:creationId xmlns:a16="http://schemas.microsoft.com/office/drawing/2014/main" id="{8F56CDB4-EE53-DB90-2DEB-0D1B259E27E9}"/>
+              </a:ext>
+            </a:extLst>
+          </p:cNvPr>
+          <p:cNvPicPr>
+            <a:picLocks noChangeAspect="1"/>
+          </p:cNvPicPr>
+          <p:nvPr/>
+        </p:nvPicPr>
+        <p:blipFill>
+          <a:blip r:embed="rId2">
+            <a:extLst>
+              <a:ext uri="{28A0092B-C50C-407E-A947-70E740481C1C}">
+                <a14:useLocalDpi xmlns:a14="http://schemas.microsoft.com/office/drawing/2010/main" val="0"/>
+              </a:ext>
+            </a:extLst>
+          </a:blip>
+          <a:stretch>
+            <a:fillRect/>
+          </a:stretch>
+        </p:blipFill>
+        <p:spPr>
+          <a:xfrm>
+            <a:off x="918977" y="3766097"/>
+            <a:ext cx="1375592" cy="2279960"/>
+          </a:xfrm>
+          <a:prstGeom prst="rect">
+            <a:avLst/>
+          </a:prstGeom>
+        </p:spPr>
+      </p:pic>
+      <p:sp>
+        <p:nvSpPr>
+          <p:cNvPr id="10" name="ZoneTexte 9">
+            <a:extLst>
+              <a:ext uri="{FF2B5EF4-FFF2-40B4-BE49-F238E27FC236}">
+                <a16:creationId xmlns:a16="http://schemas.microsoft.com/office/drawing/2014/main" id="{8CE8C9B7-CBF0-C285-2BCA-B91B004A4DA7}"/>
+              </a:ext>
+            </a:extLst>
+          </p:cNvPr>
+          <p:cNvSpPr txBox="1"/>
+          <p:nvPr/>
+        </p:nvSpPr>
+        <p:spPr>
+          <a:xfrm>
+            <a:off x="3658695" y="3858799"/>
+            <a:ext cx="3748869" cy="1815882"/>
+          </a:xfrm>
+          <a:prstGeom prst="rect">
+            <a:avLst/>
+          </a:prstGeom>
+          <a:noFill/>
+        </p:spPr>
+        <p:txBody>
+          <a:bodyPr wrap="square">
+            <a:spAutoFit/>
+          </a:bodyPr>
+          <a:lstStyle/>
+          <a:p>
+            <a:pPr algn="ctr"/>
+            <a:r>
+              <a:rPr lang="fr-FR" sz="1400" dirty="0"/>
+              <a:t>Titan 1639SL03 </a:t>
+            </a:r>
+            <a:r>
+              <a:rPr lang="fr-FR" sz="1400" dirty="0" err="1"/>
+              <a:t>Analog</a:t>
+            </a:r>
+            <a:r>
+              <a:rPr lang="fr-FR" sz="1400" dirty="0"/>
+              <a:t> Watch  - For Boys, Men - </a:t>
+            </a:r>
+            <a:r>
+              <a:rPr lang="fr-FR" sz="1400" dirty="0" err="1"/>
+              <a:t>Buy</a:t>
+            </a:r>
+            <a:r>
+              <a:rPr lang="fr-FR" sz="1400" dirty="0"/>
+              <a:t> Titan 1639SL03 </a:t>
+            </a:r>
+            <a:r>
+              <a:rPr lang="fr-FR" sz="1400" dirty="0" err="1"/>
+              <a:t>Analog</a:t>
+            </a:r>
+            <a:r>
+              <a:rPr lang="fr-FR" sz="1400" dirty="0"/>
+              <a:t> Watch  - For Boys, Men  1639SL03 Online at Rs.1695 in </a:t>
+            </a:r>
+            <a:r>
+              <a:rPr lang="fr-FR" sz="1400" dirty="0" err="1"/>
+              <a:t>India</a:t>
+            </a:r>
+            <a:r>
+              <a:rPr lang="fr-FR" sz="1400" dirty="0"/>
+              <a:t> </a:t>
+            </a:r>
+            <a:r>
+              <a:rPr lang="fr-FR" sz="1400" dirty="0" err="1"/>
+              <a:t>Only</a:t>
+            </a:r>
+            <a:r>
+              <a:rPr lang="fr-FR" sz="1400" dirty="0"/>
+              <a:t> at Flipkart.com. - Great Discounts, </a:t>
+            </a:r>
+            <a:r>
+              <a:rPr lang="fr-FR" sz="1400" dirty="0" err="1"/>
+              <a:t>Only</a:t>
+            </a:r>
+            <a:r>
+              <a:rPr lang="fr-FR" sz="1400" dirty="0"/>
+              <a:t> </a:t>
+            </a:r>
+            <a:r>
+              <a:rPr lang="fr-FR" sz="1400" dirty="0" err="1"/>
+              <a:t>Genuine</a:t>
+            </a:r>
+            <a:r>
+              <a:rPr lang="fr-FR" sz="1400" dirty="0"/>
+              <a:t> </a:t>
+            </a:r>
+            <a:r>
+              <a:rPr lang="fr-FR" sz="1400" dirty="0" err="1"/>
+              <a:t>Products</a:t>
+            </a:r>
+            <a:r>
+              <a:rPr lang="fr-FR" sz="1400" dirty="0"/>
+              <a:t>, 30 Day Replacement </a:t>
+            </a:r>
+            <a:r>
+              <a:rPr lang="fr-FR" sz="1400" dirty="0" err="1"/>
+              <a:t>Guarantee</a:t>
+            </a:r>
+            <a:r>
+              <a:rPr lang="fr-FR" sz="1400" dirty="0"/>
+              <a:t>, Free Shipping. Cash On </a:t>
+            </a:r>
+            <a:r>
+              <a:rPr lang="fr-FR" sz="1400" dirty="0" err="1"/>
+              <a:t>Delivery!Titan</a:t>
+            </a:r>
+            <a:r>
+              <a:rPr lang="fr-FR" sz="1400" dirty="0"/>
+              <a:t> 1639SL03 </a:t>
+            </a:r>
+            <a:r>
+              <a:rPr lang="fr-FR" sz="1400" dirty="0" err="1"/>
+              <a:t>Analog</a:t>
+            </a:r>
+            <a:r>
+              <a:rPr lang="fr-FR" sz="1400" dirty="0"/>
+              <a:t> Watch  - For Boys, Men</a:t>
+            </a:r>
+          </a:p>
+        </p:txBody>
+      </p:sp>
+      <p:sp>
+        <p:nvSpPr>
+          <p:cNvPr id="12" name="ZoneTexte 11">
+            <a:extLst>
+              <a:ext uri="{FF2B5EF4-FFF2-40B4-BE49-F238E27FC236}">
+                <a16:creationId xmlns:a16="http://schemas.microsoft.com/office/drawing/2014/main" id="{82A579CE-C031-840A-3AF1-FD5CA2D784EF}"/>
+              </a:ext>
+            </a:extLst>
+          </p:cNvPr>
+          <p:cNvSpPr txBox="1"/>
+          <p:nvPr/>
+        </p:nvSpPr>
+        <p:spPr>
+          <a:xfrm>
+            <a:off x="8821783" y="4261759"/>
+            <a:ext cx="3082835" cy="369332"/>
+          </a:xfrm>
+          <a:prstGeom prst="rect">
+            <a:avLst/>
+          </a:prstGeom>
+          <a:noFill/>
+        </p:spPr>
+        <p:txBody>
+          <a:bodyPr wrap="square" rtlCol="0">
+            <a:spAutoFit/>
+          </a:bodyPr>
+          <a:lstStyle/>
           <a:p>
             <a:r>
               <a:rPr lang="fr-FR" dirty="0"/>
-              <a:t>Montrer la liste</a:t>
+              <a:t>MONTRE</a:t>
+            </a:r>
+          </a:p>
+        </p:txBody>
+      </p:sp>
+      <p:sp>
+        <p:nvSpPr>
+          <p:cNvPr id="4" name="ZoneTexte 3">
+            <a:extLst>
+              <a:ext uri="{FF2B5EF4-FFF2-40B4-BE49-F238E27FC236}">
+                <a16:creationId xmlns:a16="http://schemas.microsoft.com/office/drawing/2014/main" id="{83CFF631-C7E8-EC49-BFF2-4E7A4ECBC5F0}"/>
+              </a:ext>
+            </a:extLst>
+          </p:cNvPr>
+          <p:cNvSpPr txBox="1"/>
+          <p:nvPr/>
+        </p:nvSpPr>
+        <p:spPr>
+          <a:xfrm>
+            <a:off x="1219200" y="3066926"/>
+            <a:ext cx="1724297" cy="369332"/>
+          </a:xfrm>
+          <a:prstGeom prst="rect">
+            <a:avLst/>
+          </a:prstGeom>
+          <a:noFill/>
+        </p:spPr>
+        <p:txBody>
+          <a:bodyPr wrap="square" rtlCol="0">
+            <a:spAutoFit/>
+          </a:bodyPr>
+          <a:lstStyle/>
+          <a:p>
+            <a:r>
+              <a:rPr lang="fr-FR" dirty="0"/>
+              <a:t>Image</a:t>
+            </a:r>
+          </a:p>
+        </p:txBody>
+      </p:sp>
+      <p:sp>
+        <p:nvSpPr>
+          <p:cNvPr id="5" name="ZoneTexte 4">
+            <a:extLst>
+              <a:ext uri="{FF2B5EF4-FFF2-40B4-BE49-F238E27FC236}">
+                <a16:creationId xmlns:a16="http://schemas.microsoft.com/office/drawing/2014/main" id="{2618A2AD-DDEE-7B45-0CA9-0DC3CB4244B2}"/>
+              </a:ext>
+            </a:extLst>
+          </p:cNvPr>
+          <p:cNvSpPr txBox="1"/>
+          <p:nvPr/>
+        </p:nvSpPr>
+        <p:spPr>
+          <a:xfrm>
+            <a:off x="4541520" y="3059668"/>
+            <a:ext cx="2338251" cy="369332"/>
+          </a:xfrm>
+          <a:prstGeom prst="rect">
+            <a:avLst/>
+          </a:prstGeom>
+          <a:noFill/>
+        </p:spPr>
+        <p:txBody>
+          <a:bodyPr wrap="square" rtlCol="0">
+            <a:spAutoFit/>
+          </a:bodyPr>
+          <a:lstStyle/>
+          <a:p>
+            <a:r>
+              <a:rPr lang="fr-FR" dirty="0"/>
+              <a:t>Description</a:t>
+            </a:r>
+          </a:p>
+        </p:txBody>
+      </p:sp>
+      <p:sp>
+        <p:nvSpPr>
+          <p:cNvPr id="6" name="ZoneTexte 5">
+            <a:extLst>
+              <a:ext uri="{FF2B5EF4-FFF2-40B4-BE49-F238E27FC236}">
+                <a16:creationId xmlns:a16="http://schemas.microsoft.com/office/drawing/2014/main" id="{D6B58ECD-6DA3-DA99-F8B4-F71FEF2BC64B}"/>
+              </a:ext>
+            </a:extLst>
+          </p:cNvPr>
+          <p:cNvSpPr txBox="1"/>
+          <p:nvPr/>
+        </p:nvSpPr>
+        <p:spPr>
+          <a:xfrm>
+            <a:off x="8477794" y="3066926"/>
+            <a:ext cx="2338251" cy="369332"/>
+          </a:xfrm>
+          <a:prstGeom prst="rect">
+            <a:avLst/>
+          </a:prstGeom>
+          <a:noFill/>
+        </p:spPr>
+        <p:txBody>
+          <a:bodyPr wrap="square" rtlCol="0">
+            <a:spAutoFit/>
+          </a:bodyPr>
+          <a:lstStyle/>
+          <a:p>
+            <a:r>
+              <a:rPr lang="fr-FR" dirty="0"/>
+              <a:t>Catégorie</a:t>
             </a:r>
           </a:p>
         </p:txBody>
@@ -5510,7 +7385,7 @@
     </p:spTree>
     <p:extLst>
       <p:ext uri="{BB962C8B-B14F-4D97-AF65-F5344CB8AC3E}">
-        <p14:creationId xmlns:p14="http://schemas.microsoft.com/office/powerpoint/2010/main" val="3901063859"/>
+        <p14:creationId xmlns:p14="http://schemas.microsoft.com/office/powerpoint/2010/main" val="3509741276"/>
       </p:ext>
     </p:extLst>
   </p:cSld>
@@ -5560,117 +7435,43 @@
           <a:p>
             <a:r>
               <a:rPr lang="fr-FR" dirty="0"/>
-              <a:t>Introduction</a:t>
-            </a:r>
-          </a:p>
-        </p:txBody>
-      </p:sp>
-      <p:sp>
-        <p:nvSpPr>
-          <p:cNvPr id="3" name="Espace réservé du contenu 2">
-            <a:extLst>
-              <a:ext uri="{FF2B5EF4-FFF2-40B4-BE49-F238E27FC236}">
-                <a16:creationId xmlns:a16="http://schemas.microsoft.com/office/drawing/2014/main" id="{12269678-406B-FC2A-A048-7248F2C541F2}"/>
-              </a:ext>
-            </a:extLst>
-          </p:cNvPr>
-          <p:cNvSpPr>
-            <a:spLocks noGrp="1"/>
-          </p:cNvSpPr>
-          <p:nvPr>
-            <p:ph idx="1"/>
-          </p:nvPr>
-        </p:nvSpPr>
-        <p:spPr>
-          <a:xfrm>
-            <a:off x="838200" y="1825625"/>
-            <a:ext cx="10515600" cy="3783867"/>
-          </a:xfrm>
-        </p:spPr>
-        <p:txBody>
-          <a:bodyPr>
-            <a:normAutofit lnSpcReduction="10000"/>
-          </a:bodyPr>
-          <a:lstStyle/>
-          <a:p>
-            <a:r>
-              <a:rPr lang="fr-FR" dirty="0"/>
-              <a:t>A partir des données que le vendeur saisit (image/photo), on veut que l’algorithme attribue la catégorie correspondante: description du produit (texte) et une photo (image) </a:t>
-            </a:r>
-          </a:p>
-          <a:p>
-            <a:endParaRPr lang="fr-FR" dirty="0"/>
-          </a:p>
-          <a:p>
-            <a:r>
-              <a:rPr lang="fr-FR" dirty="0"/>
-              <a:t>1ere ligne pour image montre et image description d’un produit</a:t>
-            </a:r>
-          </a:p>
-          <a:p>
-            <a:r>
-              <a:rPr lang="fr-FR" dirty="0"/>
-              <a:t>2</a:t>
-            </a:r>
-            <a:r>
-              <a:rPr lang="fr-FR" baseline="30000" dirty="0"/>
-              <a:t>e</a:t>
-            </a:r>
-            <a:r>
-              <a:rPr lang="fr-FR" dirty="0"/>
-              <a:t> ligne grand rectangle </a:t>
-            </a:r>
-            <a:r>
-              <a:rPr lang="fr-FR" dirty="0" err="1"/>
-              <a:t>alorithme</a:t>
-            </a:r>
-            <a:r>
-              <a:rPr lang="fr-FR" dirty="0"/>
-              <a:t> traversé par deux flèches vert.</a:t>
-            </a:r>
-          </a:p>
-          <a:p>
-            <a:r>
-              <a:rPr lang="fr-FR" dirty="0"/>
-              <a:t>3</a:t>
-            </a:r>
-            <a:r>
-              <a:rPr lang="fr-FR" baseline="30000" dirty="0"/>
-              <a:t>e</a:t>
-            </a:r>
-            <a:r>
-              <a:rPr lang="fr-FR" dirty="0"/>
-              <a:t> ligne catégorie </a:t>
-            </a:r>
-          </a:p>
-          <a:p>
-            <a:r>
-              <a:rPr lang="fr-FR" dirty="0"/>
-              <a:t>4</a:t>
-            </a:r>
-            <a:r>
-              <a:rPr lang="fr-FR" baseline="30000" dirty="0"/>
-              <a:t>e</a:t>
-            </a:r>
-            <a:r>
-              <a:rPr lang="fr-FR" dirty="0"/>
-              <a:t> ligne : évaluation par l’</a:t>
-            </a:r>
-            <a:r>
-              <a:rPr lang="fr-FR" dirty="0" err="1"/>
-              <a:t>accuracy</a:t>
-            </a:r>
-            <a:r>
-              <a:rPr lang="fr-FR" dirty="0"/>
-              <a:t> du taux de fiabilité</a:t>
-            </a:r>
-          </a:p>
-        </p:txBody>
-      </p:sp>
+              <a:t>Un échantillon de 1050 produits </a:t>
+            </a:r>
+          </a:p>
+        </p:txBody>
+      </p:sp>
+      <p:graphicFrame>
+        <p:nvGraphicFramePr>
+          <p:cNvPr id="17" name="Graphique 16">
+            <a:extLst>
+              <a:ext uri="{FF2B5EF4-FFF2-40B4-BE49-F238E27FC236}">
+                <a16:creationId xmlns:a16="http://schemas.microsoft.com/office/drawing/2014/main" id="{9BFDDA92-4EE2-ECB4-2E59-442158795A0F}"/>
+              </a:ext>
+            </a:extLst>
+          </p:cNvPr>
+          <p:cNvGraphicFramePr/>
+          <p:nvPr>
+            <p:extLst>
+              <p:ext uri="{D42A27DB-BD31-4B8C-83A1-F6EECF244321}">
+                <p14:modId xmlns:p14="http://schemas.microsoft.com/office/powerpoint/2010/main" val="1672956997"/>
+              </p:ext>
+            </p:extLst>
+          </p:nvPr>
+        </p:nvGraphicFramePr>
+        <p:xfrm>
+          <a:off x="1221376" y="1494729"/>
+          <a:ext cx="7774577" cy="4731900"/>
+        </p:xfrm>
+        <a:graphic>
+          <a:graphicData uri="http://schemas.openxmlformats.org/drawingml/2006/chart">
+            <c:chart xmlns:c="http://schemas.openxmlformats.org/drawingml/2006/chart" xmlns:r="http://schemas.openxmlformats.org/officeDocument/2006/relationships" r:id="rId2"/>
+          </a:graphicData>
+        </a:graphic>
+      </p:graphicFrame>
     </p:spTree>
     <p:extLst>
       <p:ext uri="{BB962C8B-B14F-4D97-AF65-F5344CB8AC3E}">
-        <p14:creationId xmlns:p14="http://schemas.microsoft.com/office/powerpoint/2010/main" val="3112738207"/>
+        <p14:creationId xmlns:p14="http://schemas.microsoft.com/office/powerpoint/2010/main" val="4177197649"/>
       </p:ext>
     </p:extLst>
   </p:cSld>
@@ -5719,9 +7520,10 @@
           <a:lstStyle/>
           <a:p>
             <a:r>
-              <a:rPr lang="fr-FR" dirty="0"/>
+              <a:rPr lang="fr-FR"/>
               <a:t>Etude de faisabilité</a:t>
             </a:r>
+            <a:endParaRPr lang="fr-FR" dirty="0"/>
           </a:p>
         </p:txBody>
       </p:sp>
@@ -5743,8 +7545,8 @@
         </p:nvSpPr>
         <p:spPr>
           <a:xfrm>
-            <a:off x="838200" y="1825625"/>
-            <a:ext cx="10515600" cy="3783867"/>
+            <a:off x="646613" y="3407475"/>
+            <a:ext cx="10515600" cy="2720249"/>
           </a:xfrm>
         </p:spPr>
         <p:txBody>
@@ -5755,59 +7557,154 @@
           <a:p>
             <a:r>
               <a:rPr lang="fr-FR" dirty="0"/>
-              <a:t>Dispose d’un jeu de données de 1050 images et descriptions avec la réalité terrain (catégorie du produit)</a:t>
-            </a:r>
-          </a:p>
-          <a:p>
+              <a:t>Méthodologie sur chaque produit : </a:t>
+            </a:r>
+          </a:p>
+          <a:p>
+            <a:pPr lvl="1"/>
             <a:r>
               <a:rPr lang="fr-FR" dirty="0"/>
-              <a:t>Séparation du travail image et texte</a:t>
-            </a:r>
-          </a:p>
-          <a:p>
+              <a:t>Analyse </a:t>
+            </a:r>
+            <a:r>
+              <a:rPr lang="fr-FR"/>
+              <a:t>et prétraitement</a:t>
+            </a:r>
+            <a:endParaRPr lang="fr-FR" dirty="0"/>
+          </a:p>
+          <a:p>
+            <a:pPr lvl="1"/>
             <a:r>
               <a:rPr lang="fr-FR" dirty="0"/>
-              <a:t>Méthodologie : </a:t>
+              <a:t>Convertir le texte/l’image en représentation numérique (</a:t>
+            </a:r>
+            <a:r>
+              <a:rPr lang="fr-FR" dirty="0" err="1"/>
+              <a:t>embeddings</a:t>
+            </a:r>
+            <a:r>
+              <a:rPr lang="fr-FR" dirty="0"/>
+              <a:t>)</a:t>
             </a:r>
           </a:p>
           <a:p>
             <a:pPr lvl="1"/>
             <a:r>
-              <a:rPr lang="fr-FR" dirty="0" err="1"/>
-              <a:t>Preprocessings</a:t>
-            </a:r>
-            <a:endParaRPr lang="fr-FR" dirty="0"/>
+              <a:rPr lang="fr-FR" dirty="0"/>
+              <a:t>Segmentation non supervisée</a:t>
+            </a:r>
           </a:p>
           <a:p>
             <a:pPr lvl="1"/>
             <a:r>
               <a:rPr lang="fr-FR" dirty="0"/>
-              <a:t>Extraction de </a:t>
-            </a:r>
-            <a:r>
-              <a:rPr lang="fr-FR" dirty="0" err="1"/>
-              <a:t>features</a:t>
-            </a:r>
-            <a:r>
-              <a:rPr lang="fr-FR" dirty="0"/>
-              <a:t> numériques</a:t>
-            </a:r>
-          </a:p>
-          <a:p>
-            <a:pPr lvl="1"/>
-            <a:r>
-              <a:rPr lang="fr-FR" dirty="0"/>
-              <a:t>Comparaison terrain vs clustering non supervisé  + ARI</a:t>
-            </a:r>
-          </a:p>
-          <a:p>
-            <a:pPr marL="0" indent="0">
-              <a:buNone/>
-            </a:pPr>
-            <a:endParaRPr lang="fr-FR" dirty="0"/>
-          </a:p>
-        </p:txBody>
-      </p:sp>
+              <a:t>Mesurer la similarité avec les catégories prédéfinies</a:t>
+            </a:r>
+          </a:p>
+        </p:txBody>
+      </p:sp>
+      <p:sp>
+        <p:nvSpPr>
+          <p:cNvPr id="6" name="Rectangle 5" descr="Appareil photo">
+            <a:extLst>
+              <a:ext uri="{FF2B5EF4-FFF2-40B4-BE49-F238E27FC236}">
+                <a16:creationId xmlns:a16="http://schemas.microsoft.com/office/drawing/2014/main" id="{4BC6FF5B-B773-F0E4-1D8A-CF296FA9A46B}"/>
+              </a:ext>
+            </a:extLst>
+          </p:cNvPr>
+          <p:cNvSpPr/>
+          <p:nvPr/>
+        </p:nvSpPr>
+        <p:spPr>
+          <a:xfrm>
+            <a:off x="2387794" y="1690688"/>
+            <a:ext cx="1512000" cy="1512000"/>
+          </a:xfrm>
+          <a:prstGeom prst="rect">
+            <a:avLst/>
+          </a:prstGeom>
+          <a:blipFill>
+            <a:blip r:embed="rId2">
+              <a:extLst>
+                <a:ext uri="{28A0092B-C50C-407E-A947-70E740481C1C}">
+                  <a14:useLocalDpi xmlns:a14="http://schemas.microsoft.com/office/drawing/2010/main" val="0"/>
+                </a:ext>
+                <a:ext uri="{96DAC541-7B7A-43D3-8B79-37D633B846F1}">
+                  <asvg:svgBlip xmlns:asvg="http://schemas.microsoft.com/office/drawing/2016/SVG/main" r:embed="rId3"/>
+                </a:ext>
+              </a:extLst>
+            </a:blip>
+            <a:stretch>
+              <a:fillRect/>
+            </a:stretch>
+          </a:blipFill>
+          <a:ln>
+            <a:noFill/>
+          </a:ln>
+        </p:spPr>
+        <p:style>
+          <a:lnRef idx="2">
+            <a:scrgbClr r="0" g="0" b="0"/>
+          </a:lnRef>
+          <a:fillRef idx="1">
+            <a:scrgbClr r="0" g="0" b="0"/>
+          </a:fillRef>
+          <a:effectRef idx="0">
+            <a:schemeClr val="accent1">
+              <a:hueOff val="0"/>
+              <a:satOff val="0"/>
+              <a:lumOff val="0"/>
+              <a:alphaOff val="0"/>
+            </a:schemeClr>
+          </a:effectRef>
+          <a:fontRef idx="minor">
+            <a:schemeClr val="lt1"/>
+          </a:fontRef>
+        </p:style>
+        <p:txBody>
+          <a:bodyPr/>
+          <a:lstStyle/>
+          <a:p>
+            <a:endParaRPr lang="fr-FR"/>
+          </a:p>
+        </p:txBody>
+      </p:sp>
+      <p:pic>
+        <p:nvPicPr>
+          <p:cNvPr id="8" name="Graphique 7" descr="Document avec un remplissage uni">
+            <a:extLst>
+              <a:ext uri="{FF2B5EF4-FFF2-40B4-BE49-F238E27FC236}">
+                <a16:creationId xmlns:a16="http://schemas.microsoft.com/office/drawing/2014/main" id="{21A40288-F1E3-3B16-11B8-6DEFD975BF76}"/>
+              </a:ext>
+            </a:extLst>
+          </p:cNvPr>
+          <p:cNvPicPr>
+            <a:picLocks noChangeAspect="1"/>
+          </p:cNvPicPr>
+          <p:nvPr/>
+        </p:nvPicPr>
+        <p:blipFill>
+          <a:blip r:embed="rId4">
+            <a:extLst>
+              <a:ext uri="{96DAC541-7B7A-43D3-8B79-37D633B846F1}">
+                <asvg:svgBlip xmlns:asvg="http://schemas.microsoft.com/office/drawing/2016/SVG/main" r:embed="rId5"/>
+              </a:ext>
+            </a:extLst>
+          </a:blip>
+          <a:stretch>
+            <a:fillRect/>
+          </a:stretch>
+        </p:blipFill>
+        <p:spPr>
+          <a:xfrm>
+            <a:off x="6892834" y="1895475"/>
+            <a:ext cx="1153886" cy="1153886"/>
+          </a:xfrm>
+          <a:prstGeom prst="rect">
+            <a:avLst/>
+          </a:prstGeom>
+        </p:spPr>
+      </p:pic>
     </p:spTree>
     <p:extLst>
       <p:ext uri="{BB962C8B-B14F-4D97-AF65-F5344CB8AC3E}">
@@ -5861,7 +7758,7 @@
           <a:p>
             <a:r>
               <a:rPr lang="fr-FR" dirty="0"/>
-              <a:t>Prétraitement texte</a:t>
+              <a:t>Les prétraitements texte</a:t>
             </a:r>
           </a:p>
         </p:txBody>

--- a/5_presentation_072024.pptx
+++ b/5_presentation_072024.pptx
@@ -11,19 +11,21 @@
     <p:sldId id="280" r:id="rId5"/>
     <p:sldId id="279" r:id="rId6"/>
     <p:sldId id="262" r:id="rId7"/>
-    <p:sldId id="263" r:id="rId8"/>
-    <p:sldId id="264" r:id="rId9"/>
-    <p:sldId id="265" r:id="rId10"/>
-    <p:sldId id="266" r:id="rId11"/>
-    <p:sldId id="267" r:id="rId12"/>
-    <p:sldId id="268" r:id="rId13"/>
-    <p:sldId id="269" r:id="rId14"/>
-    <p:sldId id="270" r:id="rId15"/>
-    <p:sldId id="271" r:id="rId16"/>
-    <p:sldId id="272" r:id="rId17"/>
-    <p:sldId id="273" r:id="rId18"/>
-    <p:sldId id="274" r:id="rId19"/>
-    <p:sldId id="276" r:id="rId20"/>
+    <p:sldId id="282" r:id="rId8"/>
+    <p:sldId id="263" r:id="rId9"/>
+    <p:sldId id="281" r:id="rId10"/>
+    <p:sldId id="264" r:id="rId11"/>
+    <p:sldId id="265" r:id="rId12"/>
+    <p:sldId id="266" r:id="rId13"/>
+    <p:sldId id="267" r:id="rId14"/>
+    <p:sldId id="268" r:id="rId15"/>
+    <p:sldId id="269" r:id="rId16"/>
+    <p:sldId id="270" r:id="rId17"/>
+    <p:sldId id="271" r:id="rId18"/>
+    <p:sldId id="272" r:id="rId19"/>
+    <p:sldId id="273" r:id="rId20"/>
+    <p:sldId id="274" r:id="rId21"/>
+    <p:sldId id="276" r:id="rId22"/>
   </p:sldIdLst>
   <p:sldSz cx="12192000" cy="6858000"/>
   <p:notesSz cx="6858000" cy="9144000"/>
@@ -1394,7 +1396,7 @@
           <a:p>
             <a:fld id="{2E2BA21E-E0EB-4621-95C6-8A8A5CB70500}" type="datetimeFigureOut">
               <a:rPr lang="fr-FR" smtClean="0"/>
-              <a:t>27/09/2024</a:t>
+              <a:t>05/10/2024</a:t>
             </a:fld>
             <a:endParaRPr lang="fr-FR"/>
           </a:p>
@@ -1592,7 +1594,7 @@
           <a:p>
             <a:fld id="{2E2BA21E-E0EB-4621-95C6-8A8A5CB70500}" type="datetimeFigureOut">
               <a:rPr lang="fr-FR" smtClean="0"/>
-              <a:t>27/09/2024</a:t>
+              <a:t>05/10/2024</a:t>
             </a:fld>
             <a:endParaRPr lang="fr-FR"/>
           </a:p>
@@ -1800,7 +1802,7 @@
           <a:p>
             <a:fld id="{2E2BA21E-E0EB-4621-95C6-8A8A5CB70500}" type="datetimeFigureOut">
               <a:rPr lang="fr-FR" smtClean="0"/>
-              <a:t>27/09/2024</a:t>
+              <a:t>05/10/2024</a:t>
             </a:fld>
             <a:endParaRPr lang="fr-FR"/>
           </a:p>
@@ -1998,7 +2000,7 @@
           <a:p>
             <a:fld id="{2E2BA21E-E0EB-4621-95C6-8A8A5CB70500}" type="datetimeFigureOut">
               <a:rPr lang="fr-FR" smtClean="0"/>
-              <a:t>27/09/2024</a:t>
+              <a:t>05/10/2024</a:t>
             </a:fld>
             <a:endParaRPr lang="fr-FR"/>
           </a:p>
@@ -2273,7 +2275,7 @@
           <a:p>
             <a:fld id="{2E2BA21E-E0EB-4621-95C6-8A8A5CB70500}" type="datetimeFigureOut">
               <a:rPr lang="fr-FR" smtClean="0"/>
-              <a:t>27/09/2024</a:t>
+              <a:t>05/10/2024</a:t>
             </a:fld>
             <a:endParaRPr lang="fr-FR"/>
           </a:p>
@@ -2538,7 +2540,7 @@
           <a:p>
             <a:fld id="{2E2BA21E-E0EB-4621-95C6-8A8A5CB70500}" type="datetimeFigureOut">
               <a:rPr lang="fr-FR" smtClean="0"/>
-              <a:t>27/09/2024</a:t>
+              <a:t>05/10/2024</a:t>
             </a:fld>
             <a:endParaRPr lang="fr-FR"/>
           </a:p>
@@ -2950,7 +2952,7 @@
           <a:p>
             <a:fld id="{2E2BA21E-E0EB-4621-95C6-8A8A5CB70500}" type="datetimeFigureOut">
               <a:rPr lang="fr-FR" smtClean="0"/>
-              <a:t>27/09/2024</a:t>
+              <a:t>05/10/2024</a:t>
             </a:fld>
             <a:endParaRPr lang="fr-FR"/>
           </a:p>
@@ -3091,7 +3093,7 @@
           <a:p>
             <a:fld id="{2E2BA21E-E0EB-4621-95C6-8A8A5CB70500}" type="datetimeFigureOut">
               <a:rPr lang="fr-FR" smtClean="0"/>
-              <a:t>27/09/2024</a:t>
+              <a:t>05/10/2024</a:t>
             </a:fld>
             <a:endParaRPr lang="fr-FR"/>
           </a:p>
@@ -3204,7 +3206,7 @@
           <a:p>
             <a:fld id="{2E2BA21E-E0EB-4621-95C6-8A8A5CB70500}" type="datetimeFigureOut">
               <a:rPr lang="fr-FR" smtClean="0"/>
-              <a:t>27/09/2024</a:t>
+              <a:t>05/10/2024</a:t>
             </a:fld>
             <a:endParaRPr lang="fr-FR"/>
           </a:p>
@@ -3515,7 +3517,7 @@
           <a:p>
             <a:fld id="{2E2BA21E-E0EB-4621-95C6-8A8A5CB70500}" type="datetimeFigureOut">
               <a:rPr lang="fr-FR" smtClean="0"/>
-              <a:t>27/09/2024</a:t>
+              <a:t>05/10/2024</a:t>
             </a:fld>
             <a:endParaRPr lang="fr-FR"/>
           </a:p>
@@ -3803,7 +3805,7 @@
           <a:p>
             <a:fld id="{2E2BA21E-E0EB-4621-95C6-8A8A5CB70500}" type="datetimeFigureOut">
               <a:rPr lang="fr-FR" smtClean="0"/>
-              <a:t>27/09/2024</a:t>
+              <a:t>05/10/2024</a:t>
             </a:fld>
             <a:endParaRPr lang="fr-FR"/>
           </a:p>
@@ -4044,7 +4046,7 @@
           <a:p>
             <a:fld id="{2E2BA21E-E0EB-4621-95C6-8A8A5CB70500}" type="datetimeFigureOut">
               <a:rPr lang="fr-FR" smtClean="0"/>
-              <a:t>27/09/2024</a:t>
+              <a:t>05/10/2024</a:t>
             </a:fld>
             <a:endParaRPr lang="fr-FR"/>
           </a:p>
@@ -4990,8 +4992,12 @@
           <a:lstStyle/>
           <a:p>
             <a:r>
+              <a:rPr lang="fr-FR" dirty="0" err="1"/>
+              <a:t>Features</a:t>
+            </a:r>
+            <a:r>
               <a:rPr lang="fr-FR" dirty="0"/>
-              <a:t>Prétraitement image</a:t>
+              <a:t> texte</a:t>
             </a:r>
           </a:p>
         </p:txBody>
@@ -5043,7 +5049,7 @@
     </p:spTree>
     <p:extLst>
       <p:ext uri="{BB962C8B-B14F-4D97-AF65-F5344CB8AC3E}">
-        <p14:creationId xmlns:p14="http://schemas.microsoft.com/office/powerpoint/2010/main" val="2511779729"/>
+        <p14:creationId xmlns:p14="http://schemas.microsoft.com/office/powerpoint/2010/main" val="1009411413"/>
       </p:ext>
     </p:extLst>
   </p:cSld>
@@ -5092,12 +5098,8 @@
           <a:lstStyle/>
           <a:p>
             <a:r>
-              <a:rPr lang="fr-FR" dirty="0" err="1"/>
-              <a:t>Features</a:t>
-            </a:r>
-            <a:r>
               <a:rPr lang="fr-FR" dirty="0"/>
-              <a:t> image</a:t>
+              <a:t>ARI texte</a:t>
             </a:r>
           </a:p>
         </p:txBody>
@@ -5149,7 +5151,7 @@
     </p:spTree>
     <p:extLst>
       <p:ext uri="{BB962C8B-B14F-4D97-AF65-F5344CB8AC3E}">
-        <p14:creationId xmlns:p14="http://schemas.microsoft.com/office/powerpoint/2010/main" val="3877599054"/>
+        <p14:creationId xmlns:p14="http://schemas.microsoft.com/office/powerpoint/2010/main" val="216442796"/>
       </p:ext>
     </p:extLst>
   </p:cSld>
@@ -5199,7 +5201,7 @@
           <a:p>
             <a:r>
               <a:rPr lang="fr-FR" dirty="0"/>
-              <a:t>ARI image</a:t>
+              <a:t>Prétraitement image</a:t>
             </a:r>
           </a:p>
         </p:txBody>
@@ -5251,7 +5253,7 @@
     </p:spTree>
     <p:extLst>
       <p:ext uri="{BB962C8B-B14F-4D97-AF65-F5344CB8AC3E}">
-        <p14:creationId xmlns:p14="http://schemas.microsoft.com/office/powerpoint/2010/main" val="3190993048"/>
+        <p14:creationId xmlns:p14="http://schemas.microsoft.com/office/powerpoint/2010/main" val="2511779729"/>
       </p:ext>
     </p:extLst>
   </p:cSld>
@@ -5300,14 +5302,13 @@
           <a:lstStyle/>
           <a:p>
             <a:r>
+              <a:rPr lang="fr-FR" dirty="0" err="1"/>
+              <a:t>Features</a:t>
+            </a:r>
+            <a:r>
               <a:rPr lang="fr-FR" dirty="0"/>
-              <a:t>Conclusion sur la </a:t>
-            </a:r>
-            <a:r>
-              <a:rPr lang="fr-FR" dirty="0" err="1"/>
-              <a:t>faisaibilité</a:t>
-            </a:r>
-            <a:endParaRPr lang="fr-FR" dirty="0"/>
+              <a:t> image</a:t>
+            </a:r>
           </a:p>
         </p:txBody>
       </p:sp>
@@ -5341,7 +5342,7 @@
           <a:p>
             <a:r>
               <a:rPr lang="fr-FR" dirty="0"/>
-              <a:t>Comparaison des résultats </a:t>
+              <a:t>Séparation du travail image et texte</a:t>
             </a:r>
           </a:p>
           <a:p>
@@ -5350,7 +5351,7 @@
           <a:p>
             <a:r>
               <a:rPr lang="fr-FR" dirty="0"/>
-              <a:t>Choix du modèle pour la classification</a:t>
+              <a:t>Dispose d’un jeu de données de 1050 images et descriptions avec la réalité terrain (catégorie du produit)</a:t>
             </a:r>
           </a:p>
         </p:txBody>
@@ -5358,7 +5359,7 @@
     </p:spTree>
     <p:extLst>
       <p:ext uri="{BB962C8B-B14F-4D97-AF65-F5344CB8AC3E}">
-        <p14:creationId xmlns:p14="http://schemas.microsoft.com/office/powerpoint/2010/main" val="3943782933"/>
+        <p14:creationId xmlns:p14="http://schemas.microsoft.com/office/powerpoint/2010/main" val="3877599054"/>
       </p:ext>
     </p:extLst>
   </p:cSld>
@@ -5408,7 +5409,7 @@
           <a:p>
             <a:r>
               <a:rPr lang="fr-FR" dirty="0"/>
-              <a:t>Classification supervisée</a:t>
+              <a:t>ARI image</a:t>
             </a:r>
           </a:p>
         </p:txBody>
@@ -5443,7 +5444,16 @@
           <a:p>
             <a:r>
               <a:rPr lang="fr-FR" dirty="0"/>
-              <a:t>Par un modèle de type régression logistique ? SVM ?</a:t>
+              <a:t>Séparation du travail image et texte</a:t>
+            </a:r>
+          </a:p>
+          <a:p>
+            <a:endParaRPr lang="fr-FR" dirty="0"/>
+          </a:p>
+          <a:p>
+            <a:r>
+              <a:rPr lang="fr-FR" dirty="0"/>
+              <a:t>Dispose d’un jeu de données de 1050 images et descriptions avec la réalité terrain (catégorie du produit)</a:t>
             </a:r>
           </a:p>
         </p:txBody>
@@ -5451,7 +5461,7 @@
     </p:spTree>
     <p:extLst>
       <p:ext uri="{BB962C8B-B14F-4D97-AF65-F5344CB8AC3E}">
-        <p14:creationId xmlns:p14="http://schemas.microsoft.com/office/powerpoint/2010/main" val="109397901"/>
+        <p14:creationId xmlns:p14="http://schemas.microsoft.com/office/powerpoint/2010/main" val="3190993048"/>
       </p:ext>
     </p:extLst>
   </p:cSld>
@@ -5501,6 +5511,206 @@
           <a:p>
             <a:r>
               <a:rPr lang="fr-FR" dirty="0"/>
+              <a:t>Conclusion sur la </a:t>
+            </a:r>
+            <a:r>
+              <a:rPr lang="fr-FR" dirty="0" err="1"/>
+              <a:t>faisaibilité</a:t>
+            </a:r>
+            <a:endParaRPr lang="fr-FR" dirty="0"/>
+          </a:p>
+        </p:txBody>
+      </p:sp>
+      <p:sp>
+        <p:nvSpPr>
+          <p:cNvPr id="3" name="Espace réservé du contenu 2">
+            <a:extLst>
+              <a:ext uri="{FF2B5EF4-FFF2-40B4-BE49-F238E27FC236}">
+                <a16:creationId xmlns:a16="http://schemas.microsoft.com/office/drawing/2014/main" id="{12269678-406B-FC2A-A048-7248F2C541F2}"/>
+              </a:ext>
+            </a:extLst>
+          </p:cNvPr>
+          <p:cNvSpPr>
+            <a:spLocks noGrp="1"/>
+          </p:cNvSpPr>
+          <p:nvPr>
+            <p:ph idx="1"/>
+          </p:nvPr>
+        </p:nvSpPr>
+        <p:spPr>
+          <a:xfrm>
+            <a:off x="838200" y="1825625"/>
+            <a:ext cx="10515600" cy="3783867"/>
+          </a:xfrm>
+        </p:spPr>
+        <p:txBody>
+          <a:bodyPr>
+            <a:normAutofit/>
+          </a:bodyPr>
+          <a:lstStyle/>
+          <a:p>
+            <a:r>
+              <a:rPr lang="fr-FR" dirty="0"/>
+              <a:t>Comparaison des résultats </a:t>
+            </a:r>
+          </a:p>
+          <a:p>
+            <a:endParaRPr lang="fr-FR" dirty="0"/>
+          </a:p>
+          <a:p>
+            <a:r>
+              <a:rPr lang="fr-FR" dirty="0"/>
+              <a:t>Choix du modèle pour la classification</a:t>
+            </a:r>
+          </a:p>
+        </p:txBody>
+      </p:sp>
+    </p:spTree>
+    <p:extLst>
+      <p:ext uri="{BB962C8B-B14F-4D97-AF65-F5344CB8AC3E}">
+        <p14:creationId xmlns:p14="http://schemas.microsoft.com/office/powerpoint/2010/main" val="3943782933"/>
+      </p:ext>
+    </p:extLst>
+  </p:cSld>
+  <p:clrMapOvr>
+    <a:masterClrMapping/>
+  </p:clrMapOvr>
+</p:sld>
+</file>
+
+<file path=ppt/slides/slide16.xml><?xml version="1.0" encoding="utf-8"?>
+<p:sld xmlns:a="http://schemas.openxmlformats.org/drawingml/2006/main" xmlns:r="http://schemas.openxmlformats.org/officeDocument/2006/relationships" xmlns:p="http://schemas.openxmlformats.org/presentationml/2006/main">
+  <p:cSld>
+    <p:spTree>
+      <p:nvGrpSpPr>
+        <p:cNvPr id="1" name=""/>
+        <p:cNvGrpSpPr/>
+        <p:nvPr/>
+      </p:nvGrpSpPr>
+      <p:grpSpPr>
+        <a:xfrm>
+          <a:off x="0" y="0"/>
+          <a:ext cx="0" cy="0"/>
+          <a:chOff x="0" y="0"/>
+          <a:chExt cx="0" cy="0"/>
+        </a:xfrm>
+      </p:grpSpPr>
+      <p:sp>
+        <p:nvSpPr>
+          <p:cNvPr id="2" name="Titre 1">
+            <a:extLst>
+              <a:ext uri="{FF2B5EF4-FFF2-40B4-BE49-F238E27FC236}">
+                <a16:creationId xmlns:a16="http://schemas.microsoft.com/office/drawing/2014/main" id="{EF750DE3-9C14-38BC-9154-6ACBBB17EAA6}"/>
+              </a:ext>
+            </a:extLst>
+          </p:cNvPr>
+          <p:cNvSpPr>
+            <a:spLocks noGrp="1"/>
+          </p:cNvSpPr>
+          <p:nvPr>
+            <p:ph type="title"/>
+          </p:nvPr>
+        </p:nvSpPr>
+        <p:spPr/>
+        <p:txBody>
+          <a:bodyPr/>
+          <a:lstStyle/>
+          <a:p>
+            <a:r>
+              <a:rPr lang="fr-FR" dirty="0"/>
+              <a:t>Classification supervisée</a:t>
+            </a:r>
+          </a:p>
+        </p:txBody>
+      </p:sp>
+      <p:sp>
+        <p:nvSpPr>
+          <p:cNvPr id="3" name="Espace réservé du contenu 2">
+            <a:extLst>
+              <a:ext uri="{FF2B5EF4-FFF2-40B4-BE49-F238E27FC236}">
+                <a16:creationId xmlns:a16="http://schemas.microsoft.com/office/drawing/2014/main" id="{12269678-406B-FC2A-A048-7248F2C541F2}"/>
+              </a:ext>
+            </a:extLst>
+          </p:cNvPr>
+          <p:cNvSpPr>
+            <a:spLocks noGrp="1"/>
+          </p:cNvSpPr>
+          <p:nvPr>
+            <p:ph idx="1"/>
+          </p:nvPr>
+        </p:nvSpPr>
+        <p:spPr>
+          <a:xfrm>
+            <a:off x="838200" y="1825625"/>
+            <a:ext cx="10515600" cy="3783867"/>
+          </a:xfrm>
+        </p:spPr>
+        <p:txBody>
+          <a:bodyPr>
+            <a:normAutofit/>
+          </a:bodyPr>
+          <a:lstStyle/>
+          <a:p>
+            <a:r>
+              <a:rPr lang="fr-FR" dirty="0"/>
+              <a:t>Par un modèle de type régression logistique ? SVM ?</a:t>
+            </a:r>
+          </a:p>
+        </p:txBody>
+      </p:sp>
+    </p:spTree>
+    <p:extLst>
+      <p:ext uri="{BB962C8B-B14F-4D97-AF65-F5344CB8AC3E}">
+        <p14:creationId xmlns:p14="http://schemas.microsoft.com/office/powerpoint/2010/main" val="109397901"/>
+      </p:ext>
+    </p:extLst>
+  </p:cSld>
+  <p:clrMapOvr>
+    <a:masterClrMapping/>
+  </p:clrMapOvr>
+</p:sld>
+</file>
+
+<file path=ppt/slides/slide17.xml><?xml version="1.0" encoding="utf-8"?>
+<p:sld xmlns:a="http://schemas.openxmlformats.org/drawingml/2006/main" xmlns:r="http://schemas.openxmlformats.org/officeDocument/2006/relationships" xmlns:p="http://schemas.openxmlformats.org/presentationml/2006/main">
+  <p:cSld>
+    <p:spTree>
+      <p:nvGrpSpPr>
+        <p:cNvPr id="1" name=""/>
+        <p:cNvGrpSpPr/>
+        <p:nvPr/>
+      </p:nvGrpSpPr>
+      <p:grpSpPr>
+        <a:xfrm>
+          <a:off x="0" y="0"/>
+          <a:ext cx="0" cy="0"/>
+          <a:chOff x="0" y="0"/>
+          <a:chExt cx="0" cy="0"/>
+        </a:xfrm>
+      </p:grpSpPr>
+      <p:sp>
+        <p:nvSpPr>
+          <p:cNvPr id="2" name="Titre 1">
+            <a:extLst>
+              <a:ext uri="{FF2B5EF4-FFF2-40B4-BE49-F238E27FC236}">
+                <a16:creationId xmlns:a16="http://schemas.microsoft.com/office/drawing/2014/main" id="{EF750DE3-9C14-38BC-9154-6ACBBB17EAA6}"/>
+              </a:ext>
+            </a:extLst>
+          </p:cNvPr>
+          <p:cNvSpPr>
+            <a:spLocks noGrp="1"/>
+          </p:cNvSpPr>
+          <p:nvPr>
+            <p:ph type="title"/>
+          </p:nvPr>
+        </p:nvSpPr>
+        <p:spPr/>
+        <p:txBody>
+          <a:bodyPr/>
+          <a:lstStyle/>
+          <a:p>
+            <a:r>
+              <a:rPr lang="fr-FR" dirty="0"/>
               <a:t>Classification supervisée</a:t>
             </a:r>
           </a:p>
@@ -5554,7 +5764,7 @@
 </p:sld>
 </file>
 
-<file path=ppt/slides/slide16.xml><?xml version="1.0" encoding="utf-8"?>
+<file path=ppt/slides/slide18.xml><?xml version="1.0" encoding="utf-8"?>
 <p:sld xmlns:a="http://schemas.openxmlformats.org/drawingml/2006/main" xmlns:r="http://schemas.openxmlformats.org/officeDocument/2006/relationships" xmlns:p="http://schemas.openxmlformats.org/presentationml/2006/main">
   <p:cSld>
     <p:bg>
@@ -6161,222 +6371,6 @@
 </p:sld>
 </file>
 
-<file path=ppt/slides/slide17.xml><?xml version="1.0" encoding="utf-8"?>
-<p:sld xmlns:a="http://schemas.openxmlformats.org/drawingml/2006/main" xmlns:r="http://schemas.openxmlformats.org/officeDocument/2006/relationships" xmlns:p="http://schemas.openxmlformats.org/presentationml/2006/main">
-  <p:cSld>
-    <p:spTree>
-      <p:nvGrpSpPr>
-        <p:cNvPr id="1" name=""/>
-        <p:cNvGrpSpPr/>
-        <p:nvPr/>
-      </p:nvGrpSpPr>
-      <p:grpSpPr>
-        <a:xfrm>
-          <a:off x="0" y="0"/>
-          <a:ext cx="0" cy="0"/>
-          <a:chOff x="0" y="0"/>
-          <a:chExt cx="0" cy="0"/>
-        </a:xfrm>
-      </p:grpSpPr>
-      <p:sp>
-        <p:nvSpPr>
-          <p:cNvPr id="2" name="Titre 1">
-            <a:extLst>
-              <a:ext uri="{FF2B5EF4-FFF2-40B4-BE49-F238E27FC236}">
-                <a16:creationId xmlns:a16="http://schemas.microsoft.com/office/drawing/2014/main" id="{EF750DE3-9C14-38BC-9154-6ACBBB17EAA6}"/>
-              </a:ext>
-            </a:extLst>
-          </p:cNvPr>
-          <p:cNvSpPr>
-            <a:spLocks noGrp="1"/>
-          </p:cNvSpPr>
-          <p:nvPr>
-            <p:ph type="title"/>
-          </p:nvPr>
-        </p:nvSpPr>
-        <p:spPr/>
-        <p:txBody>
-          <a:bodyPr/>
-          <a:lstStyle/>
-          <a:p>
-            <a:r>
-              <a:rPr lang="fr-FR" dirty="0"/>
-              <a:t>Travail de veille avec technique récente</a:t>
-            </a:r>
-          </a:p>
-        </p:txBody>
-      </p:sp>
-      <p:sp>
-        <p:nvSpPr>
-          <p:cNvPr id="3" name="Espace réservé du contenu 2">
-            <a:extLst>
-              <a:ext uri="{FF2B5EF4-FFF2-40B4-BE49-F238E27FC236}">
-                <a16:creationId xmlns:a16="http://schemas.microsoft.com/office/drawing/2014/main" id="{12269678-406B-FC2A-A048-7248F2C541F2}"/>
-              </a:ext>
-            </a:extLst>
-          </p:cNvPr>
-          <p:cNvSpPr>
-            <a:spLocks noGrp="1"/>
-          </p:cNvSpPr>
-          <p:nvPr>
-            <p:ph idx="1"/>
-          </p:nvPr>
-        </p:nvSpPr>
-        <p:spPr>
-          <a:xfrm>
-            <a:off x="838200" y="1825625"/>
-            <a:ext cx="10515600" cy="3783867"/>
-          </a:xfrm>
-        </p:spPr>
-        <p:txBody>
-          <a:bodyPr>
-            <a:normAutofit/>
-          </a:bodyPr>
-          <a:lstStyle/>
-          <a:p>
-            <a:r>
-              <a:rPr lang="fr-FR" dirty="0"/>
-              <a:t>On va utiliser les 1050 images</a:t>
-            </a:r>
-          </a:p>
-          <a:p>
-            <a:pPr lvl="1">
-              <a:buFontTx/>
-              <a:buChar char="-"/>
-            </a:pPr>
-            <a:r>
-              <a:rPr lang="fr-FR" dirty="0"/>
-              <a:t>Sans modification</a:t>
-            </a:r>
-          </a:p>
-          <a:p>
-            <a:pPr lvl="1">
-              <a:buFontTx/>
-              <a:buChar char="-"/>
-            </a:pPr>
-            <a:r>
-              <a:rPr lang="fr-FR" dirty="0"/>
-              <a:t>Avec data augmentation : utile pour la robustesse de l’algorithme</a:t>
-            </a:r>
-          </a:p>
-          <a:p>
-            <a:pPr lvl="1">
-              <a:buFontTx/>
-              <a:buChar char="-"/>
-            </a:pPr>
-            <a:r>
-              <a:rPr lang="fr-FR" dirty="0"/>
-              <a:t>Montrer un exemple de deux images avec data augmentation</a:t>
-            </a:r>
-          </a:p>
-        </p:txBody>
-      </p:sp>
-    </p:spTree>
-    <p:extLst>
-      <p:ext uri="{BB962C8B-B14F-4D97-AF65-F5344CB8AC3E}">
-        <p14:creationId xmlns:p14="http://schemas.microsoft.com/office/powerpoint/2010/main" val="1773581813"/>
-      </p:ext>
-    </p:extLst>
-  </p:cSld>
-  <p:clrMapOvr>
-    <a:masterClrMapping/>
-  </p:clrMapOvr>
-</p:sld>
-</file>
-
-<file path=ppt/slides/slide18.xml><?xml version="1.0" encoding="utf-8"?>
-<p:sld xmlns:a="http://schemas.openxmlformats.org/drawingml/2006/main" xmlns:r="http://schemas.openxmlformats.org/officeDocument/2006/relationships" xmlns:p="http://schemas.openxmlformats.org/presentationml/2006/main">
-  <p:cSld>
-    <p:spTree>
-      <p:nvGrpSpPr>
-        <p:cNvPr id="1" name=""/>
-        <p:cNvGrpSpPr/>
-        <p:nvPr/>
-      </p:nvGrpSpPr>
-      <p:grpSpPr>
-        <a:xfrm>
-          <a:off x="0" y="0"/>
-          <a:ext cx="0" cy="0"/>
-          <a:chOff x="0" y="0"/>
-          <a:chExt cx="0" cy="0"/>
-        </a:xfrm>
-      </p:grpSpPr>
-      <p:sp>
-        <p:nvSpPr>
-          <p:cNvPr id="2" name="Titre 1">
-            <a:extLst>
-              <a:ext uri="{FF2B5EF4-FFF2-40B4-BE49-F238E27FC236}">
-                <a16:creationId xmlns:a16="http://schemas.microsoft.com/office/drawing/2014/main" id="{EF750DE3-9C14-38BC-9154-6ACBBB17EAA6}"/>
-              </a:ext>
-            </a:extLst>
-          </p:cNvPr>
-          <p:cNvSpPr>
-            <a:spLocks noGrp="1"/>
-          </p:cNvSpPr>
-          <p:nvPr>
-            <p:ph type="title"/>
-          </p:nvPr>
-        </p:nvSpPr>
-        <p:spPr/>
-        <p:txBody>
-          <a:bodyPr/>
-          <a:lstStyle/>
-          <a:p>
-            <a:r>
-              <a:rPr lang="fr-FR" dirty="0"/>
-              <a:t>Travail de veille avec technique récente</a:t>
-            </a:r>
-          </a:p>
-        </p:txBody>
-      </p:sp>
-      <p:sp>
-        <p:nvSpPr>
-          <p:cNvPr id="3" name="Espace réservé du contenu 2">
-            <a:extLst>
-              <a:ext uri="{FF2B5EF4-FFF2-40B4-BE49-F238E27FC236}">
-                <a16:creationId xmlns:a16="http://schemas.microsoft.com/office/drawing/2014/main" id="{12269678-406B-FC2A-A048-7248F2C541F2}"/>
-              </a:ext>
-            </a:extLst>
-          </p:cNvPr>
-          <p:cNvSpPr>
-            <a:spLocks noGrp="1"/>
-          </p:cNvSpPr>
-          <p:nvPr>
-            <p:ph idx="1"/>
-          </p:nvPr>
-        </p:nvSpPr>
-        <p:spPr>
-          <a:xfrm>
-            <a:off x="838200" y="1825625"/>
-            <a:ext cx="10515600" cy="3783867"/>
-          </a:xfrm>
-        </p:spPr>
-        <p:txBody>
-          <a:bodyPr>
-            <a:normAutofit/>
-          </a:bodyPr>
-          <a:lstStyle/>
-          <a:p>
-            <a:r>
-              <a:rPr lang="fr-FR" dirty="0"/>
-              <a:t>Analyse des résultats</a:t>
-            </a:r>
-          </a:p>
-        </p:txBody>
-      </p:sp>
-    </p:spTree>
-    <p:extLst>
-      <p:ext uri="{BB962C8B-B14F-4D97-AF65-F5344CB8AC3E}">
-        <p14:creationId xmlns:p14="http://schemas.microsoft.com/office/powerpoint/2010/main" val="2072129167"/>
-      </p:ext>
-    </p:extLst>
-  </p:cSld>
-  <p:clrMapOvr>
-    <a:masterClrMapping/>
-  </p:clrMapOvr>
-</p:sld>
-</file>
-
 <file path=ppt/slides/slide19.xml><?xml version="1.0" encoding="utf-8"?>
 <p:sld xmlns:a="http://schemas.openxmlformats.org/drawingml/2006/main" xmlns:r="http://schemas.openxmlformats.org/officeDocument/2006/relationships" xmlns:p="http://schemas.openxmlformats.org/presentationml/2006/main">
   <p:cSld>
@@ -6417,7 +6411,7 @@
           <a:p>
             <a:r>
               <a:rPr lang="fr-FR" dirty="0"/>
-              <a:t>API</a:t>
+              <a:t>Travail de veille avec technique récente</a:t>
             </a:r>
           </a:p>
         </p:txBody>
@@ -6452,21 +6446,37 @@
           <a:p>
             <a:r>
               <a:rPr lang="fr-FR" dirty="0"/>
-              <a:t>Elargissement de la gamme de produits : tester l’api pour récupérer des produits de la catégorie champagne</a:t>
-            </a:r>
-          </a:p>
-          <a:p>
+              <a:t>On va utiliser les 1050 images</a:t>
+            </a:r>
+          </a:p>
+          <a:p>
+            <a:pPr lvl="1">
+              <a:buFontTx/>
+              <a:buChar char="-"/>
+            </a:pPr>
             <a:r>
               <a:rPr lang="fr-FR" dirty="0"/>
-              <a:t>Copie du </a:t>
-            </a:r>
-            <a:r>
-              <a:rPr lang="fr-FR" dirty="0" err="1"/>
-              <a:t>dataframe</a:t>
-            </a:r>
+              <a:t>Sans modification</a:t>
+            </a:r>
+          </a:p>
+          <a:p>
+            <a:pPr lvl="1">
+              <a:buFontTx/>
+              <a:buChar char="-"/>
+            </a:pPr>
             <a:r>
               <a:rPr lang="fr-FR" dirty="0"/>
-              <a:t> formaté</a:t>
+              <a:t>Avec data augmentation : utile pour la robustesse de l’algorithme</a:t>
+            </a:r>
+          </a:p>
+          <a:p>
+            <a:pPr lvl="1">
+              <a:buFontTx/>
+              <a:buChar char="-"/>
+            </a:pPr>
+            <a:r>
+              <a:rPr lang="fr-FR" dirty="0"/>
+              <a:t>Montrer un exemple de deux images avec data augmentation</a:t>
             </a:r>
           </a:p>
         </p:txBody>
@@ -6474,7 +6484,7 @@
     </p:spTree>
     <p:extLst>
       <p:ext uri="{BB962C8B-B14F-4D97-AF65-F5344CB8AC3E}">
-        <p14:creationId xmlns:p14="http://schemas.microsoft.com/office/powerpoint/2010/main" val="2656910351"/>
+        <p14:creationId xmlns:p14="http://schemas.microsoft.com/office/powerpoint/2010/main" val="1773581813"/>
       </p:ext>
     </p:extLst>
   </p:cSld>
@@ -6754,6 +6764,206 @@
     <p:extLst>
       <p:ext uri="{BB962C8B-B14F-4D97-AF65-F5344CB8AC3E}">
         <p14:creationId xmlns:p14="http://schemas.microsoft.com/office/powerpoint/2010/main" val="2500164073"/>
+      </p:ext>
+    </p:extLst>
+  </p:cSld>
+  <p:clrMapOvr>
+    <a:masterClrMapping/>
+  </p:clrMapOvr>
+</p:sld>
+</file>
+
+<file path=ppt/slides/slide20.xml><?xml version="1.0" encoding="utf-8"?>
+<p:sld xmlns:a="http://schemas.openxmlformats.org/drawingml/2006/main" xmlns:r="http://schemas.openxmlformats.org/officeDocument/2006/relationships" xmlns:p="http://schemas.openxmlformats.org/presentationml/2006/main">
+  <p:cSld>
+    <p:spTree>
+      <p:nvGrpSpPr>
+        <p:cNvPr id="1" name=""/>
+        <p:cNvGrpSpPr/>
+        <p:nvPr/>
+      </p:nvGrpSpPr>
+      <p:grpSpPr>
+        <a:xfrm>
+          <a:off x="0" y="0"/>
+          <a:ext cx="0" cy="0"/>
+          <a:chOff x="0" y="0"/>
+          <a:chExt cx="0" cy="0"/>
+        </a:xfrm>
+      </p:grpSpPr>
+      <p:sp>
+        <p:nvSpPr>
+          <p:cNvPr id="2" name="Titre 1">
+            <a:extLst>
+              <a:ext uri="{FF2B5EF4-FFF2-40B4-BE49-F238E27FC236}">
+                <a16:creationId xmlns:a16="http://schemas.microsoft.com/office/drawing/2014/main" id="{EF750DE3-9C14-38BC-9154-6ACBBB17EAA6}"/>
+              </a:ext>
+            </a:extLst>
+          </p:cNvPr>
+          <p:cNvSpPr>
+            <a:spLocks noGrp="1"/>
+          </p:cNvSpPr>
+          <p:nvPr>
+            <p:ph type="title"/>
+          </p:nvPr>
+        </p:nvSpPr>
+        <p:spPr/>
+        <p:txBody>
+          <a:bodyPr/>
+          <a:lstStyle/>
+          <a:p>
+            <a:r>
+              <a:rPr lang="fr-FR" dirty="0"/>
+              <a:t>Travail de veille avec technique récente</a:t>
+            </a:r>
+          </a:p>
+        </p:txBody>
+      </p:sp>
+      <p:sp>
+        <p:nvSpPr>
+          <p:cNvPr id="3" name="Espace réservé du contenu 2">
+            <a:extLst>
+              <a:ext uri="{FF2B5EF4-FFF2-40B4-BE49-F238E27FC236}">
+                <a16:creationId xmlns:a16="http://schemas.microsoft.com/office/drawing/2014/main" id="{12269678-406B-FC2A-A048-7248F2C541F2}"/>
+              </a:ext>
+            </a:extLst>
+          </p:cNvPr>
+          <p:cNvSpPr>
+            <a:spLocks noGrp="1"/>
+          </p:cNvSpPr>
+          <p:nvPr>
+            <p:ph idx="1"/>
+          </p:nvPr>
+        </p:nvSpPr>
+        <p:spPr>
+          <a:xfrm>
+            <a:off x="838200" y="1825625"/>
+            <a:ext cx="10515600" cy="3783867"/>
+          </a:xfrm>
+        </p:spPr>
+        <p:txBody>
+          <a:bodyPr>
+            <a:normAutofit/>
+          </a:bodyPr>
+          <a:lstStyle/>
+          <a:p>
+            <a:r>
+              <a:rPr lang="fr-FR" dirty="0"/>
+              <a:t>Analyse des résultats</a:t>
+            </a:r>
+          </a:p>
+        </p:txBody>
+      </p:sp>
+    </p:spTree>
+    <p:extLst>
+      <p:ext uri="{BB962C8B-B14F-4D97-AF65-F5344CB8AC3E}">
+        <p14:creationId xmlns:p14="http://schemas.microsoft.com/office/powerpoint/2010/main" val="2072129167"/>
+      </p:ext>
+    </p:extLst>
+  </p:cSld>
+  <p:clrMapOvr>
+    <a:masterClrMapping/>
+  </p:clrMapOvr>
+</p:sld>
+</file>
+
+<file path=ppt/slides/slide21.xml><?xml version="1.0" encoding="utf-8"?>
+<p:sld xmlns:a="http://schemas.openxmlformats.org/drawingml/2006/main" xmlns:r="http://schemas.openxmlformats.org/officeDocument/2006/relationships" xmlns:p="http://schemas.openxmlformats.org/presentationml/2006/main">
+  <p:cSld>
+    <p:spTree>
+      <p:nvGrpSpPr>
+        <p:cNvPr id="1" name=""/>
+        <p:cNvGrpSpPr/>
+        <p:nvPr/>
+      </p:nvGrpSpPr>
+      <p:grpSpPr>
+        <a:xfrm>
+          <a:off x="0" y="0"/>
+          <a:ext cx="0" cy="0"/>
+          <a:chOff x="0" y="0"/>
+          <a:chExt cx="0" cy="0"/>
+        </a:xfrm>
+      </p:grpSpPr>
+      <p:sp>
+        <p:nvSpPr>
+          <p:cNvPr id="2" name="Titre 1">
+            <a:extLst>
+              <a:ext uri="{FF2B5EF4-FFF2-40B4-BE49-F238E27FC236}">
+                <a16:creationId xmlns:a16="http://schemas.microsoft.com/office/drawing/2014/main" id="{EF750DE3-9C14-38BC-9154-6ACBBB17EAA6}"/>
+              </a:ext>
+            </a:extLst>
+          </p:cNvPr>
+          <p:cNvSpPr>
+            <a:spLocks noGrp="1"/>
+          </p:cNvSpPr>
+          <p:nvPr>
+            <p:ph type="title"/>
+          </p:nvPr>
+        </p:nvSpPr>
+        <p:spPr/>
+        <p:txBody>
+          <a:bodyPr/>
+          <a:lstStyle/>
+          <a:p>
+            <a:r>
+              <a:rPr lang="fr-FR" dirty="0"/>
+              <a:t>API</a:t>
+            </a:r>
+          </a:p>
+        </p:txBody>
+      </p:sp>
+      <p:sp>
+        <p:nvSpPr>
+          <p:cNvPr id="3" name="Espace réservé du contenu 2">
+            <a:extLst>
+              <a:ext uri="{FF2B5EF4-FFF2-40B4-BE49-F238E27FC236}">
+                <a16:creationId xmlns:a16="http://schemas.microsoft.com/office/drawing/2014/main" id="{12269678-406B-FC2A-A048-7248F2C541F2}"/>
+              </a:ext>
+            </a:extLst>
+          </p:cNvPr>
+          <p:cNvSpPr>
+            <a:spLocks noGrp="1"/>
+          </p:cNvSpPr>
+          <p:nvPr>
+            <p:ph idx="1"/>
+          </p:nvPr>
+        </p:nvSpPr>
+        <p:spPr>
+          <a:xfrm>
+            <a:off x="838200" y="1825625"/>
+            <a:ext cx="10515600" cy="3783867"/>
+          </a:xfrm>
+        </p:spPr>
+        <p:txBody>
+          <a:bodyPr>
+            <a:normAutofit/>
+          </a:bodyPr>
+          <a:lstStyle/>
+          <a:p>
+            <a:r>
+              <a:rPr lang="fr-FR" dirty="0"/>
+              <a:t>Elargissement de la gamme de produits : tester l’api pour récupérer des produits de la catégorie champagne</a:t>
+            </a:r>
+          </a:p>
+          <a:p>
+            <a:r>
+              <a:rPr lang="fr-FR" dirty="0"/>
+              <a:t>Copie du </a:t>
+            </a:r>
+            <a:r>
+              <a:rPr lang="fr-FR" dirty="0" err="1"/>
+              <a:t>dataframe</a:t>
+            </a:r>
+            <a:r>
+              <a:rPr lang="fr-FR" dirty="0"/>
+              <a:t> formaté</a:t>
+            </a:r>
+          </a:p>
+        </p:txBody>
+      </p:sp>
+    </p:spTree>
+    <p:extLst>
+      <p:ext uri="{BB962C8B-B14F-4D97-AF65-F5344CB8AC3E}">
+        <p14:creationId xmlns:p14="http://schemas.microsoft.com/office/powerpoint/2010/main" val="2656910351"/>
       </p:ext>
     </p:extLst>
   </p:cSld>
@@ -7758,8 +7968,13 @@
           <a:p>
             <a:r>
               <a:rPr lang="fr-FR" dirty="0"/>
-              <a:t>Les prétraitements texte</a:t>
-            </a:r>
+              <a:t>Décomposition en </a:t>
+            </a:r>
+            <a:r>
+              <a:rPr lang="fr-FR" dirty="0" err="1"/>
+              <a:t>tokens</a:t>
+            </a:r>
+            <a:endParaRPr lang="fr-FR" dirty="0"/>
           </a:p>
         </p:txBody>
       </p:sp>
@@ -7781,8 +7996,8 @@
         </p:nvSpPr>
         <p:spPr>
           <a:xfrm>
-            <a:off x="838200" y="1825625"/>
-            <a:ext cx="10515600" cy="3783867"/>
+            <a:off x="548411" y="1447412"/>
+            <a:ext cx="10515600" cy="1603375"/>
           </a:xfrm>
         </p:spPr>
         <p:txBody>
@@ -7791,26 +8006,88 @@
           </a:bodyPr>
           <a:lstStyle/>
           <a:p>
+            <a:pPr marL="0" indent="0">
+              <a:buNone/>
+            </a:pPr>
             <a:r>
               <a:rPr lang="fr-FR" dirty="0"/>
-              <a:t>Séparation du travail image et texte</a:t>
-            </a:r>
-          </a:p>
-          <a:p>
-            <a:endParaRPr lang="fr-FR" dirty="0"/>
-          </a:p>
-          <a:p>
+              <a:t>Longueur moyenne d’un </a:t>
+            </a:r>
+            <a:r>
+              <a:rPr lang="fr-FR" dirty="0" err="1"/>
+              <a:t>token</a:t>
+            </a:r>
             <a:r>
               <a:rPr lang="fr-FR" dirty="0"/>
-              <a:t>Dispose d’un jeu de données de 1050 images et descriptions avec la réalité terrain (catégorie du produit)</a:t>
-            </a:r>
-          </a:p>
-        </p:txBody>
-      </p:sp>
+              <a:t> 4 à 5 caractères:</a:t>
+            </a:r>
+          </a:p>
+          <a:p>
+            <a:pPr>
+              <a:buFontTx/>
+              <a:buChar char="-"/>
+            </a:pPr>
+            <a:r>
+              <a:rPr lang="fr-FR" dirty="0" err="1"/>
+              <a:t>product_name</a:t>
+            </a:r>
+            <a:r>
+              <a:rPr lang="fr-FR" dirty="0"/>
+              <a:t> : une distribution homogène et centrée</a:t>
+            </a:r>
+          </a:p>
+          <a:p>
+            <a:pPr>
+              <a:buFontTx/>
+              <a:buChar char="-"/>
+            </a:pPr>
+            <a:r>
+              <a:rPr lang="fr-FR" dirty="0"/>
+              <a:t>Description : une distribution hétérogène et asymétrique</a:t>
+            </a:r>
+          </a:p>
+        </p:txBody>
+      </p:sp>
+      <p:pic>
+        <p:nvPicPr>
+          <p:cNvPr id="5" name="Image 4" descr="Une image contenant texte, ligne, Tracé, diagramme&#10;&#10;Description générée automatiquement">
+            <a:extLst>
+              <a:ext uri="{FF2B5EF4-FFF2-40B4-BE49-F238E27FC236}">
+                <a16:creationId xmlns:a16="http://schemas.microsoft.com/office/drawing/2014/main" id="{11DEA6FD-AA76-D3F5-6C85-51E55CF25AD9}"/>
+              </a:ext>
+            </a:extLst>
+          </p:cNvPr>
+          <p:cNvPicPr>
+            <a:picLocks noChangeAspect="1"/>
+          </p:cNvPicPr>
+          <p:nvPr/>
+        </p:nvPicPr>
+        <p:blipFill>
+          <a:blip r:embed="rId2">
+            <a:extLst>
+              <a:ext uri="{28A0092B-C50C-407E-A947-70E740481C1C}">
+                <a14:useLocalDpi xmlns:a14="http://schemas.microsoft.com/office/drawing/2010/main" val="0"/>
+              </a:ext>
+            </a:extLst>
+          </a:blip>
+          <a:stretch>
+            <a:fillRect/>
+          </a:stretch>
+        </p:blipFill>
+        <p:spPr>
+          <a:xfrm>
+            <a:off x="986398" y="3161285"/>
+            <a:ext cx="9912511" cy="3331590"/>
+          </a:xfrm>
+          <a:prstGeom prst="rect">
+            <a:avLst/>
+          </a:prstGeom>
+        </p:spPr>
+      </p:pic>
     </p:spTree>
     <p:extLst>
       <p:ext uri="{BB962C8B-B14F-4D97-AF65-F5344CB8AC3E}">
-        <p14:creationId xmlns:p14="http://schemas.microsoft.com/office/powerpoint/2010/main" val="4159762272"/>
+        <p14:creationId xmlns:p14="http://schemas.microsoft.com/office/powerpoint/2010/main" val="3712003562"/>
       </p:ext>
     </p:extLst>
   </p:cSld>
@@ -7859,12 +8136,8 @@
           <a:lstStyle/>
           <a:p>
             <a:r>
-              <a:rPr lang="fr-FR" dirty="0" err="1"/>
-              <a:t>Features</a:t>
-            </a:r>
-            <a:r>
               <a:rPr lang="fr-FR" dirty="0"/>
-              <a:t> texte</a:t>
+              <a:t>Les prétraitements texte</a:t>
             </a:r>
           </a:p>
         </p:txBody>
@@ -7897,18 +8170,70 @@
           </a:bodyPr>
           <a:lstStyle/>
           <a:p>
+            <a:pPr marL="0" indent="0">
+              <a:buNone/>
+            </a:pPr>
             <a:r>
               <a:rPr lang="fr-FR" dirty="0"/>
-              <a:t>Séparation du travail image et texte</a:t>
-            </a:r>
-          </a:p>
-          <a:p>
+              <a:t>Deux approches :</a:t>
+            </a:r>
+          </a:p>
+          <a:p>
+            <a:pPr>
+              <a:buFontTx/>
+              <a:buChar char="-"/>
+            </a:pPr>
+            <a:r>
+              <a:rPr lang="fr-FR" dirty="0"/>
+              <a:t>Données brutes : suppression des emails, correction des erreurs de </a:t>
+            </a:r>
+            <a:r>
+              <a:rPr lang="fr-FR" dirty="0" err="1"/>
+              <a:t>tokénisation</a:t>
+            </a:r>
+            <a:r>
+              <a:rPr lang="fr-FR" dirty="0"/>
+              <a:t> (’13cm,3kFactory’)</a:t>
+            </a:r>
+          </a:p>
+          <a:p>
+            <a:pPr marL="0" indent="0">
+              <a:buNone/>
+            </a:pPr>
             <a:endParaRPr lang="fr-FR" dirty="0"/>
           </a:p>
           <a:p>
+            <a:pPr>
+              <a:buFontTx/>
+              <a:buChar char="-"/>
+            </a:pPr>
             <a:r>
               <a:rPr lang="fr-FR" dirty="0"/>
-              <a:t>Dispose d’un jeu de données de 1050 images et descriptions avec la réalité terrain (catégorie du produit)</a:t>
+              <a:t>Données simplifiées : Exemple avec une phrase et le type de prétraitement utilisée (lemmes, </a:t>
+            </a:r>
+            <a:r>
+              <a:rPr lang="fr-FR" dirty="0" err="1"/>
+              <a:t>lowercase</a:t>
+            </a:r>
+            <a:r>
+              <a:rPr lang="fr-FR" dirty="0"/>
+              <a:t>, </a:t>
+            </a:r>
+            <a:r>
+              <a:rPr lang="fr-FR" dirty="0" err="1"/>
+              <a:t>token</a:t>
+            </a:r>
+            <a:r>
+              <a:rPr lang="fr-FR" dirty="0"/>
+              <a:t> alphabétiques, retrait chiffre, retrait des </a:t>
+            </a:r>
+            <a:r>
+              <a:rPr lang="fr-FR" dirty="0" err="1"/>
+              <a:t>stopwords</a:t>
+            </a:r>
+            <a:r>
+              <a:rPr lang="fr-FR" dirty="0"/>
+              <a:t>)</a:t>
             </a:r>
           </a:p>
         </p:txBody>
@@ -7916,7 +8241,7 @@
     </p:spTree>
     <p:extLst>
       <p:ext uri="{BB962C8B-B14F-4D97-AF65-F5344CB8AC3E}">
-        <p14:creationId xmlns:p14="http://schemas.microsoft.com/office/powerpoint/2010/main" val="1009411413"/>
+        <p14:creationId xmlns:p14="http://schemas.microsoft.com/office/powerpoint/2010/main" val="4159762272"/>
       </p:ext>
     </p:extLst>
   </p:cSld>
@@ -7966,59 +8291,314 @@
           <a:p>
             <a:r>
               <a:rPr lang="fr-FR" dirty="0"/>
-              <a:t>ARI texte</a:t>
-            </a:r>
-          </a:p>
-        </p:txBody>
-      </p:sp>
-      <p:sp>
-        <p:nvSpPr>
-          <p:cNvPr id="3" name="Espace réservé du contenu 2">
-            <a:extLst>
-              <a:ext uri="{FF2B5EF4-FFF2-40B4-BE49-F238E27FC236}">
-                <a16:creationId xmlns:a16="http://schemas.microsoft.com/office/drawing/2014/main" id="{12269678-406B-FC2A-A048-7248F2C541F2}"/>
-              </a:ext>
-            </a:extLst>
-          </p:cNvPr>
-          <p:cNvSpPr>
-            <a:spLocks noGrp="1"/>
-          </p:cNvSpPr>
+              <a:t>Les différents types de modèle</a:t>
+            </a:r>
+          </a:p>
+        </p:txBody>
+      </p:sp>
+      <p:graphicFrame>
+        <p:nvGraphicFramePr>
+          <p:cNvPr id="6" name="Espace réservé du contenu 5">
+            <a:extLst>
+              <a:ext uri="{FF2B5EF4-FFF2-40B4-BE49-F238E27FC236}">
+                <a16:creationId xmlns:a16="http://schemas.microsoft.com/office/drawing/2014/main" id="{44B66271-4250-B4F5-EC4C-52FF9F73B62F}"/>
+              </a:ext>
+            </a:extLst>
+          </p:cNvPr>
+          <p:cNvGraphicFramePr>
+            <a:graphicFrameLocks noGrp="1"/>
+          </p:cNvGraphicFramePr>
           <p:nvPr>
             <p:ph idx="1"/>
-          </p:nvPr>
-        </p:nvSpPr>
-        <p:spPr>
-          <a:xfrm>
-            <a:off x="838200" y="1825625"/>
-            <a:ext cx="10515600" cy="3783867"/>
-          </a:xfrm>
-        </p:spPr>
-        <p:txBody>
-          <a:bodyPr>
-            <a:normAutofit/>
-          </a:bodyPr>
-          <a:lstStyle/>
-          <a:p>
-            <a:r>
-              <a:rPr lang="fr-FR" dirty="0"/>
-              <a:t>Séparation du travail image et texte</a:t>
-            </a:r>
-          </a:p>
-          <a:p>
-            <a:endParaRPr lang="fr-FR" dirty="0"/>
-          </a:p>
-          <a:p>
-            <a:r>
-              <a:rPr lang="fr-FR" dirty="0"/>
-              <a:t>Dispose d’un jeu de données de 1050 images et descriptions avec la réalité terrain (catégorie du produit)</a:t>
-            </a:r>
-          </a:p>
-        </p:txBody>
-      </p:sp>
+            <p:extLst>
+              <p:ext uri="{D42A27DB-BD31-4B8C-83A1-F6EECF244321}">
+                <p14:modId xmlns:p14="http://schemas.microsoft.com/office/powerpoint/2010/main" val="1003021904"/>
+              </p:ext>
+            </p:extLst>
+          </p:nvPr>
+        </p:nvGraphicFramePr>
+        <p:xfrm>
+          <a:off x="838200" y="1825625"/>
+          <a:ext cx="10515597" cy="2397760"/>
+        </p:xfrm>
+        <a:graphic>
+          <a:graphicData uri="http://schemas.openxmlformats.org/drawingml/2006/table">
+            <a:tbl>
+              <a:tblPr firstRow="1" bandRow="1">
+                <a:tableStyleId>{5C22544A-7EE6-4342-B048-85BDC9FD1C3A}</a:tableStyleId>
+              </a:tblPr>
+              <a:tblGrid>
+                <a:gridCol w="3505199">
+                  <a:extLst>
+                    <a:ext uri="{9D8B030D-6E8A-4147-A177-3AD203B41FA5}">
+                      <a16:colId xmlns:a16="http://schemas.microsoft.com/office/drawing/2014/main" val="2668448935"/>
+                    </a:ext>
+                  </a:extLst>
+                </a:gridCol>
+                <a:gridCol w="3505199">
+                  <a:extLst>
+                    <a:ext uri="{9D8B030D-6E8A-4147-A177-3AD203B41FA5}">
+                      <a16:colId xmlns:a16="http://schemas.microsoft.com/office/drawing/2014/main" val="2017928497"/>
+                    </a:ext>
+                  </a:extLst>
+                </a:gridCol>
+                <a:gridCol w="3505199">
+                  <a:extLst>
+                    <a:ext uri="{9D8B030D-6E8A-4147-A177-3AD203B41FA5}">
+                      <a16:colId xmlns:a16="http://schemas.microsoft.com/office/drawing/2014/main" val="3394608429"/>
+                    </a:ext>
+                  </a:extLst>
+                </a:gridCol>
+              </a:tblGrid>
+              <a:tr h="370840">
+                <a:tc>
+                  <a:txBody>
+                    <a:bodyPr/>
+                    <a:lstStyle/>
+                    <a:p>
+                      <a:r>
+                        <a:rPr lang="fr-FR" dirty="0"/>
+                        <a:t>Famille</a:t>
+                      </a:r>
+                    </a:p>
+                  </a:txBody>
+                  <a:tcPr/>
+                </a:tc>
+                <a:tc>
+                  <a:txBody>
+                    <a:bodyPr/>
+                    <a:lstStyle/>
+                    <a:p>
+                      <a:r>
+                        <a:rPr lang="fr-FR" dirty="0"/>
+                        <a:t>Modèles</a:t>
+                      </a:r>
+                    </a:p>
+                  </a:txBody>
+                  <a:tcPr/>
+                </a:tc>
+                <a:tc>
+                  <a:txBody>
+                    <a:bodyPr/>
+                    <a:lstStyle/>
+                    <a:p>
+                      <a:r>
+                        <a:rPr lang="fr-FR" dirty="0"/>
+                        <a:t>Caractéristiques clés</a:t>
+                      </a:r>
+                    </a:p>
+                  </a:txBody>
+                  <a:tcPr/>
+                </a:tc>
+                <a:extLst>
+                  <a:ext uri="{0D108BD9-81ED-4DB2-BD59-A6C34878D82A}">
+                    <a16:rowId xmlns:a16="http://schemas.microsoft.com/office/drawing/2014/main" val="4087183273"/>
+                  </a:ext>
+                </a:extLst>
+              </a:tr>
+              <a:tr h="370840">
+                <a:tc>
+                  <a:txBody>
+                    <a:bodyPr/>
+                    <a:lstStyle/>
+                    <a:p>
+                      <a:r>
+                        <a:rPr lang="fr-FR" dirty="0"/>
+                        <a:t>Méthode de vectorisation basée sur la fréquence d’apparition des </a:t>
+                      </a:r>
+                      <a:r>
+                        <a:rPr lang="fr-FR" dirty="0" err="1"/>
+                        <a:t>tokens</a:t>
+                      </a:r>
+                      <a:endParaRPr lang="fr-FR" dirty="0"/>
+                    </a:p>
+                  </a:txBody>
+                  <a:tcPr/>
+                </a:tc>
+                <a:tc>
+                  <a:txBody>
+                    <a:bodyPr/>
+                    <a:lstStyle/>
+                    <a:p>
+                      <a:r>
+                        <a:rPr lang="fr-FR" dirty="0"/>
+                        <a:t>Count </a:t>
+                      </a:r>
+                      <a:r>
+                        <a:rPr lang="fr-FR" dirty="0" err="1"/>
+                        <a:t>Vectorizer</a:t>
+                      </a:r>
+                      <a:endParaRPr lang="fr-FR" dirty="0"/>
+                    </a:p>
+                    <a:p>
+                      <a:r>
+                        <a:rPr lang="fr-FR" dirty="0"/>
+                        <a:t>Tf-</a:t>
+                      </a:r>
+                      <a:r>
+                        <a:rPr lang="fr-FR" dirty="0" err="1"/>
+                        <a:t>Idf</a:t>
+                      </a:r>
+                      <a:r>
+                        <a:rPr lang="fr-FR" dirty="0"/>
+                        <a:t> </a:t>
+                      </a:r>
+                      <a:r>
+                        <a:rPr lang="fr-FR" dirty="0" err="1"/>
+                        <a:t>Vectorizer</a:t>
+                      </a:r>
+                      <a:endParaRPr lang="fr-FR" dirty="0"/>
+                    </a:p>
+                  </a:txBody>
+                  <a:tcPr/>
+                </a:tc>
+                <a:tc>
+                  <a:txBody>
+                    <a:bodyPr/>
+                    <a:lstStyle/>
+                    <a:p>
+                      <a:r>
+                        <a:rPr lang="fr-FR"/>
+                        <a:t>Représentation </a:t>
+                      </a:r>
+                      <a:r>
+                        <a:rPr lang="fr-FR" dirty="0"/>
+                        <a:t>en Bag-of-</a:t>
+                      </a:r>
+                      <a:r>
+                        <a:rPr lang="fr-FR" dirty="0" err="1"/>
+                        <a:t>Words</a:t>
+                      </a:r>
+                      <a:endParaRPr lang="fr-FR" dirty="0"/>
+                    </a:p>
+                  </a:txBody>
+                  <a:tcPr/>
+                </a:tc>
+                <a:extLst>
+                  <a:ext uri="{0D108BD9-81ED-4DB2-BD59-A6C34878D82A}">
+                    <a16:rowId xmlns:a16="http://schemas.microsoft.com/office/drawing/2014/main" val="3606821186"/>
+                  </a:ext>
+                </a:extLst>
+              </a:tr>
+              <a:tr h="370840">
+                <a:tc>
+                  <a:txBody>
+                    <a:bodyPr/>
+                    <a:lstStyle/>
+                    <a:p>
+                      <a:endParaRPr lang="fr-FR"/>
+                    </a:p>
+                  </a:txBody>
+                  <a:tcPr/>
+                </a:tc>
+                <a:tc>
+                  <a:txBody>
+                    <a:bodyPr/>
+                    <a:lstStyle/>
+                    <a:p>
+                      <a:endParaRPr lang="fr-FR"/>
+                    </a:p>
+                  </a:txBody>
+                  <a:tcPr/>
+                </a:tc>
+                <a:tc>
+                  <a:txBody>
+                    <a:bodyPr/>
+                    <a:lstStyle/>
+                    <a:p>
+                      <a:endParaRPr lang="fr-FR"/>
+                    </a:p>
+                  </a:txBody>
+                  <a:tcPr/>
+                </a:tc>
+                <a:extLst>
+                  <a:ext uri="{0D108BD9-81ED-4DB2-BD59-A6C34878D82A}">
+                    <a16:rowId xmlns:a16="http://schemas.microsoft.com/office/drawing/2014/main" val="1618187933"/>
+                  </a:ext>
+                </a:extLst>
+              </a:tr>
+              <a:tr h="370840">
+                <a:tc>
+                  <a:txBody>
+                    <a:bodyPr/>
+                    <a:lstStyle/>
+                    <a:p>
+                      <a:endParaRPr lang="fr-FR"/>
+                    </a:p>
+                  </a:txBody>
+                  <a:tcPr/>
+                </a:tc>
+                <a:tc>
+                  <a:txBody>
+                    <a:bodyPr/>
+                    <a:lstStyle/>
+                    <a:p>
+                      <a:endParaRPr lang="fr-FR"/>
+                    </a:p>
+                  </a:txBody>
+                  <a:tcPr/>
+                </a:tc>
+                <a:tc>
+                  <a:txBody>
+                    <a:bodyPr/>
+                    <a:lstStyle/>
+                    <a:p>
+                      <a:endParaRPr lang="fr-FR"/>
+                    </a:p>
+                  </a:txBody>
+                  <a:tcPr/>
+                </a:tc>
+                <a:extLst>
+                  <a:ext uri="{0D108BD9-81ED-4DB2-BD59-A6C34878D82A}">
+                    <a16:rowId xmlns:a16="http://schemas.microsoft.com/office/drawing/2014/main" val="2674267267"/>
+                  </a:ext>
+                </a:extLst>
+              </a:tr>
+              <a:tr h="370840">
+                <a:tc>
+                  <a:txBody>
+                    <a:bodyPr/>
+                    <a:lstStyle/>
+                    <a:p>
+                      <a:endParaRPr lang="fr-FR"/>
+                    </a:p>
+                  </a:txBody>
+                  <a:tcPr/>
+                </a:tc>
+                <a:tc>
+                  <a:txBody>
+                    <a:bodyPr/>
+                    <a:lstStyle/>
+                    <a:p>
+                      <a:endParaRPr lang="fr-FR"/>
+                    </a:p>
+                  </a:txBody>
+                  <a:tcPr/>
+                </a:tc>
+                <a:tc>
+                  <a:txBody>
+                    <a:bodyPr/>
+                    <a:lstStyle/>
+                    <a:p>
+                      <a:endParaRPr lang="fr-FR" dirty="0"/>
+                    </a:p>
+                  </a:txBody>
+                  <a:tcPr/>
+                </a:tc>
+                <a:extLst>
+                  <a:ext uri="{0D108BD9-81ED-4DB2-BD59-A6C34878D82A}">
+                    <a16:rowId xmlns:a16="http://schemas.microsoft.com/office/drawing/2014/main" val="1839791522"/>
+                  </a:ext>
+                </a:extLst>
+              </a:tr>
+            </a:tbl>
+          </a:graphicData>
+        </a:graphic>
+      </p:graphicFrame>
     </p:spTree>
     <p:extLst>
       <p:ext uri="{BB962C8B-B14F-4D97-AF65-F5344CB8AC3E}">
-        <p14:creationId xmlns:p14="http://schemas.microsoft.com/office/powerpoint/2010/main" val="216442796"/>
+        <p14:creationId xmlns:p14="http://schemas.microsoft.com/office/powerpoint/2010/main" val="1942390561"/>
       </p:ext>
     </p:extLst>
   </p:cSld>
